--- a/ST.pptx
+++ b/ST.pptx
@@ -6,19 +6,18 @@
   </p:sldMasterIdLst>
   <p:sldIdLst>
     <p:sldId id="256" r:id="rId2"/>
-    <p:sldId id="257" r:id="rId3"/>
-    <p:sldId id="258" r:id="rId4"/>
-    <p:sldId id="259" r:id="rId5"/>
-    <p:sldId id="260" r:id="rId6"/>
-    <p:sldId id="261" r:id="rId7"/>
-    <p:sldId id="262" r:id="rId8"/>
-    <p:sldId id="263" r:id="rId9"/>
-    <p:sldId id="264" r:id="rId10"/>
-    <p:sldId id="265" r:id="rId11"/>
-    <p:sldId id="266" r:id="rId12"/>
-    <p:sldId id="267" r:id="rId13"/>
-    <p:sldId id="268" r:id="rId14"/>
-    <p:sldId id="269" r:id="rId15"/>
+    <p:sldId id="272" r:id="rId3"/>
+    <p:sldId id="270" r:id="rId4"/>
+    <p:sldId id="271" r:id="rId5"/>
+    <p:sldId id="257" r:id="rId6"/>
+    <p:sldId id="258" r:id="rId7"/>
+    <p:sldId id="259" r:id="rId8"/>
+    <p:sldId id="260" r:id="rId9"/>
+    <p:sldId id="261" r:id="rId10"/>
+    <p:sldId id="262" r:id="rId11"/>
+    <p:sldId id="263" r:id="rId12"/>
+    <p:sldId id="265" r:id="rId13"/>
+    <p:sldId id="266" r:id="rId14"/>
   </p:sldIdLst>
   <p:sldSz cx="12192000" cy="6858000"/>
   <p:notesSz cx="6858000" cy="9144000"/>
@@ -117,6 +116,11 @@
       </a:defRPr>
     </a:lvl9pPr>
   </p:defaultTextStyle>
+  <p:extLst>
+    <p:ext uri="{EFAFB233-063F-42B5-8137-9DF3F51BA10A}">
+      <p15:sldGuideLst xmlns:p15="http://schemas.microsoft.com/office/powerpoint/2012/main"/>
+    </p:ext>
+  </p:extLst>
 </p:presentation>
 </file>
 
@@ -269,7 +273,7 @@
           <a:p>
             <a:fld id="{F0D44AEA-9118-4F04-9643-C69AE5E2A1E8}" type="datetimeFigureOut">
               <a:rPr lang="pt-PT" smtClean="0"/>
-              <a:t>05/02/2019</a:t>
+              <a:t>06/02/2019</a:t>
             </a:fld>
             <a:endParaRPr lang="pt-PT"/>
           </a:p>
@@ -323,7 +327,7 @@
           <a:p>
             <a:fld id="{57C0E7FC-E942-456B-AE33-722FE1BB229B}" type="slidenum">
               <a:rPr lang="pt-PT" smtClean="0"/>
-              <a:t>‹#›</a:t>
+              <a:t>‹nº›</a:t>
             </a:fld>
             <a:endParaRPr lang="pt-PT"/>
           </a:p>
@@ -469,7 +473,7 @@
           <a:p>
             <a:fld id="{F0D44AEA-9118-4F04-9643-C69AE5E2A1E8}" type="datetimeFigureOut">
               <a:rPr lang="pt-PT" smtClean="0"/>
-              <a:t>05/02/2019</a:t>
+              <a:t>06/02/2019</a:t>
             </a:fld>
             <a:endParaRPr lang="pt-PT"/>
           </a:p>
@@ -523,7 +527,7 @@
           <a:p>
             <a:fld id="{57C0E7FC-E942-456B-AE33-722FE1BB229B}" type="slidenum">
               <a:rPr lang="pt-PT" smtClean="0"/>
-              <a:t>‹#›</a:t>
+              <a:t>‹nº›</a:t>
             </a:fld>
             <a:endParaRPr lang="pt-PT"/>
           </a:p>
@@ -679,7 +683,7 @@
           <a:p>
             <a:fld id="{F0D44AEA-9118-4F04-9643-C69AE5E2A1E8}" type="datetimeFigureOut">
               <a:rPr lang="pt-PT" smtClean="0"/>
-              <a:t>05/02/2019</a:t>
+              <a:t>06/02/2019</a:t>
             </a:fld>
             <a:endParaRPr lang="pt-PT"/>
           </a:p>
@@ -733,7 +737,7 @@
           <a:p>
             <a:fld id="{57C0E7FC-E942-456B-AE33-722FE1BB229B}" type="slidenum">
               <a:rPr lang="pt-PT" smtClean="0"/>
-              <a:t>‹#›</a:t>
+              <a:t>‹nº›</a:t>
             </a:fld>
             <a:endParaRPr lang="pt-PT"/>
           </a:p>
@@ -879,7 +883,7 @@
           <a:p>
             <a:fld id="{F0D44AEA-9118-4F04-9643-C69AE5E2A1E8}" type="datetimeFigureOut">
               <a:rPr lang="pt-PT" smtClean="0"/>
-              <a:t>05/02/2019</a:t>
+              <a:t>06/02/2019</a:t>
             </a:fld>
             <a:endParaRPr lang="pt-PT"/>
           </a:p>
@@ -933,7 +937,7 @@
           <a:p>
             <a:fld id="{57C0E7FC-E942-456B-AE33-722FE1BB229B}" type="slidenum">
               <a:rPr lang="pt-PT" smtClean="0"/>
-              <a:t>‹#›</a:t>
+              <a:t>‹nº›</a:t>
             </a:fld>
             <a:endParaRPr lang="pt-PT"/>
           </a:p>
@@ -1155,7 +1159,7 @@
           <a:p>
             <a:fld id="{F0D44AEA-9118-4F04-9643-C69AE5E2A1E8}" type="datetimeFigureOut">
               <a:rPr lang="pt-PT" smtClean="0"/>
-              <a:t>05/02/2019</a:t>
+              <a:t>06/02/2019</a:t>
             </a:fld>
             <a:endParaRPr lang="pt-PT"/>
           </a:p>
@@ -1209,7 +1213,7 @@
           <a:p>
             <a:fld id="{57C0E7FC-E942-456B-AE33-722FE1BB229B}" type="slidenum">
               <a:rPr lang="pt-PT" smtClean="0"/>
-              <a:t>‹#›</a:t>
+              <a:t>‹nº›</a:t>
             </a:fld>
             <a:endParaRPr lang="pt-PT"/>
           </a:p>
@@ -1423,7 +1427,7 @@
           <a:p>
             <a:fld id="{F0D44AEA-9118-4F04-9643-C69AE5E2A1E8}" type="datetimeFigureOut">
               <a:rPr lang="pt-PT" smtClean="0"/>
-              <a:t>05/02/2019</a:t>
+              <a:t>06/02/2019</a:t>
             </a:fld>
             <a:endParaRPr lang="pt-PT"/>
           </a:p>
@@ -1477,7 +1481,7 @@
           <a:p>
             <a:fld id="{57C0E7FC-E942-456B-AE33-722FE1BB229B}" type="slidenum">
               <a:rPr lang="pt-PT" smtClean="0"/>
-              <a:t>‹#›</a:t>
+              <a:t>‹nº›</a:t>
             </a:fld>
             <a:endParaRPr lang="pt-PT"/>
           </a:p>
@@ -1838,7 +1842,7 @@
           <a:p>
             <a:fld id="{F0D44AEA-9118-4F04-9643-C69AE5E2A1E8}" type="datetimeFigureOut">
               <a:rPr lang="pt-PT" smtClean="0"/>
-              <a:t>05/02/2019</a:t>
+              <a:t>06/02/2019</a:t>
             </a:fld>
             <a:endParaRPr lang="pt-PT"/>
           </a:p>
@@ -1892,7 +1896,7 @@
           <a:p>
             <a:fld id="{57C0E7FC-E942-456B-AE33-722FE1BB229B}" type="slidenum">
               <a:rPr lang="pt-PT" smtClean="0"/>
-              <a:t>‹#›</a:t>
+              <a:t>‹nº›</a:t>
             </a:fld>
             <a:endParaRPr lang="pt-PT"/>
           </a:p>
@@ -1980,7 +1984,7 @@
           <a:p>
             <a:fld id="{F0D44AEA-9118-4F04-9643-C69AE5E2A1E8}" type="datetimeFigureOut">
               <a:rPr lang="pt-PT" smtClean="0"/>
-              <a:t>05/02/2019</a:t>
+              <a:t>06/02/2019</a:t>
             </a:fld>
             <a:endParaRPr lang="pt-PT"/>
           </a:p>
@@ -2034,7 +2038,7 @@
           <a:p>
             <a:fld id="{57C0E7FC-E942-456B-AE33-722FE1BB229B}" type="slidenum">
               <a:rPr lang="pt-PT" smtClean="0"/>
-              <a:t>‹#›</a:t>
+              <a:t>‹nº›</a:t>
             </a:fld>
             <a:endParaRPr lang="pt-PT"/>
           </a:p>
@@ -2093,7 +2097,7 @@
           <a:p>
             <a:fld id="{F0D44AEA-9118-4F04-9643-C69AE5E2A1E8}" type="datetimeFigureOut">
               <a:rPr lang="pt-PT" smtClean="0"/>
-              <a:t>05/02/2019</a:t>
+              <a:t>06/02/2019</a:t>
             </a:fld>
             <a:endParaRPr lang="pt-PT"/>
           </a:p>
@@ -2147,7 +2151,7 @@
           <a:p>
             <a:fld id="{57C0E7FC-E942-456B-AE33-722FE1BB229B}" type="slidenum">
               <a:rPr lang="pt-PT" smtClean="0"/>
-              <a:t>‹#›</a:t>
+              <a:t>‹nº›</a:t>
             </a:fld>
             <a:endParaRPr lang="pt-PT"/>
           </a:p>
@@ -2406,7 +2410,7 @@
           <a:p>
             <a:fld id="{F0D44AEA-9118-4F04-9643-C69AE5E2A1E8}" type="datetimeFigureOut">
               <a:rPr lang="pt-PT" smtClean="0"/>
-              <a:t>05/02/2019</a:t>
+              <a:t>06/02/2019</a:t>
             </a:fld>
             <a:endParaRPr lang="pt-PT"/>
           </a:p>
@@ -2460,7 +2464,7 @@
           <a:p>
             <a:fld id="{57C0E7FC-E942-456B-AE33-722FE1BB229B}" type="slidenum">
               <a:rPr lang="pt-PT" smtClean="0"/>
-              <a:t>‹#›</a:t>
+              <a:t>‹nº›</a:t>
             </a:fld>
             <a:endParaRPr lang="pt-PT"/>
           </a:p>
@@ -2695,7 +2699,7 @@
           <a:p>
             <a:fld id="{F0D44AEA-9118-4F04-9643-C69AE5E2A1E8}" type="datetimeFigureOut">
               <a:rPr lang="pt-PT" smtClean="0"/>
-              <a:t>05/02/2019</a:t>
+              <a:t>06/02/2019</a:t>
             </a:fld>
             <a:endParaRPr lang="pt-PT"/>
           </a:p>
@@ -2749,7 +2753,7 @@
           <a:p>
             <a:fld id="{57C0E7FC-E942-456B-AE33-722FE1BB229B}" type="slidenum">
               <a:rPr lang="pt-PT" smtClean="0"/>
-              <a:t>‹#›</a:t>
+              <a:t>‹nº›</a:t>
             </a:fld>
             <a:endParaRPr lang="pt-PT"/>
           </a:p>
@@ -2938,7 +2942,7 @@
           <a:p>
             <a:fld id="{F0D44AEA-9118-4F04-9643-C69AE5E2A1E8}" type="datetimeFigureOut">
               <a:rPr lang="pt-PT" smtClean="0"/>
-              <a:t>05/02/2019</a:t>
+              <a:t>06/02/2019</a:t>
             </a:fld>
             <a:endParaRPr lang="pt-PT"/>
           </a:p>
@@ -3028,7 +3032,7 @@
           <a:p>
             <a:fld id="{57C0E7FC-E942-456B-AE33-722FE1BB229B}" type="slidenum">
               <a:rPr lang="pt-PT" smtClean="0"/>
-              <a:t>‹#›</a:t>
+              <a:t>‹nº›</a:t>
             </a:fld>
             <a:endParaRPr lang="pt-PT"/>
           </a:p>
@@ -3369,8 +3373,8 @@
         </p:nvSpPr>
         <p:spPr>
           <a:xfrm>
-            <a:off x="194736" y="2920995"/>
-            <a:ext cx="2218267" cy="1253067"/>
+            <a:off x="5072937" y="0"/>
+            <a:ext cx="2107520" cy="927159"/>
           </a:xfrm>
           <a:prstGeom prst="ellipse">
             <a:avLst/>
@@ -3406,10 +3410,10 @@
       </p:sp>
       <p:sp>
         <p:nvSpPr>
-          <p:cNvPr id="7" name="Rectangle 6">
-            <a:extLst>
-              <a:ext uri="{FF2B5EF4-FFF2-40B4-BE49-F238E27FC236}">
-                <a16:creationId xmlns:a16="http://schemas.microsoft.com/office/drawing/2014/main" id="{20A26D80-A16D-439A-A3DB-068D6D9BF87D}"/>
+          <p:cNvPr id="19" name="Rectangle 18">
+            <a:extLst>
+              <a:ext uri="{FF2B5EF4-FFF2-40B4-BE49-F238E27FC236}">
+                <a16:creationId xmlns:a16="http://schemas.microsoft.com/office/drawing/2014/main" id="{81B334C9-1443-49D5-8E68-F35C6FA02139}"/>
               </a:ext>
             </a:extLst>
           </p:cNvPr>
@@ -3418,14 +3422,14 @@
         </p:nvSpPr>
         <p:spPr>
           <a:xfrm>
-            <a:off x="2976035" y="3081852"/>
-            <a:ext cx="2099734" cy="922867"/>
+            <a:off x="9011886" y="1331157"/>
+            <a:ext cx="1430669" cy="469201"/>
           </a:xfrm>
           <a:prstGeom prst="rect">
             <a:avLst/>
           </a:prstGeom>
           <a:solidFill>
-            <a:srgbClr val="FF0000"/>
+            <a:schemeClr val="accent2"/>
           </a:solidFill>
         </p:spPr>
         <p:style>
@@ -3450,18 +3454,22 @@
           <a:p>
             <a:pPr algn="ctr"/>
             <a:r>
-              <a:rPr lang="pt-PT" dirty="0"/>
-              <a:t>Atendidas imediatamente(112)</a:t>
-            </a:r>
-          </a:p>
-        </p:txBody>
-      </p:sp>
-      <p:sp>
-        <p:nvSpPr>
-          <p:cNvPr id="19" name="Rectangle 18">
-            <a:extLst>
-              <a:ext uri="{FF2B5EF4-FFF2-40B4-BE49-F238E27FC236}">
-                <a16:creationId xmlns:a16="http://schemas.microsoft.com/office/drawing/2014/main" id="{81B334C9-1443-49D5-8E68-F35C6FA02139}"/>
+              <a:rPr lang="pt-PT" dirty="0">
+                <a:solidFill>
+                  <a:schemeClr val="tx1"/>
+                </a:solidFill>
+              </a:rPr>
+              <a:t>112</a:t>
+            </a:r>
+          </a:p>
+        </p:txBody>
+      </p:sp>
+      <p:sp>
+        <p:nvSpPr>
+          <p:cNvPr id="26" name="Rectangle 25">
+            <a:extLst>
+              <a:ext uri="{FF2B5EF4-FFF2-40B4-BE49-F238E27FC236}">
+                <a16:creationId xmlns:a16="http://schemas.microsoft.com/office/drawing/2014/main" id="{8FCA8558-E74E-4651-A9D8-869532F8930E}"/>
               </a:ext>
             </a:extLst>
           </p:cNvPr>
@@ -3470,12 +3478,15 @@
         </p:nvSpPr>
         <p:spPr>
           <a:xfrm>
-            <a:off x="9567336" y="905864"/>
-            <a:ext cx="1989668" cy="778935"/>
+            <a:off x="1721678" y="1331608"/>
+            <a:ext cx="1486199" cy="469201"/>
           </a:xfrm>
           <a:prstGeom prst="rect">
             <a:avLst/>
           </a:prstGeom>
+          <a:solidFill>
+            <a:schemeClr val="accent5"/>
+          </a:solidFill>
         </p:spPr>
         <p:style>
           <a:lnRef idx="2">
@@ -3499,136 +3510,41 @@
           <a:p>
             <a:pPr algn="ctr"/>
             <a:r>
-              <a:rPr lang="pt-PT" dirty="0"/>
-              <a:t>Fila espera 112</a:t>
-            </a:r>
-          </a:p>
-        </p:txBody>
-      </p:sp>
-      <p:sp>
-        <p:nvSpPr>
-          <p:cNvPr id="26" name="Rectangle 25">
-            <a:extLst>
-              <a:ext uri="{FF2B5EF4-FFF2-40B4-BE49-F238E27FC236}">
-                <a16:creationId xmlns:a16="http://schemas.microsoft.com/office/drawing/2014/main" id="{8FCA8558-E74E-4651-A9D8-869532F8930E}"/>
-              </a:ext>
-            </a:extLst>
-          </p:cNvPr>
-          <p:cNvSpPr/>
-          <p:nvPr/>
-        </p:nvSpPr>
-        <p:spPr>
-          <a:xfrm>
-            <a:off x="9567336" y="5499111"/>
-            <a:ext cx="1989668" cy="778934"/>
-          </a:xfrm>
-          <a:prstGeom prst="rect">
-            <a:avLst/>
-          </a:prstGeom>
-          <a:solidFill>
-            <a:schemeClr val="accent4">
-              <a:lumMod val="60000"/>
-              <a:lumOff val="40000"/>
-            </a:schemeClr>
-          </a:solidFill>
-        </p:spPr>
-        <p:style>
-          <a:lnRef idx="2">
-            <a:schemeClr val="accent1">
-              <a:shade val="50000"/>
-            </a:schemeClr>
-          </a:lnRef>
-          <a:fillRef idx="1">
-            <a:schemeClr val="accent1"/>
-          </a:fillRef>
-          <a:effectRef idx="0">
-            <a:schemeClr val="accent1"/>
-          </a:effectRef>
-          <a:fontRef idx="minor">
-            <a:schemeClr val="lt1"/>
-          </a:fontRef>
-        </p:style>
-        <p:txBody>
-          <a:bodyPr rtlCol="0" anchor="ctr"/>
-          <a:lstStyle/>
-          <a:p>
-            <a:pPr algn="ctr"/>
-            <a:r>
               <a:rPr lang="pt-PT" dirty="0">
                 <a:solidFill>
                   <a:schemeClr val="tx1"/>
                 </a:solidFill>
               </a:rPr>
-              <a:t>Fila espera INEM</a:t>
+              <a:t>INEM</a:t>
             </a:r>
           </a:p>
         </p:txBody>
       </p:sp>
       <p:cxnSp>
         <p:nvCxnSpPr>
-          <p:cNvPr id="62" name="Straight Arrow Connector 61">
-            <a:extLst>
-              <a:ext uri="{FF2B5EF4-FFF2-40B4-BE49-F238E27FC236}">
-                <a16:creationId xmlns:a16="http://schemas.microsoft.com/office/drawing/2014/main" id="{D5F216E5-3816-41F4-8BDD-C80A7D017C9C}"/>
+          <p:cNvPr id="66" name="Connector: Elbow 65">
+            <a:extLst>
+              <a:ext uri="{FF2B5EF4-FFF2-40B4-BE49-F238E27FC236}">
+                <a16:creationId xmlns:a16="http://schemas.microsoft.com/office/drawing/2014/main" id="{5413C21B-680E-46C5-8947-EBF5A476D921}"/>
               </a:ext>
             </a:extLst>
           </p:cNvPr>
           <p:cNvCxnSpPr>
-            <a:stCxn id="6" idx="6"/>
-            <a:endCxn id="7" idx="1"/>
+            <a:cxnSpLocks/>
+            <a:stCxn id="78" idx="1"/>
+            <a:endCxn id="26" idx="3"/>
           </p:cNvCxnSpPr>
           <p:nvPr/>
         </p:nvCxnSpPr>
         <p:spPr>
-          <a:xfrm flipV="1">
-            <a:off x="2413003" y="3543286"/>
-            <a:ext cx="563032" cy="4243"/>
-          </a:xfrm>
-          <a:prstGeom prst="straightConnector1">
-            <a:avLst/>
-          </a:prstGeom>
-          <a:ln>
-            <a:tailEnd type="triangle"/>
-          </a:ln>
-        </p:spPr>
-        <p:style>
-          <a:lnRef idx="1">
-            <a:schemeClr val="accent1"/>
-          </a:lnRef>
-          <a:fillRef idx="0">
-            <a:schemeClr val="accent1"/>
-          </a:fillRef>
-          <a:effectRef idx="0">
-            <a:schemeClr val="accent1"/>
-          </a:effectRef>
-          <a:fontRef idx="minor">
-            <a:schemeClr val="tx1"/>
-          </a:fontRef>
-        </p:style>
-      </p:cxnSp>
-      <p:cxnSp>
-        <p:nvCxnSpPr>
-          <p:cNvPr id="66" name="Connector: Elbow 65">
-            <a:extLst>
-              <a:ext uri="{FF2B5EF4-FFF2-40B4-BE49-F238E27FC236}">
-                <a16:creationId xmlns:a16="http://schemas.microsoft.com/office/drawing/2014/main" id="{5413C21B-680E-46C5-8947-EBF5A476D921}"/>
-              </a:ext>
-            </a:extLst>
-          </p:cNvPr>
-          <p:cNvCxnSpPr>
-            <a:cxnSpLocks/>
-            <a:stCxn id="78" idx="2"/>
-            <a:endCxn id="26" idx="1"/>
-          </p:cNvCxnSpPr>
-          <p:nvPr/>
-        </p:nvCxnSpPr>
-        <p:spPr>
-          <a:xfrm rot="16200000" flipH="1">
-            <a:off x="7410443" y="3731684"/>
-            <a:ext cx="1663719" cy="2650067"/>
-          </a:xfrm>
-          <a:prstGeom prst="bentConnector2">
-            <a:avLst/>
+          <a:xfrm rot="10800000" flipV="1">
+            <a:off x="3207878" y="1563589"/>
+            <a:ext cx="1597971" cy="2620"/>
+          </a:xfrm>
+          <a:prstGeom prst="bentConnector3">
+            <a:avLst>
+              <a:gd name="adj1" fmla="val 50000"/>
+            </a:avLst>
           </a:prstGeom>
           <a:ln>
             <a:tailEnd type="triangle"/>
@@ -3660,18 +3576,20 @@
           </p:cNvPr>
           <p:cNvCxnSpPr>
             <a:cxnSpLocks/>
-            <a:stCxn id="78" idx="0"/>
+            <a:stCxn id="78" idx="3"/>
             <a:endCxn id="19" idx="1"/>
           </p:cNvCxnSpPr>
           <p:nvPr/>
         </p:nvCxnSpPr>
         <p:spPr>
-          <a:xfrm rot="5400000" flipH="1" flipV="1">
-            <a:off x="7454874" y="757728"/>
-            <a:ext cx="1574857" cy="2650067"/>
-          </a:xfrm>
-          <a:prstGeom prst="bentConnector2">
-            <a:avLst/>
+          <a:xfrm>
+            <a:off x="7447547" y="1563589"/>
+            <a:ext cx="1564339" cy="2169"/>
+          </a:xfrm>
+          <a:prstGeom prst="bentConnector3">
+            <a:avLst>
+              <a:gd name="adj1" fmla="val 50000"/>
+            </a:avLst>
           </a:prstGeom>
           <a:ln>
             <a:tailEnd type="triangle"/>
@@ -3706,8 +3624,8 @@
         </p:nvSpPr>
         <p:spPr>
           <a:xfrm>
-            <a:off x="5638801" y="2870189"/>
-            <a:ext cx="2556935" cy="1354670"/>
+            <a:off x="4805848" y="1100009"/>
+            <a:ext cx="2641699" cy="927159"/>
           </a:xfrm>
           <a:prstGeom prst="diamond">
             <a:avLst/>
@@ -3751,18 +3669,21 @@
             </a:extLst>
           </p:cNvPr>
           <p:cNvCxnSpPr>
-            <a:stCxn id="7" idx="3"/>
-            <a:endCxn id="78" idx="1"/>
+            <a:cxnSpLocks/>
+            <a:stCxn id="6" idx="4"/>
+            <a:endCxn id="78" idx="0"/>
           </p:cNvCxnSpPr>
           <p:nvPr/>
         </p:nvCxnSpPr>
         <p:spPr>
-          <a:xfrm>
-            <a:off x="5075769" y="3543286"/>
-            <a:ext cx="563032" cy="4238"/>
+          <a:xfrm rot="16200000" flipH="1">
+            <a:off x="6040272" y="1013583"/>
+            <a:ext cx="172850" cy="1"/>
           </a:xfrm>
           <a:prstGeom prst="bentConnector3">
-            <a:avLst/>
+            <a:avLst>
+              <a:gd name="adj1" fmla="val 50000"/>
+            </a:avLst>
           </a:prstGeom>
           <a:ln>
             <a:tailEnd type="triangle"/>
@@ -3797,8 +3718,8 @@
         </p:nvSpPr>
         <p:spPr>
           <a:xfrm>
-            <a:off x="8060268" y="5482178"/>
-            <a:ext cx="812800" cy="369332"/>
+            <a:off x="3563451" y="1136731"/>
+            <a:ext cx="695891" cy="375388"/>
           </a:xfrm>
           <a:prstGeom prst="rect">
             <a:avLst/>
@@ -3837,7 +3758,7 @@
         </p:nvSpPr>
         <p:spPr>
           <a:xfrm>
-            <a:off x="8128002" y="876861"/>
+            <a:off x="7891050" y="1109045"/>
             <a:ext cx="677332" cy="369332"/>
           </a:xfrm>
           <a:prstGeom prst="rect">
@@ -3854,6 +3775,1487 @@
             <a:r>
               <a:rPr lang="pt-PT" dirty="0"/>
               <a:t>NÃO</a:t>
+            </a:r>
+          </a:p>
+        </p:txBody>
+      </p:sp>
+      <p:sp>
+        <p:nvSpPr>
+          <p:cNvPr id="41" name="Losango 40">
+            <a:extLst>
+              <a:ext uri="{FF2B5EF4-FFF2-40B4-BE49-F238E27FC236}">
+                <a16:creationId xmlns:a16="http://schemas.microsoft.com/office/drawing/2014/main" id="{12D6A438-9D21-45B4-852B-1B6C4219E6B3}"/>
+              </a:ext>
+            </a:extLst>
+          </p:cNvPr>
+          <p:cNvSpPr/>
+          <p:nvPr/>
+        </p:nvSpPr>
+        <p:spPr>
+          <a:xfrm>
+            <a:off x="8892564" y="2438393"/>
+            <a:ext cx="1669311" cy="633913"/>
+          </a:xfrm>
+          <a:prstGeom prst="diamond">
+            <a:avLst/>
+          </a:prstGeom>
+        </p:spPr>
+        <p:style>
+          <a:lnRef idx="2">
+            <a:schemeClr val="accent1">
+              <a:shade val="50000"/>
+            </a:schemeClr>
+          </a:lnRef>
+          <a:fillRef idx="1">
+            <a:schemeClr val="accent1"/>
+          </a:fillRef>
+          <a:effectRef idx="0">
+            <a:schemeClr val="accent1"/>
+          </a:effectRef>
+          <a:fontRef idx="minor">
+            <a:schemeClr val="lt1"/>
+          </a:fontRef>
+        </p:style>
+        <p:txBody>
+          <a:bodyPr rtlCol="0" anchor="ctr"/>
+          <a:lstStyle/>
+          <a:p>
+            <a:pPr algn="ctr"/>
+            <a:r>
+              <a:rPr lang="pt-PT" sz="1200" dirty="0"/>
+              <a:t>Há linhas?</a:t>
+            </a:r>
+          </a:p>
+        </p:txBody>
+      </p:sp>
+      <p:cxnSp>
+        <p:nvCxnSpPr>
+          <p:cNvPr id="43" name="Conexão reta unidirecional 42">
+            <a:extLst>
+              <a:ext uri="{FF2B5EF4-FFF2-40B4-BE49-F238E27FC236}">
+                <a16:creationId xmlns:a16="http://schemas.microsoft.com/office/drawing/2014/main" id="{935252B4-32D4-45D1-94E4-1F6440238133}"/>
+              </a:ext>
+            </a:extLst>
+          </p:cNvPr>
+          <p:cNvCxnSpPr>
+            <a:cxnSpLocks/>
+            <a:stCxn id="19" idx="2"/>
+            <a:endCxn id="41" idx="0"/>
+          </p:cNvCxnSpPr>
+          <p:nvPr/>
+        </p:nvCxnSpPr>
+        <p:spPr>
+          <a:xfrm rot="5400000">
+            <a:off x="9408204" y="2119375"/>
+            <a:ext cx="638035" cy="1"/>
+          </a:xfrm>
+          <a:prstGeom prst="bentConnector3">
+            <a:avLst>
+              <a:gd name="adj1" fmla="val 50000"/>
+            </a:avLst>
+          </a:prstGeom>
+          <a:ln>
+            <a:tailEnd type="triangle"/>
+          </a:ln>
+        </p:spPr>
+        <p:style>
+          <a:lnRef idx="1">
+            <a:schemeClr val="accent1"/>
+          </a:lnRef>
+          <a:fillRef idx="0">
+            <a:schemeClr val="accent1"/>
+          </a:fillRef>
+          <a:effectRef idx="0">
+            <a:schemeClr val="accent1"/>
+          </a:effectRef>
+          <a:fontRef idx="minor">
+            <a:schemeClr val="tx1"/>
+          </a:fontRef>
+        </p:style>
+      </p:cxnSp>
+      <p:sp>
+        <p:nvSpPr>
+          <p:cNvPr id="52" name="Losango 51">
+            <a:extLst>
+              <a:ext uri="{FF2B5EF4-FFF2-40B4-BE49-F238E27FC236}">
+                <a16:creationId xmlns:a16="http://schemas.microsoft.com/office/drawing/2014/main" id="{547A8149-504C-4E08-8785-A7BB34363302}"/>
+              </a:ext>
+            </a:extLst>
+          </p:cNvPr>
+          <p:cNvSpPr/>
+          <p:nvPr/>
+        </p:nvSpPr>
+        <p:spPr>
+          <a:xfrm>
+            <a:off x="10200470" y="3192193"/>
+            <a:ext cx="1936694" cy="839271"/>
+          </a:xfrm>
+          <a:prstGeom prst="diamond">
+            <a:avLst/>
+          </a:prstGeom>
+        </p:spPr>
+        <p:style>
+          <a:lnRef idx="2">
+            <a:schemeClr val="accent1">
+              <a:shade val="50000"/>
+            </a:schemeClr>
+          </a:lnRef>
+          <a:fillRef idx="1">
+            <a:schemeClr val="accent1"/>
+          </a:fillRef>
+          <a:effectRef idx="0">
+            <a:schemeClr val="accent1"/>
+          </a:effectRef>
+          <a:fontRef idx="minor">
+            <a:schemeClr val="lt1"/>
+          </a:fontRef>
+        </p:style>
+        <p:txBody>
+          <a:bodyPr rtlCol="0" anchor="ctr"/>
+          <a:lstStyle/>
+          <a:p>
+            <a:pPr algn="ctr"/>
+            <a:r>
+              <a:rPr lang="pt-PT" sz="1200" dirty="0"/>
+              <a:t>Há operadores?</a:t>
+            </a:r>
+          </a:p>
+        </p:txBody>
+      </p:sp>
+      <p:cxnSp>
+        <p:nvCxnSpPr>
+          <p:cNvPr id="46" name="Conexão reta unidirecional 45">
+            <a:extLst>
+              <a:ext uri="{FF2B5EF4-FFF2-40B4-BE49-F238E27FC236}">
+                <a16:creationId xmlns:a16="http://schemas.microsoft.com/office/drawing/2014/main" id="{638FC307-16D4-4D7B-B101-970172A08E69}"/>
+              </a:ext>
+            </a:extLst>
+          </p:cNvPr>
+          <p:cNvCxnSpPr>
+            <a:cxnSpLocks/>
+            <a:stCxn id="41" idx="1"/>
+            <a:endCxn id="48" idx="6"/>
+          </p:cNvCxnSpPr>
+          <p:nvPr/>
+        </p:nvCxnSpPr>
+        <p:spPr>
+          <a:xfrm flipH="1" flipV="1">
+            <a:off x="8274354" y="2744428"/>
+            <a:ext cx="618210" cy="10922"/>
+          </a:xfrm>
+          <a:prstGeom prst="straightConnector1">
+            <a:avLst/>
+          </a:prstGeom>
+          <a:ln>
+            <a:tailEnd type="triangle"/>
+          </a:ln>
+        </p:spPr>
+        <p:style>
+          <a:lnRef idx="1">
+            <a:schemeClr val="accent1"/>
+          </a:lnRef>
+          <a:fillRef idx="0">
+            <a:schemeClr val="accent1"/>
+          </a:fillRef>
+          <a:effectRef idx="0">
+            <a:schemeClr val="accent1"/>
+          </a:effectRef>
+          <a:fontRef idx="minor">
+            <a:schemeClr val="tx1"/>
+          </a:fontRef>
+        </p:style>
+      </p:cxnSp>
+      <p:sp>
+        <p:nvSpPr>
+          <p:cNvPr id="48" name="Oval 47">
+            <a:extLst>
+              <a:ext uri="{FF2B5EF4-FFF2-40B4-BE49-F238E27FC236}">
+                <a16:creationId xmlns:a16="http://schemas.microsoft.com/office/drawing/2014/main" id="{EFF88F1B-F1D7-4543-B6A3-1D14E53074FE}"/>
+              </a:ext>
+            </a:extLst>
+          </p:cNvPr>
+          <p:cNvSpPr/>
+          <p:nvPr/>
+        </p:nvSpPr>
+        <p:spPr>
+          <a:xfrm>
+            <a:off x="7026892" y="2507525"/>
+            <a:ext cx="1247462" cy="473805"/>
+          </a:xfrm>
+          <a:prstGeom prst="ellipse">
+            <a:avLst/>
+          </a:prstGeom>
+        </p:spPr>
+        <p:style>
+          <a:lnRef idx="2">
+            <a:schemeClr val="accent1">
+              <a:shade val="50000"/>
+            </a:schemeClr>
+          </a:lnRef>
+          <a:fillRef idx="1">
+            <a:schemeClr val="accent1"/>
+          </a:fillRef>
+          <a:effectRef idx="0">
+            <a:schemeClr val="accent1"/>
+          </a:effectRef>
+          <a:fontRef idx="minor">
+            <a:schemeClr val="lt1"/>
+          </a:fontRef>
+        </p:style>
+        <p:txBody>
+          <a:bodyPr rtlCol="0" anchor="ctr"/>
+          <a:lstStyle/>
+          <a:p>
+            <a:pPr algn="ctr"/>
+            <a:r>
+              <a:rPr lang="pt-PT" sz="1200" dirty="0"/>
+              <a:t>Bloqueada</a:t>
+            </a:r>
+          </a:p>
+        </p:txBody>
+      </p:sp>
+      <p:sp>
+        <p:nvSpPr>
+          <p:cNvPr id="80" name="TextBox 87">
+            <a:extLst>
+              <a:ext uri="{FF2B5EF4-FFF2-40B4-BE49-F238E27FC236}">
+                <a16:creationId xmlns:a16="http://schemas.microsoft.com/office/drawing/2014/main" id="{AF22848F-D9A2-4486-9327-604356B0E73E}"/>
+              </a:ext>
+            </a:extLst>
+          </p:cNvPr>
+          <p:cNvSpPr txBox="1"/>
+          <p:nvPr/>
+        </p:nvSpPr>
+        <p:spPr>
+          <a:xfrm>
+            <a:off x="8345533" y="2318506"/>
+            <a:ext cx="677332" cy="369332"/>
+          </a:xfrm>
+          <a:prstGeom prst="rect">
+            <a:avLst/>
+          </a:prstGeom>
+          <a:noFill/>
+        </p:spPr>
+        <p:txBody>
+          <a:bodyPr wrap="square" rtlCol="0">
+            <a:spAutoFit/>
+          </a:bodyPr>
+          <a:lstStyle/>
+          <a:p>
+            <a:r>
+              <a:rPr lang="pt-PT" dirty="0"/>
+              <a:t>NÃO</a:t>
+            </a:r>
+          </a:p>
+        </p:txBody>
+      </p:sp>
+      <p:cxnSp>
+        <p:nvCxnSpPr>
+          <p:cNvPr id="77" name="Conexão reta unidirecional 76">
+            <a:extLst>
+              <a:ext uri="{FF2B5EF4-FFF2-40B4-BE49-F238E27FC236}">
+                <a16:creationId xmlns:a16="http://schemas.microsoft.com/office/drawing/2014/main" id="{76A04A8C-610B-49DA-8AEC-BA432A1EDE02}"/>
+              </a:ext>
+            </a:extLst>
+          </p:cNvPr>
+          <p:cNvCxnSpPr>
+            <a:cxnSpLocks/>
+            <a:stCxn id="41" idx="3"/>
+            <a:endCxn id="52" idx="0"/>
+          </p:cNvCxnSpPr>
+          <p:nvPr/>
+        </p:nvCxnSpPr>
+        <p:spPr>
+          <a:xfrm>
+            <a:off x="10561875" y="2755350"/>
+            <a:ext cx="606942" cy="436843"/>
+          </a:xfrm>
+          <a:prstGeom prst="straightConnector1">
+            <a:avLst/>
+          </a:prstGeom>
+          <a:ln>
+            <a:tailEnd type="triangle"/>
+          </a:ln>
+        </p:spPr>
+        <p:style>
+          <a:lnRef idx="1">
+            <a:schemeClr val="accent1"/>
+          </a:lnRef>
+          <a:fillRef idx="0">
+            <a:schemeClr val="accent1"/>
+          </a:fillRef>
+          <a:effectRef idx="0">
+            <a:schemeClr val="accent1"/>
+          </a:effectRef>
+          <a:fontRef idx="minor">
+            <a:schemeClr val="tx1"/>
+          </a:fontRef>
+        </p:style>
+      </p:cxnSp>
+      <p:cxnSp>
+        <p:nvCxnSpPr>
+          <p:cNvPr id="86" name="Conexão reta unidirecional 85">
+            <a:extLst>
+              <a:ext uri="{FF2B5EF4-FFF2-40B4-BE49-F238E27FC236}">
+                <a16:creationId xmlns:a16="http://schemas.microsoft.com/office/drawing/2014/main" id="{AD46064D-7449-4499-ABEF-9CCD61773400}"/>
+              </a:ext>
+            </a:extLst>
+          </p:cNvPr>
+          <p:cNvCxnSpPr>
+            <a:cxnSpLocks/>
+            <a:stCxn id="52" idx="1"/>
+            <a:endCxn id="91" idx="6"/>
+          </p:cNvCxnSpPr>
+          <p:nvPr/>
+        </p:nvCxnSpPr>
+        <p:spPr>
+          <a:xfrm flipH="1">
+            <a:off x="9394836" y="3611829"/>
+            <a:ext cx="805634" cy="520190"/>
+          </a:xfrm>
+          <a:prstGeom prst="straightConnector1">
+            <a:avLst/>
+          </a:prstGeom>
+          <a:ln>
+            <a:tailEnd type="triangle"/>
+          </a:ln>
+        </p:spPr>
+        <p:style>
+          <a:lnRef idx="1">
+            <a:schemeClr val="accent1"/>
+          </a:lnRef>
+          <a:fillRef idx="0">
+            <a:schemeClr val="accent1"/>
+          </a:fillRef>
+          <a:effectRef idx="0">
+            <a:schemeClr val="accent1"/>
+          </a:effectRef>
+          <a:fontRef idx="minor">
+            <a:schemeClr val="tx1"/>
+          </a:fontRef>
+        </p:style>
+      </p:cxnSp>
+      <p:sp>
+        <p:nvSpPr>
+          <p:cNvPr id="91" name="Oval 90">
+            <a:extLst>
+              <a:ext uri="{FF2B5EF4-FFF2-40B4-BE49-F238E27FC236}">
+                <a16:creationId xmlns:a16="http://schemas.microsoft.com/office/drawing/2014/main" id="{BB5A78C3-C6B4-4135-94E3-F70CE5A87EB4}"/>
+              </a:ext>
+            </a:extLst>
+          </p:cNvPr>
+          <p:cNvSpPr/>
+          <p:nvPr/>
+        </p:nvSpPr>
+        <p:spPr>
+          <a:xfrm>
+            <a:off x="8129468" y="3838895"/>
+            <a:ext cx="1265368" cy="586248"/>
+          </a:xfrm>
+          <a:prstGeom prst="ellipse">
+            <a:avLst/>
+          </a:prstGeom>
+        </p:spPr>
+        <p:style>
+          <a:lnRef idx="2">
+            <a:schemeClr val="accent1">
+              <a:shade val="50000"/>
+            </a:schemeClr>
+          </a:lnRef>
+          <a:fillRef idx="1">
+            <a:schemeClr val="accent1"/>
+          </a:fillRef>
+          <a:effectRef idx="0">
+            <a:schemeClr val="accent1"/>
+          </a:effectRef>
+          <a:fontRef idx="minor">
+            <a:schemeClr val="lt1"/>
+          </a:fontRef>
+        </p:style>
+        <p:txBody>
+          <a:bodyPr rtlCol="0" anchor="ctr"/>
+          <a:lstStyle/>
+          <a:p>
+            <a:pPr algn="ctr"/>
+            <a:r>
+              <a:rPr lang="pt-PT" sz="1200" dirty="0"/>
+              <a:t>Fila de Espera do 112</a:t>
+            </a:r>
+          </a:p>
+        </p:txBody>
+      </p:sp>
+      <p:sp>
+        <p:nvSpPr>
+          <p:cNvPr id="94" name="TextBox 87">
+            <a:extLst>
+              <a:ext uri="{FF2B5EF4-FFF2-40B4-BE49-F238E27FC236}">
+                <a16:creationId xmlns:a16="http://schemas.microsoft.com/office/drawing/2014/main" id="{FADD2C24-CB9A-4D8E-ACFD-17192501F8BC}"/>
+              </a:ext>
+            </a:extLst>
+          </p:cNvPr>
+          <p:cNvSpPr txBox="1"/>
+          <p:nvPr/>
+        </p:nvSpPr>
+        <p:spPr>
+          <a:xfrm>
+            <a:off x="9268813" y="3521939"/>
+            <a:ext cx="677332" cy="369332"/>
+          </a:xfrm>
+          <a:prstGeom prst="rect">
+            <a:avLst/>
+          </a:prstGeom>
+          <a:noFill/>
+        </p:spPr>
+        <p:txBody>
+          <a:bodyPr wrap="square" rtlCol="0">
+            <a:spAutoFit/>
+          </a:bodyPr>
+          <a:lstStyle/>
+          <a:p>
+            <a:r>
+              <a:rPr lang="pt-PT" dirty="0"/>
+              <a:t>NÃO</a:t>
+            </a:r>
+          </a:p>
+        </p:txBody>
+      </p:sp>
+      <p:sp>
+        <p:nvSpPr>
+          <p:cNvPr id="96" name="TextBox 86">
+            <a:extLst>
+              <a:ext uri="{FF2B5EF4-FFF2-40B4-BE49-F238E27FC236}">
+                <a16:creationId xmlns:a16="http://schemas.microsoft.com/office/drawing/2014/main" id="{5EC602FB-924F-494C-B3E9-06BBAC77E309}"/>
+              </a:ext>
+            </a:extLst>
+          </p:cNvPr>
+          <p:cNvSpPr txBox="1"/>
+          <p:nvPr/>
+        </p:nvSpPr>
+        <p:spPr>
+          <a:xfrm>
+            <a:off x="10820872" y="2567655"/>
+            <a:ext cx="695891" cy="375388"/>
+          </a:xfrm>
+          <a:prstGeom prst="rect">
+            <a:avLst/>
+          </a:prstGeom>
+          <a:noFill/>
+          <a:ln>
+            <a:solidFill>
+              <a:schemeClr val="bg1"/>
+            </a:solidFill>
+          </a:ln>
+        </p:spPr>
+        <p:txBody>
+          <a:bodyPr wrap="square" rtlCol="0">
+            <a:spAutoFit/>
+          </a:bodyPr>
+          <a:lstStyle/>
+          <a:p>
+            <a:r>
+              <a:rPr lang="pt-PT" dirty="0"/>
+              <a:t>SIM</a:t>
+            </a:r>
+          </a:p>
+        </p:txBody>
+      </p:sp>
+      <p:cxnSp>
+        <p:nvCxnSpPr>
+          <p:cNvPr id="98" name="Conexão reta unidirecional 97">
+            <a:extLst>
+              <a:ext uri="{FF2B5EF4-FFF2-40B4-BE49-F238E27FC236}">
+                <a16:creationId xmlns:a16="http://schemas.microsoft.com/office/drawing/2014/main" id="{3D7AC6B1-F3DE-4721-A228-A3CD76578616}"/>
+              </a:ext>
+            </a:extLst>
+          </p:cNvPr>
+          <p:cNvCxnSpPr>
+            <a:cxnSpLocks/>
+            <a:stCxn id="52" idx="2"/>
+            <a:endCxn id="100" idx="6"/>
+          </p:cNvCxnSpPr>
+          <p:nvPr/>
+        </p:nvCxnSpPr>
+        <p:spPr>
+          <a:xfrm>
+            <a:off x="11168817" y="4031464"/>
+            <a:ext cx="26485" cy="1008539"/>
+          </a:xfrm>
+          <a:prstGeom prst="straightConnector1">
+            <a:avLst/>
+          </a:prstGeom>
+          <a:ln>
+            <a:tailEnd type="triangle"/>
+          </a:ln>
+        </p:spPr>
+        <p:style>
+          <a:lnRef idx="1">
+            <a:schemeClr val="accent1"/>
+          </a:lnRef>
+          <a:fillRef idx="0">
+            <a:schemeClr val="accent1"/>
+          </a:fillRef>
+          <a:effectRef idx="0">
+            <a:schemeClr val="accent1"/>
+          </a:effectRef>
+          <a:fontRef idx="minor">
+            <a:schemeClr val="tx1"/>
+          </a:fontRef>
+        </p:style>
+      </p:cxnSp>
+      <p:sp>
+        <p:nvSpPr>
+          <p:cNvPr id="99" name="TextBox 86">
+            <a:extLst>
+              <a:ext uri="{FF2B5EF4-FFF2-40B4-BE49-F238E27FC236}">
+                <a16:creationId xmlns:a16="http://schemas.microsoft.com/office/drawing/2014/main" id="{60C59F47-B73A-4E10-8DAD-BC667B93CA2B}"/>
+              </a:ext>
+            </a:extLst>
+          </p:cNvPr>
+          <p:cNvSpPr txBox="1"/>
+          <p:nvPr/>
+        </p:nvSpPr>
+        <p:spPr>
+          <a:xfrm>
+            <a:off x="10336698" y="4179192"/>
+            <a:ext cx="695891" cy="375388"/>
+          </a:xfrm>
+          <a:prstGeom prst="rect">
+            <a:avLst/>
+          </a:prstGeom>
+          <a:noFill/>
+          <a:ln>
+            <a:solidFill>
+              <a:schemeClr val="bg1"/>
+            </a:solidFill>
+          </a:ln>
+        </p:spPr>
+        <p:txBody>
+          <a:bodyPr wrap="square" rtlCol="0">
+            <a:spAutoFit/>
+          </a:bodyPr>
+          <a:lstStyle/>
+          <a:p>
+            <a:r>
+              <a:rPr lang="pt-PT" dirty="0"/>
+              <a:t>SIM</a:t>
+            </a:r>
+          </a:p>
+        </p:txBody>
+      </p:sp>
+      <p:sp>
+        <p:nvSpPr>
+          <p:cNvPr id="100" name="Oval 99">
+            <a:extLst>
+              <a:ext uri="{FF2B5EF4-FFF2-40B4-BE49-F238E27FC236}">
+                <a16:creationId xmlns:a16="http://schemas.microsoft.com/office/drawing/2014/main" id="{B71B1130-1CCA-461C-9BBE-DD7B338595B0}"/>
+              </a:ext>
+            </a:extLst>
+          </p:cNvPr>
+          <p:cNvSpPr/>
+          <p:nvPr/>
+        </p:nvSpPr>
+        <p:spPr>
+          <a:xfrm>
+            <a:off x="9928447" y="4702308"/>
+            <a:ext cx="1266855" cy="675389"/>
+          </a:xfrm>
+          <a:prstGeom prst="ellipse">
+            <a:avLst/>
+          </a:prstGeom>
+        </p:spPr>
+        <p:style>
+          <a:lnRef idx="2">
+            <a:schemeClr val="accent1">
+              <a:shade val="50000"/>
+            </a:schemeClr>
+          </a:lnRef>
+          <a:fillRef idx="1">
+            <a:schemeClr val="accent1"/>
+          </a:fillRef>
+          <a:effectRef idx="0">
+            <a:schemeClr val="accent1"/>
+          </a:effectRef>
+          <a:fontRef idx="minor">
+            <a:schemeClr val="lt1"/>
+          </a:fontRef>
+        </p:style>
+        <p:txBody>
+          <a:bodyPr rtlCol="0" anchor="ctr"/>
+          <a:lstStyle/>
+          <a:p>
+            <a:pPr algn="ctr"/>
+            <a:r>
+              <a:rPr lang="pt-PT" sz="1200" dirty="0"/>
+              <a:t>Atendida por um operador</a:t>
+            </a:r>
+          </a:p>
+        </p:txBody>
+      </p:sp>
+      <p:cxnSp>
+        <p:nvCxnSpPr>
+          <p:cNvPr id="104" name="Conexão reta unidirecional 103">
+            <a:extLst>
+              <a:ext uri="{FF2B5EF4-FFF2-40B4-BE49-F238E27FC236}">
+                <a16:creationId xmlns:a16="http://schemas.microsoft.com/office/drawing/2014/main" id="{8629AD1E-638F-4C8A-92BD-ACF22C1727FB}"/>
+              </a:ext>
+            </a:extLst>
+          </p:cNvPr>
+          <p:cNvCxnSpPr>
+            <a:cxnSpLocks/>
+            <a:stCxn id="26" idx="2"/>
+            <a:endCxn id="105" idx="0"/>
+          </p:cNvCxnSpPr>
+          <p:nvPr/>
+        </p:nvCxnSpPr>
+        <p:spPr>
+          <a:xfrm>
+            <a:off x="2464778" y="1800809"/>
+            <a:ext cx="0" cy="549434"/>
+          </a:xfrm>
+          <a:prstGeom prst="straightConnector1">
+            <a:avLst/>
+          </a:prstGeom>
+          <a:ln>
+            <a:tailEnd type="triangle"/>
+          </a:ln>
+        </p:spPr>
+        <p:style>
+          <a:lnRef idx="1">
+            <a:schemeClr val="accent1"/>
+          </a:lnRef>
+          <a:fillRef idx="0">
+            <a:schemeClr val="accent1"/>
+          </a:fillRef>
+          <a:effectRef idx="0">
+            <a:schemeClr val="accent1"/>
+          </a:effectRef>
+          <a:fontRef idx="minor">
+            <a:schemeClr val="tx1"/>
+          </a:fontRef>
+        </p:style>
+      </p:cxnSp>
+      <p:sp>
+        <p:nvSpPr>
+          <p:cNvPr id="105" name="Losango 104">
+            <a:extLst>
+              <a:ext uri="{FF2B5EF4-FFF2-40B4-BE49-F238E27FC236}">
+                <a16:creationId xmlns:a16="http://schemas.microsoft.com/office/drawing/2014/main" id="{01489700-3719-4693-90AA-50B6741ECF35}"/>
+              </a:ext>
+            </a:extLst>
+          </p:cNvPr>
+          <p:cNvSpPr/>
+          <p:nvPr/>
+        </p:nvSpPr>
+        <p:spPr>
+          <a:xfrm>
+            <a:off x="1696281" y="2350243"/>
+            <a:ext cx="1536994" cy="841950"/>
+          </a:xfrm>
+          <a:prstGeom prst="diamond">
+            <a:avLst/>
+          </a:prstGeom>
+        </p:spPr>
+        <p:style>
+          <a:lnRef idx="2">
+            <a:schemeClr val="accent1">
+              <a:shade val="50000"/>
+            </a:schemeClr>
+          </a:lnRef>
+          <a:fillRef idx="1">
+            <a:schemeClr val="accent1"/>
+          </a:fillRef>
+          <a:effectRef idx="0">
+            <a:schemeClr val="accent1"/>
+          </a:effectRef>
+          <a:fontRef idx="minor">
+            <a:schemeClr val="lt1"/>
+          </a:fontRef>
+        </p:style>
+        <p:txBody>
+          <a:bodyPr rtlCol="0" anchor="ctr"/>
+          <a:lstStyle/>
+          <a:p>
+            <a:pPr algn="ctr"/>
+            <a:r>
+              <a:rPr lang="pt-PT" sz="1200" dirty="0"/>
+              <a:t>Há linhas?</a:t>
+            </a:r>
+          </a:p>
+        </p:txBody>
+      </p:sp>
+      <p:cxnSp>
+        <p:nvCxnSpPr>
+          <p:cNvPr id="116" name="Conexão reta unidirecional 115">
+            <a:extLst>
+              <a:ext uri="{FF2B5EF4-FFF2-40B4-BE49-F238E27FC236}">
+                <a16:creationId xmlns:a16="http://schemas.microsoft.com/office/drawing/2014/main" id="{7E003EBA-2D1C-4CA2-8236-99701C75D687}"/>
+              </a:ext>
+            </a:extLst>
+          </p:cNvPr>
+          <p:cNvCxnSpPr>
+            <a:cxnSpLocks/>
+            <a:stCxn id="105" idx="1"/>
+            <a:endCxn id="141" idx="0"/>
+          </p:cNvCxnSpPr>
+          <p:nvPr/>
+        </p:nvCxnSpPr>
+        <p:spPr>
+          <a:xfrm flipH="1">
+            <a:off x="968347" y="2771218"/>
+            <a:ext cx="727934" cy="502827"/>
+          </a:xfrm>
+          <a:prstGeom prst="straightConnector1">
+            <a:avLst/>
+          </a:prstGeom>
+          <a:ln>
+            <a:tailEnd type="triangle"/>
+          </a:ln>
+        </p:spPr>
+        <p:style>
+          <a:lnRef idx="1">
+            <a:schemeClr val="accent1"/>
+          </a:lnRef>
+          <a:fillRef idx="0">
+            <a:schemeClr val="accent1"/>
+          </a:fillRef>
+          <a:effectRef idx="0">
+            <a:schemeClr val="accent1"/>
+          </a:effectRef>
+          <a:fontRef idx="minor">
+            <a:schemeClr val="tx1"/>
+          </a:fontRef>
+        </p:style>
+      </p:cxnSp>
+      <p:sp>
+        <p:nvSpPr>
+          <p:cNvPr id="141" name="Losango 140">
+            <a:extLst>
+              <a:ext uri="{FF2B5EF4-FFF2-40B4-BE49-F238E27FC236}">
+                <a16:creationId xmlns:a16="http://schemas.microsoft.com/office/drawing/2014/main" id="{7586F064-4E84-490E-BD7E-C2CCA45C3172}"/>
+              </a:ext>
+            </a:extLst>
+          </p:cNvPr>
+          <p:cNvSpPr/>
+          <p:nvPr/>
+        </p:nvSpPr>
+        <p:spPr>
+          <a:xfrm>
+            <a:off x="0" y="3274045"/>
+            <a:ext cx="1936694" cy="839271"/>
+          </a:xfrm>
+          <a:prstGeom prst="diamond">
+            <a:avLst/>
+          </a:prstGeom>
+        </p:spPr>
+        <p:style>
+          <a:lnRef idx="2">
+            <a:schemeClr val="accent1">
+              <a:shade val="50000"/>
+            </a:schemeClr>
+          </a:lnRef>
+          <a:fillRef idx="1">
+            <a:schemeClr val="accent1"/>
+          </a:fillRef>
+          <a:effectRef idx="0">
+            <a:schemeClr val="accent1"/>
+          </a:effectRef>
+          <a:fontRef idx="minor">
+            <a:schemeClr val="lt1"/>
+          </a:fontRef>
+        </p:style>
+        <p:txBody>
+          <a:bodyPr rtlCol="0" anchor="ctr"/>
+          <a:lstStyle/>
+          <a:p>
+            <a:pPr algn="ctr"/>
+            <a:r>
+              <a:rPr lang="pt-PT" sz="1200" dirty="0"/>
+              <a:t>Há operadores?</a:t>
+            </a:r>
+          </a:p>
+        </p:txBody>
+      </p:sp>
+      <p:sp>
+        <p:nvSpPr>
+          <p:cNvPr id="144" name="TextBox 86">
+            <a:extLst>
+              <a:ext uri="{FF2B5EF4-FFF2-40B4-BE49-F238E27FC236}">
+                <a16:creationId xmlns:a16="http://schemas.microsoft.com/office/drawing/2014/main" id="{38330F99-362C-4338-8942-23415F568795}"/>
+              </a:ext>
+            </a:extLst>
+          </p:cNvPr>
+          <p:cNvSpPr txBox="1"/>
+          <p:nvPr/>
+        </p:nvSpPr>
+        <p:spPr>
+          <a:xfrm>
+            <a:off x="759977" y="2483647"/>
+            <a:ext cx="695891" cy="375388"/>
+          </a:xfrm>
+          <a:prstGeom prst="rect">
+            <a:avLst/>
+          </a:prstGeom>
+          <a:noFill/>
+          <a:ln>
+            <a:solidFill>
+              <a:schemeClr val="bg1"/>
+            </a:solidFill>
+          </a:ln>
+        </p:spPr>
+        <p:txBody>
+          <a:bodyPr wrap="square" rtlCol="0">
+            <a:spAutoFit/>
+          </a:bodyPr>
+          <a:lstStyle/>
+          <a:p>
+            <a:r>
+              <a:rPr lang="pt-PT" dirty="0"/>
+              <a:t>SIM</a:t>
+            </a:r>
+          </a:p>
+        </p:txBody>
+      </p:sp>
+      <p:sp>
+        <p:nvSpPr>
+          <p:cNvPr id="145" name="Oval 144">
+            <a:extLst>
+              <a:ext uri="{FF2B5EF4-FFF2-40B4-BE49-F238E27FC236}">
+                <a16:creationId xmlns:a16="http://schemas.microsoft.com/office/drawing/2014/main" id="{7D986ECC-74B2-487A-BC5C-A336B4A79C57}"/>
+              </a:ext>
+            </a:extLst>
+          </p:cNvPr>
+          <p:cNvSpPr/>
+          <p:nvPr/>
+        </p:nvSpPr>
+        <p:spPr>
+          <a:xfrm>
+            <a:off x="334919" y="5485612"/>
+            <a:ext cx="1266855" cy="675389"/>
+          </a:xfrm>
+          <a:prstGeom prst="ellipse">
+            <a:avLst/>
+          </a:prstGeom>
+        </p:spPr>
+        <p:style>
+          <a:lnRef idx="2">
+            <a:schemeClr val="accent1">
+              <a:shade val="50000"/>
+            </a:schemeClr>
+          </a:lnRef>
+          <a:fillRef idx="1">
+            <a:schemeClr val="accent1"/>
+          </a:fillRef>
+          <a:effectRef idx="0">
+            <a:schemeClr val="accent1"/>
+          </a:effectRef>
+          <a:fontRef idx="minor">
+            <a:schemeClr val="lt1"/>
+          </a:fontRef>
+        </p:style>
+        <p:txBody>
+          <a:bodyPr rtlCol="0" anchor="ctr"/>
+          <a:lstStyle/>
+          <a:p>
+            <a:pPr algn="ctr"/>
+            <a:r>
+              <a:rPr lang="pt-PT" sz="1200" dirty="0"/>
+              <a:t>Atendida por um operador</a:t>
+            </a:r>
+          </a:p>
+        </p:txBody>
+      </p:sp>
+      <p:sp>
+        <p:nvSpPr>
+          <p:cNvPr id="146" name="Oval 145">
+            <a:extLst>
+              <a:ext uri="{FF2B5EF4-FFF2-40B4-BE49-F238E27FC236}">
+                <a16:creationId xmlns:a16="http://schemas.microsoft.com/office/drawing/2014/main" id="{FE3BBA3A-2643-4346-A472-494A386944AC}"/>
+              </a:ext>
+            </a:extLst>
+          </p:cNvPr>
+          <p:cNvSpPr/>
+          <p:nvPr/>
+        </p:nvSpPr>
+        <p:spPr>
+          <a:xfrm>
+            <a:off x="1988084" y="4354206"/>
+            <a:ext cx="1265368" cy="586248"/>
+          </a:xfrm>
+          <a:prstGeom prst="ellipse">
+            <a:avLst/>
+          </a:prstGeom>
+        </p:spPr>
+        <p:style>
+          <a:lnRef idx="2">
+            <a:schemeClr val="accent1">
+              <a:shade val="50000"/>
+            </a:schemeClr>
+          </a:lnRef>
+          <a:fillRef idx="1">
+            <a:schemeClr val="accent1"/>
+          </a:fillRef>
+          <a:effectRef idx="0">
+            <a:schemeClr val="accent1"/>
+          </a:effectRef>
+          <a:fontRef idx="minor">
+            <a:schemeClr val="lt1"/>
+          </a:fontRef>
+        </p:style>
+        <p:txBody>
+          <a:bodyPr rtlCol="0" anchor="ctr"/>
+          <a:lstStyle/>
+          <a:p>
+            <a:pPr algn="ctr"/>
+            <a:r>
+              <a:rPr lang="pt-PT" sz="1200" dirty="0"/>
+              <a:t>Fila de Espera do INEM</a:t>
+            </a:r>
+          </a:p>
+        </p:txBody>
+      </p:sp>
+      <p:cxnSp>
+        <p:nvCxnSpPr>
+          <p:cNvPr id="148" name="Conexão reta unidirecional 147">
+            <a:extLst>
+              <a:ext uri="{FF2B5EF4-FFF2-40B4-BE49-F238E27FC236}">
+                <a16:creationId xmlns:a16="http://schemas.microsoft.com/office/drawing/2014/main" id="{C53577E9-5EFA-47A1-AC9C-0D2F0214161F}"/>
+              </a:ext>
+            </a:extLst>
+          </p:cNvPr>
+          <p:cNvCxnSpPr>
+            <a:cxnSpLocks/>
+            <a:stCxn id="141" idx="2"/>
+            <a:endCxn id="145" idx="0"/>
+          </p:cNvCxnSpPr>
+          <p:nvPr/>
+        </p:nvCxnSpPr>
+        <p:spPr>
+          <a:xfrm>
+            <a:off x="968347" y="4113316"/>
+            <a:ext cx="0" cy="1372296"/>
+          </a:xfrm>
+          <a:prstGeom prst="straightConnector1">
+            <a:avLst/>
+          </a:prstGeom>
+          <a:ln>
+            <a:tailEnd type="triangle"/>
+          </a:ln>
+        </p:spPr>
+        <p:style>
+          <a:lnRef idx="1">
+            <a:schemeClr val="accent1"/>
+          </a:lnRef>
+          <a:fillRef idx="0">
+            <a:schemeClr val="accent1"/>
+          </a:fillRef>
+          <a:effectRef idx="0">
+            <a:schemeClr val="accent1"/>
+          </a:effectRef>
+          <a:fontRef idx="minor">
+            <a:schemeClr val="tx1"/>
+          </a:fontRef>
+        </p:style>
+      </p:cxnSp>
+      <p:cxnSp>
+        <p:nvCxnSpPr>
+          <p:cNvPr id="151" name="Conexão reta unidirecional 150">
+            <a:extLst>
+              <a:ext uri="{FF2B5EF4-FFF2-40B4-BE49-F238E27FC236}">
+                <a16:creationId xmlns:a16="http://schemas.microsoft.com/office/drawing/2014/main" id="{DA948B4E-B4DF-4BA3-BB6F-F5AEB8CA9876}"/>
+              </a:ext>
+            </a:extLst>
+          </p:cNvPr>
+          <p:cNvCxnSpPr>
+            <a:cxnSpLocks/>
+            <a:stCxn id="141" idx="3"/>
+            <a:endCxn id="146" idx="0"/>
+          </p:cNvCxnSpPr>
+          <p:nvPr/>
+        </p:nvCxnSpPr>
+        <p:spPr>
+          <a:xfrm>
+            <a:off x="1936694" y="3693681"/>
+            <a:ext cx="684074" cy="660525"/>
+          </a:xfrm>
+          <a:prstGeom prst="straightConnector1">
+            <a:avLst/>
+          </a:prstGeom>
+          <a:ln>
+            <a:tailEnd type="triangle"/>
+          </a:ln>
+        </p:spPr>
+        <p:style>
+          <a:lnRef idx="1">
+            <a:schemeClr val="accent1"/>
+          </a:lnRef>
+          <a:fillRef idx="0">
+            <a:schemeClr val="accent1"/>
+          </a:fillRef>
+          <a:effectRef idx="0">
+            <a:schemeClr val="accent1"/>
+          </a:effectRef>
+          <a:fontRef idx="minor">
+            <a:schemeClr val="tx1"/>
+          </a:fontRef>
+        </p:style>
+      </p:cxnSp>
+      <p:sp>
+        <p:nvSpPr>
+          <p:cNvPr id="154" name="TextBox 87">
+            <a:extLst>
+              <a:ext uri="{FF2B5EF4-FFF2-40B4-BE49-F238E27FC236}">
+                <a16:creationId xmlns:a16="http://schemas.microsoft.com/office/drawing/2014/main" id="{D5A92A76-04C3-4B88-BB13-72B7E0CDA367}"/>
+              </a:ext>
+            </a:extLst>
+          </p:cNvPr>
+          <p:cNvSpPr txBox="1"/>
+          <p:nvPr/>
+        </p:nvSpPr>
+        <p:spPr>
+          <a:xfrm>
+            <a:off x="2177633" y="3741627"/>
+            <a:ext cx="677332" cy="369332"/>
+          </a:xfrm>
+          <a:prstGeom prst="rect">
+            <a:avLst/>
+          </a:prstGeom>
+          <a:noFill/>
+        </p:spPr>
+        <p:txBody>
+          <a:bodyPr wrap="square" rtlCol="0">
+            <a:spAutoFit/>
+          </a:bodyPr>
+          <a:lstStyle/>
+          <a:p>
+            <a:r>
+              <a:rPr lang="pt-PT" dirty="0"/>
+              <a:t>NÃO</a:t>
+            </a:r>
+          </a:p>
+        </p:txBody>
+      </p:sp>
+      <p:sp>
+        <p:nvSpPr>
+          <p:cNvPr id="155" name="TextBox 86">
+            <a:extLst>
+              <a:ext uri="{FF2B5EF4-FFF2-40B4-BE49-F238E27FC236}">
+                <a16:creationId xmlns:a16="http://schemas.microsoft.com/office/drawing/2014/main" id="{7DF8C968-ABE8-4600-9FAF-7DC95E6C1601}"/>
+              </a:ext>
+            </a:extLst>
+          </p:cNvPr>
+          <p:cNvSpPr txBox="1"/>
+          <p:nvPr/>
+        </p:nvSpPr>
+        <p:spPr>
+          <a:xfrm>
+            <a:off x="984368" y="4532638"/>
+            <a:ext cx="695891" cy="375388"/>
+          </a:xfrm>
+          <a:prstGeom prst="rect">
+            <a:avLst/>
+          </a:prstGeom>
+          <a:noFill/>
+          <a:ln>
+            <a:solidFill>
+              <a:schemeClr val="bg1"/>
+            </a:solidFill>
+          </a:ln>
+        </p:spPr>
+        <p:txBody>
+          <a:bodyPr wrap="square" rtlCol="0">
+            <a:spAutoFit/>
+          </a:bodyPr>
+          <a:lstStyle/>
+          <a:p>
+            <a:r>
+              <a:rPr lang="pt-PT" dirty="0"/>
+              <a:t>SIM</a:t>
+            </a:r>
+          </a:p>
+        </p:txBody>
+      </p:sp>
+      <p:cxnSp>
+        <p:nvCxnSpPr>
+          <p:cNvPr id="157" name="Conexão reta unidirecional 156">
+            <a:extLst>
+              <a:ext uri="{FF2B5EF4-FFF2-40B4-BE49-F238E27FC236}">
+                <a16:creationId xmlns:a16="http://schemas.microsoft.com/office/drawing/2014/main" id="{8514E562-5F96-49DA-8C12-077A91483BAB}"/>
+              </a:ext>
+            </a:extLst>
+          </p:cNvPr>
+          <p:cNvCxnSpPr>
+            <a:cxnSpLocks/>
+            <a:stCxn id="105" idx="3"/>
+            <a:endCxn id="159" idx="0"/>
+          </p:cNvCxnSpPr>
+          <p:nvPr/>
+        </p:nvCxnSpPr>
+        <p:spPr>
+          <a:xfrm>
+            <a:off x="3233275" y="2771218"/>
+            <a:ext cx="1341036" cy="202553"/>
+          </a:xfrm>
+          <a:prstGeom prst="bentConnector2">
+            <a:avLst/>
+          </a:prstGeom>
+          <a:ln>
+            <a:tailEnd type="triangle"/>
+          </a:ln>
+        </p:spPr>
+        <p:style>
+          <a:lnRef idx="1">
+            <a:schemeClr val="accent1"/>
+          </a:lnRef>
+          <a:fillRef idx="0">
+            <a:schemeClr val="accent1"/>
+          </a:fillRef>
+          <a:effectRef idx="0">
+            <a:schemeClr val="accent1"/>
+          </a:effectRef>
+          <a:fontRef idx="minor">
+            <a:schemeClr val="tx1"/>
+          </a:fontRef>
+        </p:style>
+      </p:cxnSp>
+      <p:sp>
+        <p:nvSpPr>
+          <p:cNvPr id="158" name="TextBox 87">
+            <a:extLst>
+              <a:ext uri="{FF2B5EF4-FFF2-40B4-BE49-F238E27FC236}">
+                <a16:creationId xmlns:a16="http://schemas.microsoft.com/office/drawing/2014/main" id="{1F0946EA-BB1B-481D-B2F0-089B0D8D51A5}"/>
+              </a:ext>
+            </a:extLst>
+          </p:cNvPr>
+          <p:cNvSpPr txBox="1"/>
+          <p:nvPr/>
+        </p:nvSpPr>
+        <p:spPr>
+          <a:xfrm>
+            <a:off x="3184235" y="2237563"/>
+            <a:ext cx="677332" cy="369332"/>
+          </a:xfrm>
+          <a:prstGeom prst="rect">
+            <a:avLst/>
+          </a:prstGeom>
+          <a:noFill/>
+        </p:spPr>
+        <p:txBody>
+          <a:bodyPr wrap="square" rtlCol="0">
+            <a:spAutoFit/>
+          </a:bodyPr>
+          <a:lstStyle/>
+          <a:p>
+            <a:r>
+              <a:rPr lang="pt-PT" dirty="0"/>
+              <a:t>NÃO</a:t>
+            </a:r>
+          </a:p>
+        </p:txBody>
+      </p:sp>
+      <p:sp>
+        <p:nvSpPr>
+          <p:cNvPr id="159" name="Losango 158">
+            <a:extLst>
+              <a:ext uri="{FF2B5EF4-FFF2-40B4-BE49-F238E27FC236}">
+                <a16:creationId xmlns:a16="http://schemas.microsoft.com/office/drawing/2014/main" id="{550DC509-6FC0-420E-A103-48405269A52A}"/>
+              </a:ext>
+            </a:extLst>
+          </p:cNvPr>
+          <p:cNvSpPr/>
+          <p:nvPr/>
+        </p:nvSpPr>
+        <p:spPr>
+          <a:xfrm>
+            <a:off x="3739655" y="2973771"/>
+            <a:ext cx="1669311" cy="633913"/>
+          </a:xfrm>
+          <a:prstGeom prst="diamond">
+            <a:avLst/>
+          </a:prstGeom>
+        </p:spPr>
+        <p:style>
+          <a:lnRef idx="2">
+            <a:schemeClr val="accent1">
+              <a:shade val="50000"/>
+            </a:schemeClr>
+          </a:lnRef>
+          <a:fillRef idx="1">
+            <a:schemeClr val="accent1"/>
+          </a:fillRef>
+          <a:effectRef idx="0">
+            <a:schemeClr val="accent1"/>
+          </a:effectRef>
+          <a:fontRef idx="minor">
+            <a:schemeClr val="lt1"/>
+          </a:fontRef>
+        </p:style>
+        <p:txBody>
+          <a:bodyPr rtlCol="0" anchor="ctr"/>
+          <a:lstStyle/>
+          <a:p>
+            <a:pPr algn="ctr"/>
+            <a:r>
+              <a:rPr lang="pt-PT" sz="1200" dirty="0"/>
+              <a:t>Há linhas de 112?</a:t>
+            </a:r>
+          </a:p>
+        </p:txBody>
+      </p:sp>
+      <p:cxnSp>
+        <p:nvCxnSpPr>
+          <p:cNvPr id="162" name="Conexão reta unidirecional 161">
+            <a:extLst>
+              <a:ext uri="{FF2B5EF4-FFF2-40B4-BE49-F238E27FC236}">
+                <a16:creationId xmlns:a16="http://schemas.microsoft.com/office/drawing/2014/main" id="{E1F8614C-511C-49DC-AD60-D72F29264426}"/>
+              </a:ext>
+            </a:extLst>
+          </p:cNvPr>
+          <p:cNvCxnSpPr>
+            <a:cxnSpLocks/>
+            <a:stCxn id="159" idx="3"/>
+            <a:endCxn id="173" idx="0"/>
+          </p:cNvCxnSpPr>
+          <p:nvPr/>
+        </p:nvCxnSpPr>
+        <p:spPr>
+          <a:xfrm>
+            <a:off x="5408966" y="3290728"/>
+            <a:ext cx="841037" cy="375943"/>
+          </a:xfrm>
+          <a:prstGeom prst="straightConnector1">
+            <a:avLst/>
+          </a:prstGeom>
+          <a:ln>
+            <a:tailEnd type="triangle"/>
+          </a:ln>
+        </p:spPr>
+        <p:style>
+          <a:lnRef idx="1">
+            <a:schemeClr val="accent1"/>
+          </a:lnRef>
+          <a:fillRef idx="0">
+            <a:schemeClr val="accent1"/>
+          </a:fillRef>
+          <a:effectRef idx="0">
+            <a:schemeClr val="accent1"/>
+          </a:effectRef>
+          <a:fontRef idx="minor">
+            <a:schemeClr val="tx1"/>
+          </a:fontRef>
+        </p:style>
+      </p:cxnSp>
+      <p:sp>
+        <p:nvSpPr>
+          <p:cNvPr id="165" name="Oval 164">
+            <a:extLst>
+              <a:ext uri="{FF2B5EF4-FFF2-40B4-BE49-F238E27FC236}">
+                <a16:creationId xmlns:a16="http://schemas.microsoft.com/office/drawing/2014/main" id="{45627A58-3822-4551-A93F-FED476C8B90C}"/>
+              </a:ext>
+            </a:extLst>
+          </p:cNvPr>
+          <p:cNvSpPr/>
+          <p:nvPr/>
+        </p:nvSpPr>
+        <p:spPr>
+          <a:xfrm>
+            <a:off x="3106971" y="5195561"/>
+            <a:ext cx="1265368" cy="586248"/>
+          </a:xfrm>
+          <a:prstGeom prst="ellipse">
+            <a:avLst/>
+          </a:prstGeom>
+        </p:spPr>
+        <p:style>
+          <a:lnRef idx="2">
+            <a:schemeClr val="accent1">
+              <a:shade val="50000"/>
+            </a:schemeClr>
+          </a:lnRef>
+          <a:fillRef idx="1">
+            <a:schemeClr val="accent1"/>
+          </a:fillRef>
+          <a:effectRef idx="0">
+            <a:schemeClr val="accent1"/>
+          </a:effectRef>
+          <a:fontRef idx="minor">
+            <a:schemeClr val="lt1"/>
+          </a:fontRef>
+        </p:style>
+        <p:txBody>
+          <a:bodyPr rtlCol="0" anchor="ctr"/>
+          <a:lstStyle/>
+          <a:p>
+            <a:pPr algn="ctr"/>
+            <a:r>
+              <a:rPr lang="pt-PT" sz="1200" dirty="0"/>
+              <a:t>Fila de Espera do 112</a:t>
+            </a:r>
+          </a:p>
+        </p:txBody>
+      </p:sp>
+      <p:cxnSp>
+        <p:nvCxnSpPr>
+          <p:cNvPr id="170" name="Conexão reta unidirecional 169">
+            <a:extLst>
+              <a:ext uri="{FF2B5EF4-FFF2-40B4-BE49-F238E27FC236}">
+                <a16:creationId xmlns:a16="http://schemas.microsoft.com/office/drawing/2014/main" id="{8832454E-4231-4E14-B66C-4E487F321F64}"/>
+              </a:ext>
+            </a:extLst>
+          </p:cNvPr>
+          <p:cNvCxnSpPr>
+            <a:cxnSpLocks/>
+            <a:stCxn id="159" idx="1"/>
+            <a:endCxn id="165" idx="0"/>
+          </p:cNvCxnSpPr>
+          <p:nvPr/>
+        </p:nvCxnSpPr>
+        <p:spPr>
+          <a:xfrm>
+            <a:off x="3739655" y="3290728"/>
+            <a:ext cx="0" cy="1904833"/>
+          </a:xfrm>
+          <a:prstGeom prst="straightConnector1">
+            <a:avLst/>
+          </a:prstGeom>
+          <a:ln>
+            <a:tailEnd type="triangle"/>
+          </a:ln>
+        </p:spPr>
+        <p:style>
+          <a:lnRef idx="1">
+            <a:schemeClr val="accent1"/>
+          </a:lnRef>
+          <a:fillRef idx="0">
+            <a:schemeClr val="accent1"/>
+          </a:fillRef>
+          <a:effectRef idx="0">
+            <a:schemeClr val="accent1"/>
+          </a:effectRef>
+          <a:fontRef idx="minor">
+            <a:schemeClr val="tx1"/>
+          </a:fontRef>
+        </p:style>
+      </p:cxnSp>
+      <p:sp>
+        <p:nvSpPr>
+          <p:cNvPr id="173" name="Oval 172">
+            <a:extLst>
+              <a:ext uri="{FF2B5EF4-FFF2-40B4-BE49-F238E27FC236}">
+                <a16:creationId xmlns:a16="http://schemas.microsoft.com/office/drawing/2014/main" id="{255B7683-6BE0-45AE-9DAF-949537B752C3}"/>
+              </a:ext>
+            </a:extLst>
+          </p:cNvPr>
+          <p:cNvSpPr/>
+          <p:nvPr/>
+        </p:nvSpPr>
+        <p:spPr>
+          <a:xfrm>
+            <a:off x="5626272" y="3666671"/>
+            <a:ext cx="1247462" cy="473805"/>
+          </a:xfrm>
+          <a:prstGeom prst="ellipse">
+            <a:avLst/>
+          </a:prstGeom>
+        </p:spPr>
+        <p:style>
+          <a:lnRef idx="2">
+            <a:schemeClr val="accent1">
+              <a:shade val="50000"/>
+            </a:schemeClr>
+          </a:lnRef>
+          <a:fillRef idx="1">
+            <a:schemeClr val="accent1"/>
+          </a:fillRef>
+          <a:effectRef idx="0">
+            <a:schemeClr val="accent1"/>
+          </a:effectRef>
+          <a:fontRef idx="minor">
+            <a:schemeClr val="lt1"/>
+          </a:fontRef>
+        </p:style>
+        <p:txBody>
+          <a:bodyPr rtlCol="0" anchor="ctr"/>
+          <a:lstStyle/>
+          <a:p>
+            <a:pPr algn="ctr"/>
+            <a:r>
+              <a:rPr lang="pt-PT" sz="1200" dirty="0"/>
+              <a:t>Bloqueada</a:t>
+            </a:r>
+          </a:p>
+        </p:txBody>
+      </p:sp>
+      <p:sp>
+        <p:nvSpPr>
+          <p:cNvPr id="175" name="TextBox 87">
+            <a:extLst>
+              <a:ext uri="{FF2B5EF4-FFF2-40B4-BE49-F238E27FC236}">
+                <a16:creationId xmlns:a16="http://schemas.microsoft.com/office/drawing/2014/main" id="{80C15623-7896-40EC-AD4C-DA44D52F1763}"/>
+              </a:ext>
+            </a:extLst>
+          </p:cNvPr>
+          <p:cNvSpPr txBox="1"/>
+          <p:nvPr/>
+        </p:nvSpPr>
+        <p:spPr>
+          <a:xfrm>
+            <a:off x="5540597" y="3066084"/>
+            <a:ext cx="677332" cy="369332"/>
+          </a:xfrm>
+          <a:prstGeom prst="rect">
+            <a:avLst/>
+          </a:prstGeom>
+          <a:noFill/>
+        </p:spPr>
+        <p:txBody>
+          <a:bodyPr wrap="square" rtlCol="0">
+            <a:spAutoFit/>
+          </a:bodyPr>
+          <a:lstStyle/>
+          <a:p>
+            <a:r>
+              <a:rPr lang="pt-PT" dirty="0"/>
+              <a:t>NÃO</a:t>
+            </a:r>
+          </a:p>
+        </p:txBody>
+      </p:sp>
+      <p:sp>
+        <p:nvSpPr>
+          <p:cNvPr id="176" name="TextBox 86">
+            <a:extLst>
+              <a:ext uri="{FF2B5EF4-FFF2-40B4-BE49-F238E27FC236}">
+                <a16:creationId xmlns:a16="http://schemas.microsoft.com/office/drawing/2014/main" id="{1D104EFA-25E8-4F61-9FEB-CCF45FE3F4D7}"/>
+              </a:ext>
+            </a:extLst>
+          </p:cNvPr>
+          <p:cNvSpPr txBox="1"/>
+          <p:nvPr/>
+        </p:nvSpPr>
+        <p:spPr>
+          <a:xfrm>
+            <a:off x="3881268" y="4110959"/>
+            <a:ext cx="695891" cy="375388"/>
+          </a:xfrm>
+          <a:prstGeom prst="rect">
+            <a:avLst/>
+          </a:prstGeom>
+          <a:noFill/>
+          <a:ln>
+            <a:solidFill>
+              <a:schemeClr val="bg1"/>
+            </a:solidFill>
+          </a:ln>
+        </p:spPr>
+        <p:txBody>
+          <a:bodyPr wrap="square" rtlCol="0">
+            <a:spAutoFit/>
+          </a:bodyPr>
+          <a:lstStyle/>
+          <a:p>
+            <a:r>
+              <a:rPr lang="pt-PT" dirty="0"/>
+              <a:t>SIM</a:t>
             </a:r>
           </a:p>
         </p:txBody>
@@ -3893,7 +5295,7 @@
           <p:cNvPr id="2" name="Title 1">
             <a:extLst>
               <a:ext uri="{FF2B5EF4-FFF2-40B4-BE49-F238E27FC236}">
-                <a16:creationId xmlns:a16="http://schemas.microsoft.com/office/drawing/2014/main" id="{63898FAA-1283-4D3B-B7AE-1E4C8D0051FA}"/>
+                <a16:creationId xmlns:a16="http://schemas.microsoft.com/office/drawing/2014/main" id="{906E6571-0E2C-474E-A28C-38C787CB089E}"/>
               </a:ext>
             </a:extLst>
           </p:cNvPr>
@@ -3912,20 +5314,55 @@
           <a:lstStyle/>
           <a:p>
             <a:r>
-              <a:rPr lang="pt-PT" sz="5400" dirty="0">
+              <a:rPr lang="pt-PT" sz="7200" dirty="0">
                 <a:latin typeface="Bahnschrift SemiBold" panose="020B0502040204020203" pitchFamily="34" charset="0"/>
               </a:rPr>
-              <a:t>Distribuição do tempo de espera</a:t>
-            </a:r>
-          </a:p>
-        </p:txBody>
-      </p:sp>
-      <p:sp>
-        <p:nvSpPr>
-          <p:cNvPr id="3" name="Content Placeholder 2">
-            <a:extLst>
-              <a:ext uri="{FF2B5EF4-FFF2-40B4-BE49-F238E27FC236}">
-                <a16:creationId xmlns:a16="http://schemas.microsoft.com/office/drawing/2014/main" id="{E655D0B3-BF14-41DD-B304-6F3FB98668BB}"/>
+              <a:t>Probabilidade de espera</a:t>
+            </a:r>
+          </a:p>
+        </p:txBody>
+      </p:sp>
+      <p:pic>
+        <p:nvPicPr>
+          <p:cNvPr id="11" name="Marcador de Posição de Conteúdo 10">
+            <a:extLst>
+              <a:ext uri="{FF2B5EF4-FFF2-40B4-BE49-F238E27FC236}">
+                <a16:creationId xmlns:a16="http://schemas.microsoft.com/office/drawing/2014/main" id="{8DC6FDDF-EF45-4592-B1D0-4CCEC1E6D65E}"/>
+              </a:ext>
+            </a:extLst>
+          </p:cNvPr>
+          <p:cNvPicPr>
+            <a:picLocks noGrp="1" noChangeAspect="1"/>
+          </p:cNvPicPr>
+          <p:nvPr>
+            <p:ph sz="half" idx="2"/>
+          </p:nvPr>
+        </p:nvPicPr>
+        <p:blipFill>
+          <a:blip r:embed="rId2">
+            <a:extLst>
+              <a:ext uri="{28A0092B-C50C-407E-A947-70E740481C1C}">
+                <a14:useLocalDpi xmlns:a14="http://schemas.microsoft.com/office/drawing/2010/main" val="0"/>
+              </a:ext>
+            </a:extLst>
+          </a:blip>
+          <a:stretch>
+            <a:fillRect/>
+          </a:stretch>
+        </p:blipFill>
+        <p:spPr>
+          <a:xfrm>
+            <a:off x="1122836" y="2663647"/>
+            <a:ext cx="4591691" cy="2553056"/>
+          </a:xfrm>
+        </p:spPr>
+      </p:pic>
+      <p:sp>
+        <p:nvSpPr>
+          <p:cNvPr id="9" name="Marcador de Posição de Conteúdo 8">
+            <a:extLst>
+              <a:ext uri="{FF2B5EF4-FFF2-40B4-BE49-F238E27FC236}">
+                <a16:creationId xmlns:a16="http://schemas.microsoft.com/office/drawing/2014/main" id="{A9790C7C-DD37-468F-B4A1-BCF1E434D1B6}"/>
               </a:ext>
             </a:extLst>
           </p:cNvPr>
@@ -3933,22 +5370,66 @@
             <a:spLocks noGrp="1"/>
           </p:cNvSpPr>
           <p:nvPr>
-            <p:ph idx="1"/>
-          </p:nvPr>
-        </p:nvSpPr>
-        <p:spPr/>
-        <p:txBody>
-          <a:bodyPr/>
-          <a:lstStyle/>
-          <a:p>
-            <a:endParaRPr lang="pt-PT"/>
+            <p:ph sz="quarter" idx="4"/>
+          </p:nvPr>
+        </p:nvSpPr>
+        <p:spPr>
+          <a:xfrm>
+            <a:off x="6267893" y="2967351"/>
+            <a:ext cx="5183188" cy="1945647"/>
+          </a:xfrm>
+        </p:spPr>
+        <p:txBody>
+          <a:bodyPr>
+            <a:normAutofit/>
+          </a:bodyPr>
+          <a:lstStyle/>
+          <a:p>
+            <a:pPr marL="0" indent="0">
+              <a:buNone/>
+            </a:pPr>
+            <a:r>
+              <a:rPr lang="pt-PT" sz="1400" dirty="0"/>
+              <a:t>Para os mesmos dados utilizados para a probabilidade de bloqueio, </a:t>
+            </a:r>
+          </a:p>
+          <a:p>
+            <a:pPr marL="0" indent="0">
+              <a:buNone/>
+            </a:pPr>
+            <a:r>
+              <a:rPr lang="pt-PT" sz="1400" dirty="0"/>
+              <a:t>Os valores retirados relativamente a cada sistema foram:</a:t>
+            </a:r>
+          </a:p>
+          <a:p>
+            <a:pPr marL="0" indent="0">
+              <a:buNone/>
+            </a:pPr>
+            <a:r>
+              <a:rPr lang="pt-PT" sz="1400" dirty="0" err="1"/>
+              <a:t>Prob_espera_INEM</a:t>
+            </a:r>
+            <a:r>
+              <a:rPr lang="pt-PT" sz="1400" dirty="0"/>
+              <a:t> = 0,6208 ou 62,08%</a:t>
+            </a:r>
+          </a:p>
+          <a:p>
+            <a:pPr marL="0" indent="0">
+              <a:buNone/>
+            </a:pPr>
+            <a:r>
+              <a:rPr lang="pt-PT" sz="1400" dirty="0"/>
+              <a:t>Prob_espera_112 = 0.024 ou 2,4%</a:t>
+            </a:r>
           </a:p>
         </p:txBody>
       </p:sp>
     </p:spTree>
     <p:extLst>
       <p:ext uri="{BB962C8B-B14F-4D97-AF65-F5344CB8AC3E}">
-        <p14:creationId xmlns:p14="http://schemas.microsoft.com/office/powerpoint/2010/main" val="2478655728"/>
+        <p14:creationId xmlns:p14="http://schemas.microsoft.com/office/powerpoint/2010/main" val="2526073834"/>
       </p:ext>
     </p:extLst>
   </p:cSld>
@@ -3980,7 +5461,7 @@
           <p:cNvPr id="2" name="Title 1">
             <a:extLst>
               <a:ext uri="{FF2B5EF4-FFF2-40B4-BE49-F238E27FC236}">
-                <a16:creationId xmlns:a16="http://schemas.microsoft.com/office/drawing/2014/main" id="{5D27F1CD-BB5A-43B7-8500-A8D57ABC9011}"/>
+                <a16:creationId xmlns:a16="http://schemas.microsoft.com/office/drawing/2014/main" id="{F0E28169-0624-40DC-969B-F842E4FE9BF8}"/>
               </a:ext>
             </a:extLst>
           </p:cNvPr>
@@ -3994,48 +5475,126 @@
         <p:spPr/>
         <p:txBody>
           <a:bodyPr>
-            <a:noAutofit/>
+            <a:normAutofit/>
           </a:bodyPr>
           <a:lstStyle/>
           <a:p>
             <a:r>
-              <a:rPr lang="pt-PT" sz="6600" dirty="0">
+              <a:rPr lang="pt-PT" dirty="0">
                 <a:latin typeface="Bahnschrift SemiBold" panose="020B0502040204020203" pitchFamily="34" charset="0"/>
               </a:rPr>
-              <a:t>Prob(T espera &gt; referência)</a:t>
-            </a:r>
-          </a:p>
-        </p:txBody>
-      </p:sp>
-      <p:sp>
-        <p:nvSpPr>
-          <p:cNvPr id="3" name="Content Placeholder 2">
-            <a:extLst>
-              <a:ext uri="{FF2B5EF4-FFF2-40B4-BE49-F238E27FC236}">
-                <a16:creationId xmlns:a16="http://schemas.microsoft.com/office/drawing/2014/main" id="{6D683329-5FDC-44A1-B998-69F99CA6B831}"/>
-              </a:ext>
-            </a:extLst>
-          </p:cNvPr>
-          <p:cNvSpPr>
-            <a:spLocks noGrp="1"/>
-          </p:cNvSpPr>
+              <a:t>Número médio de chamadas em espera</a:t>
+            </a:r>
+          </a:p>
+        </p:txBody>
+      </p:sp>
+      <p:pic>
+        <p:nvPicPr>
+          <p:cNvPr id="5" name="Marcador de Posição de Conteúdo 4">
+            <a:extLst>
+              <a:ext uri="{FF2B5EF4-FFF2-40B4-BE49-F238E27FC236}">
+                <a16:creationId xmlns:a16="http://schemas.microsoft.com/office/drawing/2014/main" id="{581E8C4E-F985-4CED-BA21-BDF1A4489EB0}"/>
+              </a:ext>
+            </a:extLst>
+          </p:cNvPr>
+          <p:cNvPicPr>
+            <a:picLocks noGrp="1" noChangeAspect="1"/>
+          </p:cNvPicPr>
           <p:nvPr>
             <p:ph idx="1"/>
           </p:nvPr>
-        </p:nvSpPr>
-        <p:spPr/>
-        <p:txBody>
-          <a:bodyPr/>
-          <a:lstStyle/>
-          <a:p>
-            <a:endParaRPr lang="pt-PT"/>
+        </p:nvPicPr>
+        <p:blipFill>
+          <a:blip r:embed="rId2">
+            <a:extLst>
+              <a:ext uri="{28A0092B-C50C-407E-A947-70E740481C1C}">
+                <a14:useLocalDpi xmlns:a14="http://schemas.microsoft.com/office/drawing/2010/main" val="0"/>
+              </a:ext>
+            </a:extLst>
+          </a:blip>
+          <a:stretch>
+            <a:fillRect/>
+          </a:stretch>
+        </p:blipFill>
+        <p:spPr>
+          <a:xfrm>
+            <a:off x="3799752" y="1690688"/>
+            <a:ext cx="4592495" cy="1180104"/>
+          </a:xfrm>
+        </p:spPr>
+      </p:pic>
+      <p:sp>
+        <p:nvSpPr>
+          <p:cNvPr id="6" name="CaixaDeTexto 5">
+            <a:extLst>
+              <a:ext uri="{FF2B5EF4-FFF2-40B4-BE49-F238E27FC236}">
+                <a16:creationId xmlns:a16="http://schemas.microsoft.com/office/drawing/2014/main" id="{42028A7E-96BD-44B2-B36A-B6FF73BFA386}"/>
+              </a:ext>
+            </a:extLst>
+          </p:cNvPr>
+          <p:cNvSpPr txBox="1"/>
+          <p:nvPr/>
+        </p:nvSpPr>
+        <p:spPr>
+          <a:xfrm>
+            <a:off x="967563" y="3429000"/>
+            <a:ext cx="10122195" cy="1754326"/>
+          </a:xfrm>
+          <a:prstGeom prst="rect">
+            <a:avLst/>
+          </a:prstGeom>
+          <a:noFill/>
+        </p:spPr>
+        <p:txBody>
+          <a:bodyPr wrap="square" rtlCol="0">
+            <a:spAutoFit/>
+          </a:bodyPr>
+          <a:lstStyle/>
+          <a:p>
+            <a:r>
+              <a:rPr lang="pt-PT" dirty="0"/>
+              <a:t>Com os mesmos dados que o problema anterior, este problema para ser </a:t>
+            </a:r>
+            <a:r>
+              <a:rPr lang="pt-PT" dirty="0" err="1"/>
+              <a:t>resolucionado</a:t>
+            </a:r>
+            <a:r>
+              <a:rPr lang="pt-PT" dirty="0"/>
+              <a:t>, guardámos  a cada evento, o nº de chamadas em espera  em cada uma das filas. Os resultados :</a:t>
+            </a:r>
+          </a:p>
+          <a:p>
+            <a:endParaRPr lang="pt-PT" dirty="0"/>
+          </a:p>
+          <a:p>
+            <a:r>
+              <a:rPr lang="pt-PT" dirty="0"/>
+              <a:t>Num_espera_112 = 0.286 chamadas</a:t>
+            </a:r>
+          </a:p>
+          <a:p>
+            <a:r>
+              <a:rPr lang="pt-PT" dirty="0" err="1"/>
+              <a:t>Num_espera_INEM</a:t>
+            </a:r>
+            <a:r>
+              <a:rPr lang="pt-PT" dirty="0"/>
+              <a:t> = 18.214 chamadas</a:t>
+            </a:r>
+          </a:p>
+          <a:p>
+            <a:r>
+              <a:rPr lang="pt-PT" dirty="0"/>
+              <a:t>Num_espera_112INEM = 13.924 chamadas</a:t>
+            </a:r>
           </a:p>
         </p:txBody>
       </p:sp>
     </p:spTree>
     <p:extLst>
       <p:ext uri="{BB962C8B-B14F-4D97-AF65-F5344CB8AC3E}">
-        <p14:creationId xmlns:p14="http://schemas.microsoft.com/office/powerpoint/2010/main" val="1900633632"/>
+        <p14:creationId xmlns:p14="http://schemas.microsoft.com/office/powerpoint/2010/main" val="3073421796"/>
       </p:ext>
     </p:extLst>
   </p:cSld>
@@ -4067,7 +5626,7 @@
           <p:cNvPr id="2" name="Title 1">
             <a:extLst>
               <a:ext uri="{FF2B5EF4-FFF2-40B4-BE49-F238E27FC236}">
-                <a16:creationId xmlns:a16="http://schemas.microsoft.com/office/drawing/2014/main" id="{F6E6D85F-6C53-4A8B-A7BD-BC52363E6440}"/>
+                <a16:creationId xmlns:a16="http://schemas.microsoft.com/office/drawing/2014/main" id="{63898FAA-1283-4D3B-B7AE-1E4C8D0051FA}"/>
               </a:ext>
             </a:extLst>
           </p:cNvPr>
@@ -4081,25 +5640,25 @@
         <p:spPr/>
         <p:txBody>
           <a:bodyPr>
-            <a:noAutofit/>
+            <a:normAutofit/>
           </a:bodyPr>
           <a:lstStyle/>
           <a:p>
             <a:r>
-              <a:rPr lang="pt-PT" sz="9600" dirty="0">
+              <a:rPr lang="pt-PT" sz="5400" dirty="0">
                 <a:latin typeface="Bahnschrift SemiBold" panose="020B0502040204020203" pitchFamily="34" charset="0"/>
               </a:rPr>
-              <a:t>Prob(bloqueio=0.1)</a:t>
-            </a:r>
-          </a:p>
-        </p:txBody>
-      </p:sp>
-      <p:sp>
-        <p:nvSpPr>
-          <p:cNvPr id="3" name="Content Placeholder 2">
-            <a:extLst>
-              <a:ext uri="{FF2B5EF4-FFF2-40B4-BE49-F238E27FC236}">
-                <a16:creationId xmlns:a16="http://schemas.microsoft.com/office/drawing/2014/main" id="{C7713429-16FC-433F-8211-326B5DA7B4DD}"/>
+              <a:t>Distribuição do tempo de espera</a:t>
+            </a:r>
+          </a:p>
+        </p:txBody>
+      </p:sp>
+      <p:sp>
+        <p:nvSpPr>
+          <p:cNvPr id="6" name="Marcador de Posição do Texto 5">
+            <a:extLst>
+              <a:ext uri="{FF2B5EF4-FFF2-40B4-BE49-F238E27FC236}">
+                <a16:creationId xmlns:a16="http://schemas.microsoft.com/office/drawing/2014/main" id="{84DC0D26-F76A-45DB-8B7A-E4168F3F465B}"/>
               </a:ext>
             </a:extLst>
           </p:cNvPr>
@@ -4107,22 +5666,137 @@
             <a:spLocks noGrp="1"/>
           </p:cNvSpPr>
           <p:nvPr>
-            <p:ph idx="1"/>
-          </p:nvPr>
-        </p:nvSpPr>
-        <p:spPr/>
-        <p:txBody>
-          <a:bodyPr/>
-          <a:lstStyle/>
-          <a:p>
-            <a:endParaRPr lang="pt-PT" dirty="0"/>
-          </a:p>
-        </p:txBody>
-      </p:sp>
+            <p:ph type="body" idx="1"/>
+          </p:nvPr>
+        </p:nvSpPr>
+        <p:spPr>
+          <a:xfrm>
+            <a:off x="839788" y="1681163"/>
+            <a:ext cx="5157787" cy="413451"/>
+          </a:xfrm>
+        </p:spPr>
+        <p:txBody>
+          <a:bodyPr>
+            <a:normAutofit lnSpcReduction="10000"/>
+          </a:bodyPr>
+          <a:lstStyle/>
+          <a:p>
+            <a:r>
+              <a:rPr lang="pt-PT" dirty="0"/>
+              <a:t>Tempo de espera no 112</a:t>
+            </a:r>
+          </a:p>
+        </p:txBody>
+      </p:sp>
+      <p:pic>
+        <p:nvPicPr>
+          <p:cNvPr id="11" name="Marcador de Posição de Conteúdo 10">
+            <a:extLst>
+              <a:ext uri="{FF2B5EF4-FFF2-40B4-BE49-F238E27FC236}">
+                <a16:creationId xmlns:a16="http://schemas.microsoft.com/office/drawing/2014/main" id="{3CD3F0D1-DC51-4C9D-B223-55618365193E}"/>
+              </a:ext>
+            </a:extLst>
+          </p:cNvPr>
+          <p:cNvPicPr>
+            <a:picLocks noGrp="1" noChangeAspect="1"/>
+          </p:cNvPicPr>
+          <p:nvPr>
+            <p:ph sz="half" idx="2"/>
+          </p:nvPr>
+        </p:nvPicPr>
+        <p:blipFill>
+          <a:blip r:embed="rId2">
+            <a:extLst>
+              <a:ext uri="{28A0092B-C50C-407E-A947-70E740481C1C}">
+                <a14:useLocalDpi xmlns:a14="http://schemas.microsoft.com/office/drawing/2010/main" val="0"/>
+              </a:ext>
+            </a:extLst>
+          </a:blip>
+          <a:stretch>
+            <a:fillRect/>
+          </a:stretch>
+        </p:blipFill>
+        <p:spPr>
+          <a:xfrm>
+            <a:off x="839788" y="2207618"/>
+            <a:ext cx="5157787" cy="3868340"/>
+          </a:xfrm>
+        </p:spPr>
+      </p:pic>
+      <p:sp>
+        <p:nvSpPr>
+          <p:cNvPr id="8" name="Marcador de Posição do Texto 7">
+            <a:extLst>
+              <a:ext uri="{FF2B5EF4-FFF2-40B4-BE49-F238E27FC236}">
+                <a16:creationId xmlns:a16="http://schemas.microsoft.com/office/drawing/2014/main" id="{3DCBF4D3-D95B-4BEE-A063-7F042619AD5C}"/>
+              </a:ext>
+            </a:extLst>
+          </p:cNvPr>
+          <p:cNvSpPr>
+            <a:spLocks noGrp="1"/>
+          </p:cNvSpPr>
+          <p:nvPr>
+            <p:ph type="body" sz="quarter" idx="3"/>
+          </p:nvPr>
+        </p:nvSpPr>
+        <p:spPr>
+          <a:xfrm>
+            <a:off x="6172200" y="1681163"/>
+            <a:ext cx="5183188" cy="413451"/>
+          </a:xfrm>
+        </p:spPr>
+        <p:txBody>
+          <a:bodyPr>
+            <a:normAutofit lnSpcReduction="10000"/>
+          </a:bodyPr>
+          <a:lstStyle/>
+          <a:p>
+            <a:r>
+              <a:rPr lang="pt-PT" dirty="0"/>
+              <a:t>Tempo de espera no INEM</a:t>
+            </a:r>
+          </a:p>
+        </p:txBody>
+      </p:sp>
+      <p:pic>
+        <p:nvPicPr>
+          <p:cNvPr id="13" name="Marcador de Posição de Conteúdo 12">
+            <a:extLst>
+              <a:ext uri="{FF2B5EF4-FFF2-40B4-BE49-F238E27FC236}">
+                <a16:creationId xmlns:a16="http://schemas.microsoft.com/office/drawing/2014/main" id="{DEDE8B3C-4FB5-4F6E-87BA-FF1DF34E128F}"/>
+              </a:ext>
+            </a:extLst>
+          </p:cNvPr>
+          <p:cNvPicPr>
+            <a:picLocks noGrp="1" noChangeAspect="1"/>
+          </p:cNvPicPr>
+          <p:nvPr>
+            <p:ph sz="quarter" idx="4"/>
+          </p:nvPr>
+        </p:nvPicPr>
+        <p:blipFill>
+          <a:blip r:embed="rId3">
+            <a:extLst>
+              <a:ext uri="{28A0092B-C50C-407E-A947-70E740481C1C}">
+                <a14:useLocalDpi xmlns:a14="http://schemas.microsoft.com/office/drawing/2010/main" val="0"/>
+              </a:ext>
+            </a:extLst>
+          </a:blip>
+          <a:stretch>
+            <a:fillRect/>
+          </a:stretch>
+        </p:blipFill>
+        <p:spPr>
+          <a:xfrm>
+            <a:off x="6172200" y="2198092"/>
+            <a:ext cx="5183188" cy="3887391"/>
+          </a:xfrm>
+        </p:spPr>
+      </p:pic>
     </p:spTree>
     <p:extLst>
       <p:ext uri="{BB962C8B-B14F-4D97-AF65-F5344CB8AC3E}">
-        <p14:creationId xmlns:p14="http://schemas.microsoft.com/office/powerpoint/2010/main" val="2893550508"/>
+        <p14:creationId xmlns:p14="http://schemas.microsoft.com/office/powerpoint/2010/main" val="2478655728"/>
       </p:ext>
     </p:extLst>
   </p:cSld>
@@ -4154,7 +5828,7 @@
           <p:cNvPr id="2" name="Title 1">
             <a:extLst>
               <a:ext uri="{FF2B5EF4-FFF2-40B4-BE49-F238E27FC236}">
-                <a16:creationId xmlns:a16="http://schemas.microsoft.com/office/drawing/2014/main" id="{92271DB3-A2CC-4976-B368-5DF1AB6C3771}"/>
+                <a16:creationId xmlns:a16="http://schemas.microsoft.com/office/drawing/2014/main" id="{5D27F1CD-BB5A-43B7-8500-A8D57ABC9011}"/>
               </a:ext>
             </a:extLst>
           </p:cNvPr>
@@ -4168,25 +5842,60 @@
         <p:spPr/>
         <p:txBody>
           <a:bodyPr>
-            <a:normAutofit/>
+            <a:noAutofit/>
           </a:bodyPr>
           <a:lstStyle/>
           <a:p>
             <a:r>
-              <a:rPr lang="pt-PT" sz="7200" dirty="0">
+              <a:rPr lang="pt-PT" sz="6600" dirty="0">
                 <a:latin typeface="Bahnschrift SemiBold" panose="020B0502040204020203" pitchFamily="34" charset="0"/>
               </a:rPr>
-              <a:t>Prob(espera &gt; 30s) = 0.05</a:t>
-            </a:r>
-          </a:p>
-        </p:txBody>
-      </p:sp>
-      <p:sp>
-        <p:nvSpPr>
-          <p:cNvPr id="3" name="Content Placeholder 2">
-            <a:extLst>
-              <a:ext uri="{FF2B5EF4-FFF2-40B4-BE49-F238E27FC236}">
-                <a16:creationId xmlns:a16="http://schemas.microsoft.com/office/drawing/2014/main" id="{5757743F-453A-4941-B99B-62DD13C79FAF}"/>
+              <a:t>Prob(T espera &gt; referência)</a:t>
+            </a:r>
+          </a:p>
+        </p:txBody>
+      </p:sp>
+      <p:pic>
+        <p:nvPicPr>
+          <p:cNvPr id="7" name="Marcador de Posição de Conteúdo 6">
+            <a:extLst>
+              <a:ext uri="{FF2B5EF4-FFF2-40B4-BE49-F238E27FC236}">
+                <a16:creationId xmlns:a16="http://schemas.microsoft.com/office/drawing/2014/main" id="{EECBE3AA-C506-4903-9F75-61F4F721E0A9}"/>
+              </a:ext>
+            </a:extLst>
+          </p:cNvPr>
+          <p:cNvPicPr>
+            <a:picLocks noGrp="1" noChangeAspect="1"/>
+          </p:cNvPicPr>
+          <p:nvPr>
+            <p:ph sz="half" idx="1"/>
+          </p:nvPr>
+        </p:nvPicPr>
+        <p:blipFill>
+          <a:blip r:embed="rId2">
+            <a:extLst>
+              <a:ext uri="{28A0092B-C50C-407E-A947-70E740481C1C}">
+                <a14:useLocalDpi xmlns:a14="http://schemas.microsoft.com/office/drawing/2010/main" val="0"/>
+              </a:ext>
+            </a:extLst>
+          </a:blip>
+          <a:stretch>
+            <a:fillRect/>
+          </a:stretch>
+        </p:blipFill>
+        <p:spPr>
+          <a:xfrm>
+            <a:off x="909286" y="3301109"/>
+            <a:ext cx="5039428" cy="1400370"/>
+          </a:xfrm>
+        </p:spPr>
+      </p:pic>
+      <p:sp>
+        <p:nvSpPr>
+          <p:cNvPr id="5" name="Marcador de Posição de Conteúdo 4">
+            <a:extLst>
+              <a:ext uri="{FF2B5EF4-FFF2-40B4-BE49-F238E27FC236}">
+                <a16:creationId xmlns:a16="http://schemas.microsoft.com/office/drawing/2014/main" id="{AB57F1C8-E0DC-4B9E-96F8-8C1EBD48F22B}"/>
               </a:ext>
             </a:extLst>
           </p:cNvPr>
@@ -4194,110 +5903,66 @@
             <a:spLocks noGrp="1"/>
           </p:cNvSpPr>
           <p:nvPr>
-            <p:ph idx="1"/>
-          </p:nvPr>
-        </p:nvSpPr>
-        <p:spPr/>
-        <p:txBody>
-          <a:bodyPr/>
-          <a:lstStyle/>
-          <a:p>
-            <a:endParaRPr lang="pt-PT"/>
+            <p:ph sz="half" idx="2"/>
+          </p:nvPr>
+        </p:nvSpPr>
+        <p:spPr>
+          <a:xfrm>
+            <a:off x="6096000" y="3301109"/>
+            <a:ext cx="5181600" cy="4351338"/>
+          </a:xfrm>
+        </p:spPr>
+        <p:txBody>
+          <a:bodyPr>
+            <a:normAutofit/>
+          </a:bodyPr>
+          <a:lstStyle/>
+          <a:p>
+            <a:pPr marL="0" indent="0">
+              <a:buNone/>
+            </a:pPr>
+            <a:r>
+              <a:rPr lang="pt-PT" sz="1400" dirty="0"/>
+              <a:t>A referência utilizada para esta demonstração foi de 40 segundos.</a:t>
+            </a:r>
+          </a:p>
+          <a:p>
+            <a:pPr marL="0" indent="0">
+              <a:buNone/>
+            </a:pPr>
+            <a:r>
+              <a:rPr lang="pt-PT" sz="1400" dirty="0"/>
+              <a:t>E os resultados:</a:t>
+            </a:r>
+          </a:p>
+          <a:p>
+            <a:pPr marL="0" indent="0">
+              <a:buNone/>
+            </a:pPr>
+            <a:r>
+              <a:rPr lang="pt-PT" sz="1400" dirty="0"/>
+              <a:t>waitTimeProbRef112_real = 0,222 ou 22,2%</a:t>
+            </a:r>
+          </a:p>
+          <a:p>
+            <a:pPr marL="0" indent="0">
+              <a:buNone/>
+            </a:pPr>
+            <a:r>
+              <a:rPr lang="pt-PT" sz="1400" dirty="0" err="1"/>
+              <a:t>waitTimeProbRefINEM_real</a:t>
+            </a:r>
+            <a:r>
+              <a:rPr lang="pt-PT" sz="1400" dirty="0"/>
+              <a:t> = 0,8743 ou 87,43%</a:t>
+            </a:r>
           </a:p>
         </p:txBody>
       </p:sp>
     </p:spTree>
     <p:extLst>
       <p:ext uri="{BB962C8B-B14F-4D97-AF65-F5344CB8AC3E}">
-        <p14:creationId xmlns:p14="http://schemas.microsoft.com/office/powerpoint/2010/main" val="1707272154"/>
-      </p:ext>
-    </p:extLst>
-  </p:cSld>
-  <p:clrMapOvr>
-    <a:masterClrMapping/>
-  </p:clrMapOvr>
-</p:sld>
-</file>
-
-<file path=ppt/slides/slide14.xml><?xml version="1.0" encoding="utf-8"?>
-<p:sld xmlns:a="http://schemas.openxmlformats.org/drawingml/2006/main" xmlns:r="http://schemas.openxmlformats.org/officeDocument/2006/relationships" xmlns:p="http://schemas.openxmlformats.org/presentationml/2006/main">
-  <p:cSld>
-    <p:spTree>
-      <p:nvGrpSpPr>
-        <p:cNvPr id="1" name=""/>
-        <p:cNvGrpSpPr/>
-        <p:nvPr/>
-      </p:nvGrpSpPr>
-      <p:grpSpPr>
-        <a:xfrm>
-          <a:off x="0" y="0"/>
-          <a:ext cx="0" cy="0"/>
-          <a:chOff x="0" y="0"/>
-          <a:chExt cx="0" cy="0"/>
-        </a:xfrm>
-      </p:grpSpPr>
-      <p:sp>
-        <p:nvSpPr>
-          <p:cNvPr id="2" name="Title 1">
-            <a:extLst>
-              <a:ext uri="{FF2B5EF4-FFF2-40B4-BE49-F238E27FC236}">
-                <a16:creationId xmlns:a16="http://schemas.microsoft.com/office/drawing/2014/main" id="{8C27D181-FB0F-4769-A96C-6A48918D5892}"/>
-              </a:ext>
-            </a:extLst>
-          </p:cNvPr>
-          <p:cNvSpPr>
-            <a:spLocks noGrp="1"/>
-          </p:cNvSpPr>
-          <p:nvPr>
-            <p:ph type="title"/>
-          </p:nvPr>
-        </p:nvSpPr>
-        <p:spPr/>
-        <p:txBody>
-          <a:bodyPr>
-            <a:normAutofit/>
-          </a:bodyPr>
-          <a:lstStyle/>
-          <a:p>
-            <a:r>
-              <a:rPr lang="pt-PT" sz="5400" dirty="0">
-                <a:latin typeface="Bahnschrift SemiBold" panose="020B0502040204020203" pitchFamily="34" charset="0"/>
-              </a:rPr>
-              <a:t>Prob(espera &gt; 30s) = 0.05 (INEM)</a:t>
-            </a:r>
-            <a:endParaRPr lang="pt-PT" sz="5400" dirty="0"/>
-          </a:p>
-        </p:txBody>
-      </p:sp>
-      <p:sp>
-        <p:nvSpPr>
-          <p:cNvPr id="3" name="Content Placeholder 2">
-            <a:extLst>
-              <a:ext uri="{FF2B5EF4-FFF2-40B4-BE49-F238E27FC236}">
-                <a16:creationId xmlns:a16="http://schemas.microsoft.com/office/drawing/2014/main" id="{3392C177-3FB2-4EFE-AC5E-590C6CC3E5D9}"/>
-              </a:ext>
-            </a:extLst>
-          </p:cNvPr>
-          <p:cNvSpPr>
-            <a:spLocks noGrp="1"/>
-          </p:cNvSpPr>
-          <p:nvPr>
-            <p:ph idx="1"/>
-          </p:nvPr>
-        </p:nvSpPr>
-        <p:spPr/>
-        <p:txBody>
-          <a:bodyPr/>
-          <a:lstStyle/>
-          <a:p>
-            <a:endParaRPr lang="pt-PT"/>
-          </a:p>
-        </p:txBody>
-      </p:sp>
-    </p:spTree>
-    <p:extLst>
-      <p:ext uri="{BB962C8B-B14F-4D97-AF65-F5344CB8AC3E}">
-        <p14:creationId xmlns:p14="http://schemas.microsoft.com/office/powerpoint/2010/main" val="2407377678"/>
+        <p14:creationId xmlns:p14="http://schemas.microsoft.com/office/powerpoint/2010/main" val="1900633632"/>
       </p:ext>
     </p:extLst>
   </p:cSld>
@@ -4326,98 +5991,1324 @@
       </p:grpSpPr>
       <p:sp>
         <p:nvSpPr>
-          <p:cNvPr id="2" name="Title 1">
-            <a:extLst>
-              <a:ext uri="{FF2B5EF4-FFF2-40B4-BE49-F238E27FC236}">
-                <a16:creationId xmlns:a16="http://schemas.microsoft.com/office/drawing/2014/main" id="{E063250E-F8FC-49DC-B41C-8967C583D734}"/>
-              </a:ext>
-            </a:extLst>
-          </p:cNvPr>
-          <p:cNvSpPr>
-            <a:spLocks noGrp="1"/>
-          </p:cNvSpPr>
-          <p:nvPr>
-            <p:ph type="title"/>
-          </p:nvPr>
-        </p:nvSpPr>
-        <p:spPr/>
-        <p:txBody>
-          <a:bodyPr/>
+          <p:cNvPr id="4" name="Oval 3">
+            <a:extLst>
+              <a:ext uri="{FF2B5EF4-FFF2-40B4-BE49-F238E27FC236}">
+                <a16:creationId xmlns:a16="http://schemas.microsoft.com/office/drawing/2014/main" id="{CB9519D7-6301-47A0-BBF5-DC0070D86897}"/>
+              </a:ext>
+            </a:extLst>
+          </p:cNvPr>
+          <p:cNvSpPr/>
+          <p:nvPr/>
+        </p:nvSpPr>
+        <p:spPr>
+          <a:xfrm>
+            <a:off x="4979581" y="1"/>
+            <a:ext cx="2232837" cy="829340"/>
+          </a:xfrm>
+          <a:prstGeom prst="ellipse">
+            <a:avLst/>
+          </a:prstGeom>
+        </p:spPr>
+        <p:style>
+          <a:lnRef idx="2">
+            <a:schemeClr val="accent1">
+              <a:shade val="50000"/>
+            </a:schemeClr>
+          </a:lnRef>
+          <a:fillRef idx="1">
+            <a:schemeClr val="accent1"/>
+          </a:fillRef>
+          <a:effectRef idx="0">
+            <a:schemeClr val="accent1"/>
+          </a:effectRef>
+          <a:fontRef idx="minor">
+            <a:schemeClr val="lt1"/>
+          </a:fontRef>
+        </p:style>
+        <p:txBody>
+          <a:bodyPr rtlCol="0" anchor="ctr"/>
           <a:lstStyle/>
           <a:p>
             <a:pPr algn="ctr"/>
             <a:r>
-              <a:rPr lang="pt-PT" dirty="0">
-                <a:latin typeface="Bahnschrift SemiBold" panose="020B0502040204020203" pitchFamily="34" charset="0"/>
-              </a:rPr>
-              <a:t>Dados Fornecidos</a:t>
-            </a:r>
-          </a:p>
-        </p:txBody>
-      </p:sp>
-      <p:sp>
-        <p:nvSpPr>
-          <p:cNvPr id="3" name="Content Placeholder 2">
-            <a:extLst>
-              <a:ext uri="{FF2B5EF4-FFF2-40B4-BE49-F238E27FC236}">
-                <a16:creationId xmlns:a16="http://schemas.microsoft.com/office/drawing/2014/main" id="{2BEFAFFC-A790-4AFE-B2A1-669972A046ED}"/>
-              </a:ext>
-            </a:extLst>
-          </p:cNvPr>
-          <p:cNvSpPr>
-            <a:spLocks noGrp="1"/>
-          </p:cNvSpPr>
-          <p:nvPr>
-            <p:ph idx="1"/>
-          </p:nvPr>
-        </p:nvSpPr>
-        <p:spPr/>
-        <p:txBody>
-          <a:bodyPr/>
-          <a:lstStyle/>
-          <a:p>
-            <a:r>
-              <a:rPr lang="pt-PT" dirty="0">
-                <a:latin typeface="Bahnschrift" panose="020B0502040204020203" pitchFamily="34" charset="0"/>
-              </a:rPr>
-              <a:t>Knvwvnkerv</a:t>
-            </a:r>
-          </a:p>
-          <a:p>
-            <a:r>
-              <a:rPr lang="pt-PT" dirty="0">
-                <a:latin typeface="Bahnschrift" panose="020B0502040204020203" pitchFamily="34" charset="0"/>
-              </a:rPr>
-              <a:t>Nvjkvev</a:t>
-            </a:r>
-          </a:p>
-          <a:p>
-            <a:r>
-              <a:rPr lang="pt-PT" dirty="0">
-                <a:latin typeface="Bahnschrift" panose="020B0502040204020203" pitchFamily="34" charset="0"/>
-              </a:rPr>
-              <a:t>Wvnkjwvlkejvn</a:t>
-            </a:r>
-          </a:p>
-          <a:p>
-            <a:r>
-              <a:rPr lang="pt-PT" dirty="0">
-                <a:latin typeface="Bahnschrift" panose="020B0502040204020203" pitchFamily="34" charset="0"/>
-              </a:rPr>
-              <a:t>Lkvnejbnv4nvwlknvwlv4</a:t>
-            </a:r>
-          </a:p>
-          <a:p>
-            <a:endParaRPr lang="pt-PT" dirty="0">
-              <a:latin typeface="Bahnschrift" panose="020B0502040204020203" pitchFamily="34" charset="0"/>
-            </a:endParaRPr>
-          </a:p>
-        </p:txBody>
-      </p:sp>
+              <a:rPr lang="pt-PT" dirty="0"/>
+              <a:t>Saída de chamada</a:t>
+            </a:r>
+          </a:p>
+        </p:txBody>
+      </p:sp>
+      <p:sp>
+        <p:nvSpPr>
+          <p:cNvPr id="5" name="Losango 4">
+            <a:extLst>
+              <a:ext uri="{FF2B5EF4-FFF2-40B4-BE49-F238E27FC236}">
+                <a16:creationId xmlns:a16="http://schemas.microsoft.com/office/drawing/2014/main" id="{0852424C-87BF-4B8F-BBA2-6706809B4D4B}"/>
+              </a:ext>
+            </a:extLst>
+          </p:cNvPr>
+          <p:cNvSpPr/>
+          <p:nvPr/>
+        </p:nvSpPr>
+        <p:spPr>
+          <a:xfrm>
+            <a:off x="4821864" y="1169581"/>
+            <a:ext cx="2548269" cy="956931"/>
+          </a:xfrm>
+          <a:prstGeom prst="diamond">
+            <a:avLst/>
+          </a:prstGeom>
+        </p:spPr>
+        <p:style>
+          <a:lnRef idx="2">
+            <a:schemeClr val="accent1">
+              <a:shade val="50000"/>
+            </a:schemeClr>
+          </a:lnRef>
+          <a:fillRef idx="1">
+            <a:schemeClr val="accent1"/>
+          </a:fillRef>
+          <a:effectRef idx="0">
+            <a:schemeClr val="accent1"/>
+          </a:effectRef>
+          <a:fontRef idx="minor">
+            <a:schemeClr val="lt1"/>
+          </a:fontRef>
+        </p:style>
+        <p:txBody>
+          <a:bodyPr rtlCol="0" anchor="ctr"/>
+          <a:lstStyle/>
+          <a:p>
+            <a:pPr algn="ctr"/>
+            <a:r>
+              <a:rPr lang="pt-PT" dirty="0"/>
+              <a:t>Emergência médica?</a:t>
+            </a:r>
+          </a:p>
+        </p:txBody>
+      </p:sp>
+      <p:sp>
+        <p:nvSpPr>
+          <p:cNvPr id="6" name="Retângulo 5">
+            <a:extLst>
+              <a:ext uri="{FF2B5EF4-FFF2-40B4-BE49-F238E27FC236}">
+                <a16:creationId xmlns:a16="http://schemas.microsoft.com/office/drawing/2014/main" id="{2F561E3E-9232-4734-9B04-6DEFDF98D938}"/>
+              </a:ext>
+            </a:extLst>
+          </p:cNvPr>
+          <p:cNvSpPr/>
+          <p:nvPr/>
+        </p:nvSpPr>
+        <p:spPr>
+          <a:xfrm>
+            <a:off x="8856918" y="1254641"/>
+            <a:ext cx="1701209" cy="829340"/>
+          </a:xfrm>
+          <a:prstGeom prst="rect">
+            <a:avLst/>
+          </a:prstGeom>
+          <a:solidFill>
+            <a:schemeClr val="accent2"/>
+          </a:solidFill>
+        </p:spPr>
+        <p:style>
+          <a:lnRef idx="2">
+            <a:schemeClr val="accent1">
+              <a:shade val="50000"/>
+            </a:schemeClr>
+          </a:lnRef>
+          <a:fillRef idx="1">
+            <a:schemeClr val="accent1"/>
+          </a:fillRef>
+          <a:effectRef idx="0">
+            <a:schemeClr val="accent1"/>
+          </a:effectRef>
+          <a:fontRef idx="minor">
+            <a:schemeClr val="lt1"/>
+          </a:fontRef>
+        </p:style>
+        <p:txBody>
+          <a:bodyPr rtlCol="0" anchor="ctr"/>
+          <a:lstStyle/>
+          <a:p>
+            <a:pPr algn="ctr"/>
+            <a:r>
+              <a:rPr lang="pt-PT" dirty="0"/>
+              <a:t>112</a:t>
+            </a:r>
+          </a:p>
+        </p:txBody>
+      </p:sp>
+      <p:sp>
+        <p:nvSpPr>
+          <p:cNvPr id="7" name="Retângulo 6">
+            <a:extLst>
+              <a:ext uri="{FF2B5EF4-FFF2-40B4-BE49-F238E27FC236}">
+                <a16:creationId xmlns:a16="http://schemas.microsoft.com/office/drawing/2014/main" id="{BC174712-9F17-4C21-83B7-028DB112830E}"/>
+              </a:ext>
+            </a:extLst>
+          </p:cNvPr>
+          <p:cNvSpPr/>
+          <p:nvPr/>
+        </p:nvSpPr>
+        <p:spPr>
+          <a:xfrm>
+            <a:off x="1793358" y="1297172"/>
+            <a:ext cx="1541721" cy="744279"/>
+          </a:xfrm>
+          <a:prstGeom prst="rect">
+            <a:avLst/>
+          </a:prstGeom>
+        </p:spPr>
+        <p:style>
+          <a:lnRef idx="2">
+            <a:schemeClr val="accent1">
+              <a:shade val="50000"/>
+            </a:schemeClr>
+          </a:lnRef>
+          <a:fillRef idx="1">
+            <a:schemeClr val="accent1"/>
+          </a:fillRef>
+          <a:effectRef idx="0">
+            <a:schemeClr val="accent1"/>
+          </a:effectRef>
+          <a:fontRef idx="minor">
+            <a:schemeClr val="lt1"/>
+          </a:fontRef>
+        </p:style>
+        <p:txBody>
+          <a:bodyPr rtlCol="0" anchor="ctr"/>
+          <a:lstStyle/>
+          <a:p>
+            <a:pPr algn="ctr"/>
+            <a:r>
+              <a:rPr lang="pt-PT" dirty="0"/>
+              <a:t>INEM</a:t>
+            </a:r>
+          </a:p>
+        </p:txBody>
+      </p:sp>
+      <p:sp>
+        <p:nvSpPr>
+          <p:cNvPr id="8" name="Losango 7">
+            <a:extLst>
+              <a:ext uri="{FF2B5EF4-FFF2-40B4-BE49-F238E27FC236}">
+                <a16:creationId xmlns:a16="http://schemas.microsoft.com/office/drawing/2014/main" id="{DD777C00-A07E-4AA2-8C30-7895669BA769}"/>
+              </a:ext>
+            </a:extLst>
+          </p:cNvPr>
+          <p:cNvSpPr/>
+          <p:nvPr/>
+        </p:nvSpPr>
+        <p:spPr>
+          <a:xfrm>
+            <a:off x="8811727" y="2479393"/>
+            <a:ext cx="1791589" cy="978195"/>
+          </a:xfrm>
+          <a:prstGeom prst="diamond">
+            <a:avLst/>
+          </a:prstGeom>
+        </p:spPr>
+        <p:style>
+          <a:lnRef idx="2">
+            <a:schemeClr val="accent1">
+              <a:shade val="50000"/>
+            </a:schemeClr>
+          </a:lnRef>
+          <a:fillRef idx="1">
+            <a:schemeClr val="accent1"/>
+          </a:fillRef>
+          <a:effectRef idx="0">
+            <a:schemeClr val="accent1"/>
+          </a:effectRef>
+          <a:fontRef idx="minor">
+            <a:schemeClr val="lt1"/>
+          </a:fontRef>
+        </p:style>
+        <p:txBody>
+          <a:bodyPr rtlCol="0" anchor="ctr"/>
+          <a:lstStyle/>
+          <a:p>
+            <a:pPr algn="ctr"/>
+            <a:r>
+              <a:rPr lang="pt-PT" sz="1200" dirty="0"/>
+              <a:t>Há chamadas na fila de espera?</a:t>
+            </a:r>
+          </a:p>
+        </p:txBody>
+      </p:sp>
+      <p:sp>
+        <p:nvSpPr>
+          <p:cNvPr id="10" name="Losango 9">
+            <a:extLst>
+              <a:ext uri="{FF2B5EF4-FFF2-40B4-BE49-F238E27FC236}">
+                <a16:creationId xmlns:a16="http://schemas.microsoft.com/office/drawing/2014/main" id="{055D5EA8-C031-4930-A46F-3835E9E57AD9}"/>
+              </a:ext>
+            </a:extLst>
+          </p:cNvPr>
+          <p:cNvSpPr/>
+          <p:nvPr/>
+        </p:nvSpPr>
+        <p:spPr>
+          <a:xfrm>
+            <a:off x="1663109" y="2477385"/>
+            <a:ext cx="1791589" cy="978195"/>
+          </a:xfrm>
+          <a:prstGeom prst="diamond">
+            <a:avLst/>
+          </a:prstGeom>
+        </p:spPr>
+        <p:style>
+          <a:lnRef idx="2">
+            <a:schemeClr val="accent1">
+              <a:shade val="50000"/>
+            </a:schemeClr>
+          </a:lnRef>
+          <a:fillRef idx="1">
+            <a:schemeClr val="accent1"/>
+          </a:fillRef>
+          <a:effectRef idx="0">
+            <a:schemeClr val="accent1"/>
+          </a:effectRef>
+          <a:fontRef idx="minor">
+            <a:schemeClr val="lt1"/>
+          </a:fontRef>
+        </p:style>
+        <p:txBody>
+          <a:bodyPr rtlCol="0" anchor="ctr"/>
+          <a:lstStyle/>
+          <a:p>
+            <a:pPr algn="ctr"/>
+            <a:r>
+              <a:rPr lang="pt-PT" sz="1200" dirty="0"/>
+              <a:t>Há chamadas na fila de espera?</a:t>
+            </a:r>
+          </a:p>
+        </p:txBody>
+      </p:sp>
+      <p:cxnSp>
+        <p:nvCxnSpPr>
+          <p:cNvPr id="12" name="Conexão reta unidirecional 11">
+            <a:extLst>
+              <a:ext uri="{FF2B5EF4-FFF2-40B4-BE49-F238E27FC236}">
+                <a16:creationId xmlns:a16="http://schemas.microsoft.com/office/drawing/2014/main" id="{4122BB05-45EC-4245-B93E-BF207408B19E}"/>
+              </a:ext>
+            </a:extLst>
+          </p:cNvPr>
+          <p:cNvCxnSpPr>
+            <a:cxnSpLocks/>
+            <a:stCxn id="7" idx="2"/>
+            <a:endCxn id="10" idx="0"/>
+          </p:cNvCxnSpPr>
+          <p:nvPr/>
+        </p:nvCxnSpPr>
+        <p:spPr>
+          <a:xfrm flipH="1">
+            <a:off x="2558904" y="2041451"/>
+            <a:ext cx="5315" cy="435934"/>
+          </a:xfrm>
+          <a:prstGeom prst="straightConnector1">
+            <a:avLst/>
+          </a:prstGeom>
+          <a:ln>
+            <a:tailEnd type="triangle"/>
+          </a:ln>
+        </p:spPr>
+        <p:style>
+          <a:lnRef idx="1">
+            <a:schemeClr val="accent1"/>
+          </a:lnRef>
+          <a:fillRef idx="0">
+            <a:schemeClr val="accent1"/>
+          </a:fillRef>
+          <a:effectRef idx="0">
+            <a:schemeClr val="accent1"/>
+          </a:effectRef>
+          <a:fontRef idx="minor">
+            <a:schemeClr val="tx1"/>
+          </a:fontRef>
+        </p:style>
+      </p:cxnSp>
+      <p:cxnSp>
+        <p:nvCxnSpPr>
+          <p:cNvPr id="15" name="Conexão reta unidirecional 14">
+            <a:extLst>
+              <a:ext uri="{FF2B5EF4-FFF2-40B4-BE49-F238E27FC236}">
+                <a16:creationId xmlns:a16="http://schemas.microsoft.com/office/drawing/2014/main" id="{F530A8F8-E6AD-44EA-A299-17EAB2819833}"/>
+              </a:ext>
+            </a:extLst>
+          </p:cNvPr>
+          <p:cNvCxnSpPr>
+            <a:cxnSpLocks/>
+            <a:stCxn id="6" idx="2"/>
+            <a:endCxn id="8" idx="0"/>
+          </p:cNvCxnSpPr>
+          <p:nvPr/>
+        </p:nvCxnSpPr>
+        <p:spPr>
+          <a:xfrm flipH="1">
+            <a:off x="9707522" y="2083981"/>
+            <a:ext cx="1" cy="395412"/>
+          </a:xfrm>
+          <a:prstGeom prst="straightConnector1">
+            <a:avLst/>
+          </a:prstGeom>
+          <a:ln>
+            <a:tailEnd type="triangle"/>
+          </a:ln>
+        </p:spPr>
+        <p:style>
+          <a:lnRef idx="1">
+            <a:schemeClr val="accent1"/>
+          </a:lnRef>
+          <a:fillRef idx="0">
+            <a:schemeClr val="accent1"/>
+          </a:fillRef>
+          <a:effectRef idx="0">
+            <a:schemeClr val="accent1"/>
+          </a:effectRef>
+          <a:fontRef idx="minor">
+            <a:schemeClr val="tx1"/>
+          </a:fontRef>
+        </p:style>
+      </p:cxnSp>
+      <p:cxnSp>
+        <p:nvCxnSpPr>
+          <p:cNvPr id="18" name="Conexão reta unidirecional 17">
+            <a:extLst>
+              <a:ext uri="{FF2B5EF4-FFF2-40B4-BE49-F238E27FC236}">
+                <a16:creationId xmlns:a16="http://schemas.microsoft.com/office/drawing/2014/main" id="{8353B6BD-7DB8-4E3E-800C-2F79E9A21F1F}"/>
+              </a:ext>
+            </a:extLst>
+          </p:cNvPr>
+          <p:cNvCxnSpPr>
+            <a:cxnSpLocks/>
+            <a:stCxn id="5" idx="1"/>
+            <a:endCxn id="7" idx="3"/>
+          </p:cNvCxnSpPr>
+          <p:nvPr/>
+        </p:nvCxnSpPr>
+        <p:spPr>
+          <a:xfrm flipH="1">
+            <a:off x="3335079" y="1648047"/>
+            <a:ext cx="1486785" cy="21265"/>
+          </a:xfrm>
+          <a:prstGeom prst="straightConnector1">
+            <a:avLst/>
+          </a:prstGeom>
+          <a:ln>
+            <a:tailEnd type="triangle"/>
+          </a:ln>
+        </p:spPr>
+        <p:style>
+          <a:lnRef idx="1">
+            <a:schemeClr val="accent1"/>
+          </a:lnRef>
+          <a:fillRef idx="0">
+            <a:schemeClr val="accent1"/>
+          </a:fillRef>
+          <a:effectRef idx="0">
+            <a:schemeClr val="accent1"/>
+          </a:effectRef>
+          <a:fontRef idx="minor">
+            <a:schemeClr val="tx1"/>
+          </a:fontRef>
+        </p:style>
+      </p:cxnSp>
+      <p:cxnSp>
+        <p:nvCxnSpPr>
+          <p:cNvPr id="23" name="Conexão reta unidirecional 22">
+            <a:extLst>
+              <a:ext uri="{FF2B5EF4-FFF2-40B4-BE49-F238E27FC236}">
+                <a16:creationId xmlns:a16="http://schemas.microsoft.com/office/drawing/2014/main" id="{6C61EF15-13CB-4653-B8E3-EFCD2BB1B2CA}"/>
+              </a:ext>
+            </a:extLst>
+          </p:cNvPr>
+          <p:cNvCxnSpPr>
+            <a:stCxn id="5" idx="3"/>
+            <a:endCxn id="6" idx="1"/>
+          </p:cNvCxnSpPr>
+          <p:nvPr/>
+        </p:nvCxnSpPr>
+        <p:spPr>
+          <a:xfrm>
+            <a:off x="7370133" y="1648047"/>
+            <a:ext cx="1486785" cy="21264"/>
+          </a:xfrm>
+          <a:prstGeom prst="straightConnector1">
+            <a:avLst/>
+          </a:prstGeom>
+          <a:ln>
+            <a:tailEnd type="triangle"/>
+          </a:ln>
+        </p:spPr>
+        <p:style>
+          <a:lnRef idx="1">
+            <a:schemeClr val="accent1"/>
+          </a:lnRef>
+          <a:fillRef idx="0">
+            <a:schemeClr val="accent1"/>
+          </a:fillRef>
+          <a:effectRef idx="0">
+            <a:schemeClr val="accent1"/>
+          </a:effectRef>
+          <a:fontRef idx="minor">
+            <a:schemeClr val="tx1"/>
+          </a:fontRef>
+        </p:style>
+      </p:cxnSp>
+      <p:cxnSp>
+        <p:nvCxnSpPr>
+          <p:cNvPr id="27" name="Conexão reta unidirecional 26">
+            <a:extLst>
+              <a:ext uri="{FF2B5EF4-FFF2-40B4-BE49-F238E27FC236}">
+                <a16:creationId xmlns:a16="http://schemas.microsoft.com/office/drawing/2014/main" id="{669DE010-A3FC-478A-8BF0-408894D3C01D}"/>
+              </a:ext>
+            </a:extLst>
+          </p:cNvPr>
+          <p:cNvCxnSpPr>
+            <a:cxnSpLocks/>
+            <a:stCxn id="8" idx="1"/>
+            <a:endCxn id="33" idx="6"/>
+          </p:cNvCxnSpPr>
+          <p:nvPr/>
+        </p:nvCxnSpPr>
+        <p:spPr>
+          <a:xfrm flipH="1">
+            <a:off x="6853118" y="2968491"/>
+            <a:ext cx="1958609" cy="0"/>
+          </a:xfrm>
+          <a:prstGeom prst="straightConnector1">
+            <a:avLst/>
+          </a:prstGeom>
+          <a:ln>
+            <a:tailEnd type="triangle"/>
+          </a:ln>
+        </p:spPr>
+        <p:style>
+          <a:lnRef idx="1">
+            <a:schemeClr val="accent1"/>
+          </a:lnRef>
+          <a:fillRef idx="0">
+            <a:schemeClr val="accent1"/>
+          </a:fillRef>
+          <a:effectRef idx="0">
+            <a:schemeClr val="accent1"/>
+          </a:effectRef>
+          <a:fontRef idx="minor">
+            <a:schemeClr val="tx1"/>
+          </a:fontRef>
+        </p:style>
+      </p:cxnSp>
+      <p:sp>
+        <p:nvSpPr>
+          <p:cNvPr id="28" name="CaixaDeTexto 27">
+            <a:extLst>
+              <a:ext uri="{FF2B5EF4-FFF2-40B4-BE49-F238E27FC236}">
+                <a16:creationId xmlns:a16="http://schemas.microsoft.com/office/drawing/2014/main" id="{A950A312-77B9-4B33-BDE5-098E2E9D9747}"/>
+              </a:ext>
+            </a:extLst>
+          </p:cNvPr>
+          <p:cNvSpPr txBox="1"/>
+          <p:nvPr/>
+        </p:nvSpPr>
+        <p:spPr>
+          <a:xfrm>
+            <a:off x="7654550" y="2939902"/>
+            <a:ext cx="613146" cy="369332"/>
+          </a:xfrm>
+          <a:prstGeom prst="rect">
+            <a:avLst/>
+          </a:prstGeom>
+          <a:noFill/>
+        </p:spPr>
+        <p:txBody>
+          <a:bodyPr wrap="square" rtlCol="0">
+            <a:spAutoFit/>
+          </a:bodyPr>
+          <a:lstStyle/>
+          <a:p>
+            <a:r>
+              <a:rPr lang="pt-PT" dirty="0"/>
+              <a:t>Não</a:t>
+            </a:r>
+          </a:p>
+        </p:txBody>
+      </p:sp>
+      <p:sp>
+        <p:nvSpPr>
+          <p:cNvPr id="29" name="CaixaDeTexto 28">
+            <a:extLst>
+              <a:ext uri="{FF2B5EF4-FFF2-40B4-BE49-F238E27FC236}">
+                <a16:creationId xmlns:a16="http://schemas.microsoft.com/office/drawing/2014/main" id="{2375CE1C-B955-4DC6-B85E-EDAD2EA7E18E}"/>
+              </a:ext>
+            </a:extLst>
+          </p:cNvPr>
+          <p:cNvSpPr txBox="1"/>
+          <p:nvPr/>
+        </p:nvSpPr>
+        <p:spPr>
+          <a:xfrm>
+            <a:off x="10030418" y="3611155"/>
+            <a:ext cx="527709" cy="369332"/>
+          </a:xfrm>
+          <a:prstGeom prst="rect">
+            <a:avLst/>
+          </a:prstGeom>
+          <a:noFill/>
+        </p:spPr>
+        <p:txBody>
+          <a:bodyPr wrap="none" rtlCol="0">
+            <a:spAutoFit/>
+          </a:bodyPr>
+          <a:lstStyle/>
+          <a:p>
+            <a:r>
+              <a:rPr lang="pt-PT" dirty="0"/>
+              <a:t>Sim</a:t>
+            </a:r>
+          </a:p>
+        </p:txBody>
+      </p:sp>
+      <p:cxnSp>
+        <p:nvCxnSpPr>
+          <p:cNvPr id="31" name="Conexão reta unidirecional 30">
+            <a:extLst>
+              <a:ext uri="{FF2B5EF4-FFF2-40B4-BE49-F238E27FC236}">
+                <a16:creationId xmlns:a16="http://schemas.microsoft.com/office/drawing/2014/main" id="{FEC4FD3F-E939-494B-8CDE-5DA7AE6B9CC0}"/>
+              </a:ext>
+            </a:extLst>
+          </p:cNvPr>
+          <p:cNvCxnSpPr>
+            <a:cxnSpLocks/>
+            <a:stCxn id="8" idx="2"/>
+            <a:endCxn id="37" idx="0"/>
+          </p:cNvCxnSpPr>
+          <p:nvPr/>
+        </p:nvCxnSpPr>
+        <p:spPr>
+          <a:xfrm>
+            <a:off x="9707522" y="3457588"/>
+            <a:ext cx="13296" cy="751603"/>
+          </a:xfrm>
+          <a:prstGeom prst="straightConnector1">
+            <a:avLst/>
+          </a:prstGeom>
+          <a:ln>
+            <a:tailEnd type="triangle"/>
+          </a:ln>
+        </p:spPr>
+        <p:style>
+          <a:lnRef idx="1">
+            <a:schemeClr val="accent1"/>
+          </a:lnRef>
+          <a:fillRef idx="0">
+            <a:schemeClr val="accent1"/>
+          </a:fillRef>
+          <a:effectRef idx="0">
+            <a:schemeClr val="accent1"/>
+          </a:effectRef>
+          <a:fontRef idx="minor">
+            <a:schemeClr val="tx1"/>
+          </a:fontRef>
+        </p:style>
+      </p:cxnSp>
+      <p:sp>
+        <p:nvSpPr>
+          <p:cNvPr id="33" name="Oval 32">
+            <a:extLst>
+              <a:ext uri="{FF2B5EF4-FFF2-40B4-BE49-F238E27FC236}">
+                <a16:creationId xmlns:a16="http://schemas.microsoft.com/office/drawing/2014/main" id="{5585D8E5-678A-4144-ABF0-1D08DA922D4E}"/>
+              </a:ext>
+            </a:extLst>
+          </p:cNvPr>
+          <p:cNvSpPr/>
+          <p:nvPr/>
+        </p:nvSpPr>
+        <p:spPr>
+          <a:xfrm>
+            <a:off x="5273289" y="2582708"/>
+            <a:ext cx="1579829" cy="771565"/>
+          </a:xfrm>
+          <a:prstGeom prst="ellipse">
+            <a:avLst/>
+          </a:prstGeom>
+        </p:spPr>
+        <p:style>
+          <a:lnRef idx="2">
+            <a:schemeClr val="accent1">
+              <a:shade val="50000"/>
+            </a:schemeClr>
+          </a:lnRef>
+          <a:fillRef idx="1">
+            <a:schemeClr val="accent1"/>
+          </a:fillRef>
+          <a:effectRef idx="0">
+            <a:schemeClr val="accent1"/>
+          </a:effectRef>
+          <a:fontRef idx="minor">
+            <a:schemeClr val="lt1"/>
+          </a:fontRef>
+        </p:style>
+        <p:txBody>
+          <a:bodyPr rtlCol="0" anchor="ctr"/>
+          <a:lstStyle/>
+          <a:p>
+            <a:pPr algn="ctr"/>
+            <a:r>
+              <a:rPr lang="pt-PT" sz="1200" dirty="0"/>
+              <a:t>Avança para o próximo evento</a:t>
+            </a:r>
+          </a:p>
+        </p:txBody>
+      </p:sp>
+      <p:sp>
+        <p:nvSpPr>
+          <p:cNvPr id="37" name="Oval 36">
+            <a:extLst>
+              <a:ext uri="{FF2B5EF4-FFF2-40B4-BE49-F238E27FC236}">
+                <a16:creationId xmlns:a16="http://schemas.microsoft.com/office/drawing/2014/main" id="{78119E17-B28A-4377-AA59-61EFB82E622C}"/>
+              </a:ext>
+            </a:extLst>
+          </p:cNvPr>
+          <p:cNvSpPr/>
+          <p:nvPr/>
+        </p:nvSpPr>
+        <p:spPr>
+          <a:xfrm>
+            <a:off x="8785160" y="4209191"/>
+            <a:ext cx="1871316" cy="1095154"/>
+          </a:xfrm>
+          <a:prstGeom prst="ellipse">
+            <a:avLst/>
+          </a:prstGeom>
+        </p:spPr>
+        <p:style>
+          <a:lnRef idx="2">
+            <a:schemeClr val="accent1">
+              <a:shade val="50000"/>
+            </a:schemeClr>
+          </a:lnRef>
+          <a:fillRef idx="1">
+            <a:schemeClr val="accent1"/>
+          </a:fillRef>
+          <a:effectRef idx="0">
+            <a:schemeClr val="accent1"/>
+          </a:effectRef>
+          <a:fontRef idx="minor">
+            <a:schemeClr val="lt1"/>
+          </a:fontRef>
+        </p:style>
+        <p:txBody>
+          <a:bodyPr rtlCol="0" anchor="ctr"/>
+          <a:lstStyle/>
+          <a:p>
+            <a:pPr algn="ctr"/>
+            <a:r>
+              <a:rPr lang="pt-PT" sz="1200" dirty="0"/>
+              <a:t>Procura a chamada mais antiga e mete-a a ser atendida por um operador</a:t>
+            </a:r>
+          </a:p>
+        </p:txBody>
+      </p:sp>
+      <p:cxnSp>
+        <p:nvCxnSpPr>
+          <p:cNvPr id="41" name="Conexão reta unidirecional 40">
+            <a:extLst>
+              <a:ext uri="{FF2B5EF4-FFF2-40B4-BE49-F238E27FC236}">
+                <a16:creationId xmlns:a16="http://schemas.microsoft.com/office/drawing/2014/main" id="{57205A09-B1A2-4ADA-8368-8F2117942E03}"/>
+              </a:ext>
+            </a:extLst>
+          </p:cNvPr>
+          <p:cNvCxnSpPr>
+            <a:cxnSpLocks/>
+            <a:stCxn id="10" idx="3"/>
+            <a:endCxn id="33" idx="2"/>
+          </p:cNvCxnSpPr>
+          <p:nvPr/>
+        </p:nvCxnSpPr>
+        <p:spPr>
+          <a:xfrm>
+            <a:off x="3454698" y="2966483"/>
+            <a:ext cx="1818591" cy="2008"/>
+          </a:xfrm>
+          <a:prstGeom prst="straightConnector1">
+            <a:avLst/>
+          </a:prstGeom>
+          <a:ln>
+            <a:tailEnd type="triangle"/>
+          </a:ln>
+        </p:spPr>
+        <p:style>
+          <a:lnRef idx="1">
+            <a:schemeClr val="accent1"/>
+          </a:lnRef>
+          <a:fillRef idx="0">
+            <a:schemeClr val="accent1"/>
+          </a:fillRef>
+          <a:effectRef idx="0">
+            <a:schemeClr val="accent1"/>
+          </a:effectRef>
+          <a:fontRef idx="minor">
+            <a:schemeClr val="tx1"/>
+          </a:fontRef>
+        </p:style>
+      </p:cxnSp>
+      <p:sp>
+        <p:nvSpPr>
+          <p:cNvPr id="43" name="CaixaDeTexto 42">
+            <a:extLst>
+              <a:ext uri="{FF2B5EF4-FFF2-40B4-BE49-F238E27FC236}">
+                <a16:creationId xmlns:a16="http://schemas.microsoft.com/office/drawing/2014/main" id="{EC85DF7A-2AD7-437B-90DF-B32589743FFA}"/>
+              </a:ext>
+            </a:extLst>
+          </p:cNvPr>
+          <p:cNvSpPr txBox="1"/>
+          <p:nvPr/>
+        </p:nvSpPr>
+        <p:spPr>
+          <a:xfrm>
+            <a:off x="3998729" y="2966483"/>
+            <a:ext cx="613146" cy="369332"/>
+          </a:xfrm>
+          <a:prstGeom prst="rect">
+            <a:avLst/>
+          </a:prstGeom>
+          <a:noFill/>
+        </p:spPr>
+        <p:txBody>
+          <a:bodyPr wrap="square" rtlCol="0">
+            <a:spAutoFit/>
+          </a:bodyPr>
+          <a:lstStyle/>
+          <a:p>
+            <a:r>
+              <a:rPr lang="pt-PT" dirty="0"/>
+              <a:t>Não</a:t>
+            </a:r>
+          </a:p>
+        </p:txBody>
+      </p:sp>
+      <p:cxnSp>
+        <p:nvCxnSpPr>
+          <p:cNvPr id="45" name="Conexão reta unidirecional 44">
+            <a:extLst>
+              <a:ext uri="{FF2B5EF4-FFF2-40B4-BE49-F238E27FC236}">
+                <a16:creationId xmlns:a16="http://schemas.microsoft.com/office/drawing/2014/main" id="{E2D042C6-4A7E-4DB6-ABBC-1CADFBDF5F53}"/>
+              </a:ext>
+            </a:extLst>
+          </p:cNvPr>
+          <p:cNvCxnSpPr>
+            <a:cxnSpLocks/>
+            <a:stCxn id="10" idx="2"/>
+            <a:endCxn id="57" idx="0"/>
+          </p:cNvCxnSpPr>
+          <p:nvPr/>
+        </p:nvCxnSpPr>
+        <p:spPr>
+          <a:xfrm flipH="1">
+            <a:off x="2558903" y="3455580"/>
+            <a:ext cx="1" cy="318976"/>
+          </a:xfrm>
+          <a:prstGeom prst="straightConnector1">
+            <a:avLst/>
+          </a:prstGeom>
+          <a:ln>
+            <a:tailEnd type="triangle"/>
+          </a:ln>
+        </p:spPr>
+        <p:style>
+          <a:lnRef idx="1">
+            <a:schemeClr val="accent1"/>
+          </a:lnRef>
+          <a:fillRef idx="0">
+            <a:schemeClr val="accent1"/>
+          </a:fillRef>
+          <a:effectRef idx="0">
+            <a:schemeClr val="accent1"/>
+          </a:effectRef>
+          <a:fontRef idx="minor">
+            <a:schemeClr val="tx1"/>
+          </a:fontRef>
+        </p:style>
+      </p:cxnSp>
+      <p:sp>
+        <p:nvSpPr>
+          <p:cNvPr id="57" name="Oval 56">
+            <a:extLst>
+              <a:ext uri="{FF2B5EF4-FFF2-40B4-BE49-F238E27FC236}">
+                <a16:creationId xmlns:a16="http://schemas.microsoft.com/office/drawing/2014/main" id="{EE250ABC-503C-45D4-B104-28EC32B61B7C}"/>
+              </a:ext>
+            </a:extLst>
+          </p:cNvPr>
+          <p:cNvSpPr/>
+          <p:nvPr/>
+        </p:nvSpPr>
+        <p:spPr>
+          <a:xfrm>
+            <a:off x="1623245" y="3774556"/>
+            <a:ext cx="1871316" cy="1095154"/>
+          </a:xfrm>
+          <a:prstGeom prst="ellipse">
+            <a:avLst/>
+          </a:prstGeom>
+        </p:spPr>
+        <p:style>
+          <a:lnRef idx="2">
+            <a:schemeClr val="accent1">
+              <a:shade val="50000"/>
+            </a:schemeClr>
+          </a:lnRef>
+          <a:fillRef idx="1">
+            <a:schemeClr val="accent1"/>
+          </a:fillRef>
+          <a:effectRef idx="0">
+            <a:schemeClr val="accent1"/>
+          </a:effectRef>
+          <a:fontRef idx="minor">
+            <a:schemeClr val="lt1"/>
+          </a:fontRef>
+        </p:style>
+        <p:txBody>
+          <a:bodyPr rtlCol="0" anchor="ctr"/>
+          <a:lstStyle/>
+          <a:p>
+            <a:pPr algn="ctr"/>
+            <a:r>
+              <a:rPr lang="pt-PT" sz="1200" dirty="0"/>
+              <a:t>Procura a chamada mais antiga e mete-a a ser atendida por um operador</a:t>
+            </a:r>
+          </a:p>
+        </p:txBody>
+      </p:sp>
+      <p:sp>
+        <p:nvSpPr>
+          <p:cNvPr id="60" name="CaixaDeTexto 59">
+            <a:extLst>
+              <a:ext uri="{FF2B5EF4-FFF2-40B4-BE49-F238E27FC236}">
+                <a16:creationId xmlns:a16="http://schemas.microsoft.com/office/drawing/2014/main" id="{A4BCBD9B-31AB-4CB2-9C52-4682B7BCC62A}"/>
+              </a:ext>
+            </a:extLst>
+          </p:cNvPr>
+          <p:cNvSpPr txBox="1"/>
+          <p:nvPr/>
+        </p:nvSpPr>
+        <p:spPr>
+          <a:xfrm>
+            <a:off x="1876394" y="3405224"/>
+            <a:ext cx="527709" cy="369332"/>
+          </a:xfrm>
+          <a:prstGeom prst="rect">
+            <a:avLst/>
+          </a:prstGeom>
+          <a:noFill/>
+        </p:spPr>
+        <p:txBody>
+          <a:bodyPr wrap="none" rtlCol="0">
+            <a:spAutoFit/>
+          </a:bodyPr>
+          <a:lstStyle/>
+          <a:p>
+            <a:r>
+              <a:rPr lang="pt-PT" dirty="0"/>
+              <a:t>Sim</a:t>
+            </a:r>
+          </a:p>
+        </p:txBody>
+      </p:sp>
+      <p:sp>
+        <p:nvSpPr>
+          <p:cNvPr id="61" name="Losango 60">
+            <a:extLst>
+              <a:ext uri="{FF2B5EF4-FFF2-40B4-BE49-F238E27FC236}">
+                <a16:creationId xmlns:a16="http://schemas.microsoft.com/office/drawing/2014/main" id="{DF7D1009-B925-4870-9AEE-0B4B92F03155}"/>
+              </a:ext>
+            </a:extLst>
+          </p:cNvPr>
+          <p:cNvSpPr/>
+          <p:nvPr/>
+        </p:nvSpPr>
+        <p:spPr>
+          <a:xfrm>
+            <a:off x="1737762" y="5061098"/>
+            <a:ext cx="1642282" cy="1095154"/>
+          </a:xfrm>
+          <a:prstGeom prst="diamond">
+            <a:avLst/>
+          </a:prstGeom>
+        </p:spPr>
+        <p:style>
+          <a:lnRef idx="2">
+            <a:schemeClr val="accent1">
+              <a:shade val="50000"/>
+            </a:schemeClr>
+          </a:lnRef>
+          <a:fillRef idx="1">
+            <a:schemeClr val="accent1"/>
+          </a:fillRef>
+          <a:effectRef idx="0">
+            <a:schemeClr val="accent1"/>
+          </a:effectRef>
+          <a:fontRef idx="minor">
+            <a:schemeClr val="lt1"/>
+          </a:fontRef>
+        </p:style>
+        <p:txBody>
+          <a:bodyPr rtlCol="0" anchor="ctr"/>
+          <a:lstStyle/>
+          <a:p>
+            <a:pPr algn="ctr"/>
+            <a:r>
+              <a:rPr lang="pt-PT" sz="1200" dirty="0"/>
+              <a:t>Há chamadas do INEM nas linhas 112?</a:t>
+            </a:r>
+          </a:p>
+        </p:txBody>
+      </p:sp>
+      <p:cxnSp>
+        <p:nvCxnSpPr>
+          <p:cNvPr id="63" name="Conexão reta unidirecional 62">
+            <a:extLst>
+              <a:ext uri="{FF2B5EF4-FFF2-40B4-BE49-F238E27FC236}">
+                <a16:creationId xmlns:a16="http://schemas.microsoft.com/office/drawing/2014/main" id="{41AD5072-30C8-40A8-90B3-3FFC1CCD8D71}"/>
+              </a:ext>
+            </a:extLst>
+          </p:cNvPr>
+          <p:cNvCxnSpPr>
+            <a:cxnSpLocks/>
+            <a:stCxn id="57" idx="4"/>
+            <a:endCxn id="61" idx="0"/>
+          </p:cNvCxnSpPr>
+          <p:nvPr/>
+        </p:nvCxnSpPr>
+        <p:spPr>
+          <a:xfrm>
+            <a:off x="2558903" y="4869710"/>
+            <a:ext cx="0" cy="191388"/>
+          </a:xfrm>
+          <a:prstGeom prst="straightConnector1">
+            <a:avLst/>
+          </a:prstGeom>
+          <a:ln>
+            <a:tailEnd type="triangle"/>
+          </a:ln>
+        </p:spPr>
+        <p:style>
+          <a:lnRef idx="1">
+            <a:schemeClr val="accent1"/>
+          </a:lnRef>
+          <a:fillRef idx="0">
+            <a:schemeClr val="accent1"/>
+          </a:fillRef>
+          <a:effectRef idx="0">
+            <a:schemeClr val="accent1"/>
+          </a:effectRef>
+          <a:fontRef idx="minor">
+            <a:schemeClr val="tx1"/>
+          </a:fontRef>
+        </p:style>
+      </p:cxnSp>
+      <p:cxnSp>
+        <p:nvCxnSpPr>
+          <p:cNvPr id="68" name="Conexão reta unidirecional 67">
+            <a:extLst>
+              <a:ext uri="{FF2B5EF4-FFF2-40B4-BE49-F238E27FC236}">
+                <a16:creationId xmlns:a16="http://schemas.microsoft.com/office/drawing/2014/main" id="{88403B77-6AD4-4C8E-B0AB-5BDB23B80587}"/>
+              </a:ext>
+            </a:extLst>
+          </p:cNvPr>
+          <p:cNvCxnSpPr>
+            <a:cxnSpLocks/>
+            <a:stCxn id="61" idx="3"/>
+            <a:endCxn id="75" idx="2"/>
+          </p:cNvCxnSpPr>
+          <p:nvPr/>
+        </p:nvCxnSpPr>
+        <p:spPr>
+          <a:xfrm flipV="1">
+            <a:off x="3380044" y="5606766"/>
+            <a:ext cx="698427" cy="1909"/>
+          </a:xfrm>
+          <a:prstGeom prst="straightConnector1">
+            <a:avLst/>
+          </a:prstGeom>
+          <a:ln>
+            <a:tailEnd type="triangle"/>
+          </a:ln>
+        </p:spPr>
+        <p:style>
+          <a:lnRef idx="1">
+            <a:schemeClr val="accent1"/>
+          </a:lnRef>
+          <a:fillRef idx="0">
+            <a:schemeClr val="accent1"/>
+          </a:fillRef>
+          <a:effectRef idx="0">
+            <a:schemeClr val="accent1"/>
+          </a:effectRef>
+          <a:fontRef idx="minor">
+            <a:schemeClr val="tx1"/>
+          </a:fontRef>
+        </p:style>
+      </p:cxnSp>
+      <p:cxnSp>
+        <p:nvCxnSpPr>
+          <p:cNvPr id="70" name="Conexão reta unidirecional 69">
+            <a:extLst>
+              <a:ext uri="{FF2B5EF4-FFF2-40B4-BE49-F238E27FC236}">
+                <a16:creationId xmlns:a16="http://schemas.microsoft.com/office/drawing/2014/main" id="{F47A9B79-C92C-4B91-9E9B-D80526135200}"/>
+              </a:ext>
+            </a:extLst>
+          </p:cNvPr>
+          <p:cNvCxnSpPr>
+            <a:cxnSpLocks/>
+            <a:stCxn id="61" idx="1"/>
+            <a:endCxn id="72" idx="6"/>
+          </p:cNvCxnSpPr>
+          <p:nvPr/>
+        </p:nvCxnSpPr>
+        <p:spPr>
+          <a:xfrm flipH="1" flipV="1">
+            <a:off x="1348357" y="5603560"/>
+            <a:ext cx="389405" cy="5115"/>
+          </a:xfrm>
+          <a:prstGeom prst="straightConnector1">
+            <a:avLst/>
+          </a:prstGeom>
+          <a:ln>
+            <a:tailEnd type="triangle"/>
+          </a:ln>
+        </p:spPr>
+        <p:style>
+          <a:lnRef idx="1">
+            <a:schemeClr val="accent1"/>
+          </a:lnRef>
+          <a:fillRef idx="0">
+            <a:schemeClr val="accent1"/>
+          </a:fillRef>
+          <a:effectRef idx="0">
+            <a:schemeClr val="accent1"/>
+          </a:effectRef>
+          <a:fontRef idx="minor">
+            <a:schemeClr val="tx1"/>
+          </a:fontRef>
+        </p:style>
+      </p:cxnSp>
+      <p:sp>
+        <p:nvSpPr>
+          <p:cNvPr id="71" name="CaixaDeTexto 70">
+            <a:extLst>
+              <a:ext uri="{FF2B5EF4-FFF2-40B4-BE49-F238E27FC236}">
+                <a16:creationId xmlns:a16="http://schemas.microsoft.com/office/drawing/2014/main" id="{12EB9961-81A9-4E63-839C-BCA5A14086BB}"/>
+              </a:ext>
+            </a:extLst>
+          </p:cNvPr>
+          <p:cNvSpPr txBox="1"/>
+          <p:nvPr/>
+        </p:nvSpPr>
+        <p:spPr>
+          <a:xfrm>
+            <a:off x="1316672" y="5071729"/>
+            <a:ext cx="613146" cy="369332"/>
+          </a:xfrm>
+          <a:prstGeom prst="rect">
+            <a:avLst/>
+          </a:prstGeom>
+          <a:noFill/>
+        </p:spPr>
+        <p:txBody>
+          <a:bodyPr wrap="square" rtlCol="0">
+            <a:spAutoFit/>
+          </a:bodyPr>
+          <a:lstStyle/>
+          <a:p>
+            <a:r>
+              <a:rPr lang="pt-PT" dirty="0"/>
+              <a:t>Não</a:t>
+            </a:r>
+          </a:p>
+        </p:txBody>
+      </p:sp>
+      <p:sp>
+        <p:nvSpPr>
+          <p:cNvPr id="72" name="Oval 71">
+            <a:extLst>
+              <a:ext uri="{FF2B5EF4-FFF2-40B4-BE49-F238E27FC236}">
+                <a16:creationId xmlns:a16="http://schemas.microsoft.com/office/drawing/2014/main" id="{7A7D548F-2365-443B-AADA-CAA8883817EC}"/>
+              </a:ext>
+            </a:extLst>
+          </p:cNvPr>
+          <p:cNvSpPr/>
+          <p:nvPr/>
+        </p:nvSpPr>
+        <p:spPr>
+          <a:xfrm>
+            <a:off x="287536" y="5217777"/>
+            <a:ext cx="1060821" cy="771565"/>
+          </a:xfrm>
+          <a:prstGeom prst="ellipse">
+            <a:avLst/>
+          </a:prstGeom>
+        </p:spPr>
+        <p:style>
+          <a:lnRef idx="2">
+            <a:schemeClr val="accent1">
+              <a:shade val="50000"/>
+            </a:schemeClr>
+          </a:lnRef>
+          <a:fillRef idx="1">
+            <a:schemeClr val="accent1"/>
+          </a:fillRef>
+          <a:effectRef idx="0">
+            <a:schemeClr val="accent1"/>
+          </a:effectRef>
+          <a:fontRef idx="minor">
+            <a:schemeClr val="lt1"/>
+          </a:fontRef>
+        </p:style>
+        <p:txBody>
+          <a:bodyPr rtlCol="0" anchor="ctr"/>
+          <a:lstStyle/>
+          <a:p>
+            <a:pPr algn="ctr"/>
+            <a:r>
+              <a:rPr lang="pt-PT" sz="1200" dirty="0"/>
+              <a:t>Avança para o próximo evento</a:t>
+            </a:r>
+          </a:p>
+        </p:txBody>
+      </p:sp>
+      <p:sp>
+        <p:nvSpPr>
+          <p:cNvPr id="74" name="CaixaDeTexto 73">
+            <a:extLst>
+              <a:ext uri="{FF2B5EF4-FFF2-40B4-BE49-F238E27FC236}">
+                <a16:creationId xmlns:a16="http://schemas.microsoft.com/office/drawing/2014/main" id="{57EC532C-4C8A-4E24-92B5-B676A8E075DF}"/>
+              </a:ext>
+            </a:extLst>
+          </p:cNvPr>
+          <p:cNvSpPr txBox="1"/>
+          <p:nvPr/>
+        </p:nvSpPr>
+        <p:spPr>
+          <a:xfrm>
+            <a:off x="3374731" y="5196510"/>
+            <a:ext cx="527709" cy="369332"/>
+          </a:xfrm>
+          <a:prstGeom prst="rect">
+            <a:avLst/>
+          </a:prstGeom>
+          <a:noFill/>
+        </p:spPr>
+        <p:txBody>
+          <a:bodyPr wrap="none" rtlCol="0">
+            <a:spAutoFit/>
+          </a:bodyPr>
+          <a:lstStyle/>
+          <a:p>
+            <a:r>
+              <a:rPr lang="pt-PT" dirty="0"/>
+              <a:t>Sim</a:t>
+            </a:r>
+          </a:p>
+        </p:txBody>
+      </p:sp>
+      <p:sp>
+        <p:nvSpPr>
+          <p:cNvPr id="75" name="Oval 74">
+            <a:extLst>
+              <a:ext uri="{FF2B5EF4-FFF2-40B4-BE49-F238E27FC236}">
+                <a16:creationId xmlns:a16="http://schemas.microsoft.com/office/drawing/2014/main" id="{798A85BD-3021-4BA1-991F-7C16D443A806}"/>
+              </a:ext>
+            </a:extLst>
+          </p:cNvPr>
+          <p:cNvSpPr/>
+          <p:nvPr/>
+        </p:nvSpPr>
+        <p:spPr>
+          <a:xfrm>
+            <a:off x="4078471" y="5217777"/>
+            <a:ext cx="2200454" cy="777978"/>
+          </a:xfrm>
+          <a:prstGeom prst="ellipse">
+            <a:avLst/>
+          </a:prstGeom>
+        </p:spPr>
+        <p:style>
+          <a:lnRef idx="2">
+            <a:schemeClr val="accent1">
+              <a:shade val="50000"/>
+            </a:schemeClr>
+          </a:lnRef>
+          <a:fillRef idx="1">
+            <a:schemeClr val="accent1"/>
+          </a:fillRef>
+          <a:effectRef idx="0">
+            <a:schemeClr val="accent1"/>
+          </a:effectRef>
+          <a:fontRef idx="minor">
+            <a:schemeClr val="lt1"/>
+          </a:fontRef>
+        </p:style>
+        <p:txBody>
+          <a:bodyPr rtlCol="0" anchor="ctr"/>
+          <a:lstStyle/>
+          <a:p>
+            <a:pPr algn="ctr"/>
+            <a:r>
+              <a:rPr lang="pt-PT" sz="1200" dirty="0"/>
+              <a:t>Procura a chamada mais antiga para colocar na fila de espera do INEM</a:t>
+            </a:r>
+          </a:p>
+        </p:txBody>
+      </p:sp>
+      <p:cxnSp>
+        <p:nvCxnSpPr>
+          <p:cNvPr id="79" name="Conexão reta unidirecional 78">
+            <a:extLst>
+              <a:ext uri="{FF2B5EF4-FFF2-40B4-BE49-F238E27FC236}">
+                <a16:creationId xmlns:a16="http://schemas.microsoft.com/office/drawing/2014/main" id="{22E26C42-9D6A-4E42-8345-931D069DCF50}"/>
+              </a:ext>
+            </a:extLst>
+          </p:cNvPr>
+          <p:cNvCxnSpPr>
+            <a:cxnSpLocks/>
+            <a:stCxn id="4" idx="4"/>
+            <a:endCxn id="5" idx="0"/>
+          </p:cNvCxnSpPr>
+          <p:nvPr/>
+        </p:nvCxnSpPr>
+        <p:spPr>
+          <a:xfrm flipH="1">
+            <a:off x="6095999" y="829341"/>
+            <a:ext cx="1" cy="340240"/>
+          </a:xfrm>
+          <a:prstGeom prst="straightConnector1">
+            <a:avLst/>
+          </a:prstGeom>
+          <a:ln>
+            <a:tailEnd type="triangle"/>
+          </a:ln>
+        </p:spPr>
+        <p:style>
+          <a:lnRef idx="1">
+            <a:schemeClr val="accent1"/>
+          </a:lnRef>
+          <a:fillRef idx="0">
+            <a:schemeClr val="accent1"/>
+          </a:fillRef>
+          <a:effectRef idx="0">
+            <a:schemeClr val="accent1"/>
+          </a:effectRef>
+          <a:fontRef idx="minor">
+            <a:schemeClr val="tx1"/>
+          </a:fontRef>
+        </p:style>
+      </p:cxnSp>
     </p:spTree>
     <p:extLst>
       <p:ext uri="{BB962C8B-B14F-4D97-AF65-F5344CB8AC3E}">
-        <p14:creationId xmlns:p14="http://schemas.microsoft.com/office/powerpoint/2010/main" val="3612056917"/>
+        <p14:creationId xmlns:p14="http://schemas.microsoft.com/office/powerpoint/2010/main" val="993300952"/>
       </p:ext>
     </p:extLst>
   </p:cSld>
@@ -4444,81 +7335,78 @@
           <a:chExt cx="0" cy="0"/>
         </a:xfrm>
       </p:grpSpPr>
-      <p:sp>
-        <p:nvSpPr>
-          <p:cNvPr id="2" name="Title 1">
-            <a:extLst>
-              <a:ext uri="{FF2B5EF4-FFF2-40B4-BE49-F238E27FC236}">
-                <a16:creationId xmlns:a16="http://schemas.microsoft.com/office/drawing/2014/main" id="{66705542-B9E4-4BF9-9A92-D5079580FFF4}"/>
-              </a:ext>
-            </a:extLst>
-          </p:cNvPr>
-          <p:cNvSpPr>
-            <a:spLocks noGrp="1"/>
-          </p:cNvSpPr>
-          <p:nvPr>
-            <p:ph type="title"/>
-          </p:nvPr>
-        </p:nvSpPr>
-        <p:spPr/>
-        <p:txBody>
-          <a:bodyPr>
-            <a:normAutofit fontScale="90000"/>
+      <p:pic>
+        <p:nvPicPr>
+          <p:cNvPr id="5" name="Marcador de Posição de Conteúdo 4">
+            <a:extLst>
+              <a:ext uri="{FF2B5EF4-FFF2-40B4-BE49-F238E27FC236}">
+                <a16:creationId xmlns:a16="http://schemas.microsoft.com/office/drawing/2014/main" id="{030A8D35-3F19-40BE-9B14-B1D39114845E}"/>
+              </a:ext>
+            </a:extLst>
+          </p:cNvPr>
+          <p:cNvPicPr>
+            <a:picLocks noGrp="1" noChangeAspect="1"/>
+          </p:cNvPicPr>
+          <p:nvPr>
+            <p:ph idx="1"/>
+          </p:nvPr>
+        </p:nvPicPr>
+        <p:blipFill>
+          <a:blip r:embed="rId2">
+            <a:extLst>
+              <a:ext uri="{28A0092B-C50C-407E-A947-70E740481C1C}">
+                <a14:useLocalDpi xmlns:a14="http://schemas.microsoft.com/office/drawing/2010/main" val="0"/>
+              </a:ext>
+            </a:extLst>
+          </a:blip>
+          <a:stretch>
+            <a:fillRect/>
+          </a:stretch>
+        </p:blipFill>
+        <p:spPr>
+          <a:xfrm>
+            <a:off x="0" y="6664"/>
+            <a:ext cx="7111214" cy="6851336"/>
+          </a:xfrm>
+        </p:spPr>
+      </p:pic>
+      <p:sp>
+        <p:nvSpPr>
+          <p:cNvPr id="6" name="CaixaDeTexto 5">
+            <a:extLst>
+              <a:ext uri="{FF2B5EF4-FFF2-40B4-BE49-F238E27FC236}">
+                <a16:creationId xmlns:a16="http://schemas.microsoft.com/office/drawing/2014/main" id="{44C5B9B1-5CF1-4B27-8E56-6350C76ED325}"/>
+              </a:ext>
+            </a:extLst>
+          </p:cNvPr>
+          <p:cNvSpPr txBox="1"/>
+          <p:nvPr/>
+        </p:nvSpPr>
+        <p:spPr>
+          <a:xfrm>
+            <a:off x="7262036" y="2828835"/>
+            <a:ext cx="4781107" cy="1200329"/>
+          </a:xfrm>
+          <a:prstGeom prst="rect">
+            <a:avLst/>
+          </a:prstGeom>
+          <a:noFill/>
+        </p:spPr>
+        <p:txBody>
+          <a:bodyPr wrap="square" rtlCol="0">
+            <a:spAutoFit/>
           </a:bodyPr>
           <a:lstStyle/>
           <a:p>
-            <a:pPr algn="ctr"/>
-            <a:r>
-              <a:rPr lang="pt-PT" sz="9600" dirty="0">
-                <a:latin typeface="Bahnschrift SemiBold" panose="020B0502040204020203" pitchFamily="34" charset="0"/>
-              </a:rPr>
-              <a:t>Ritmo das chamdas</a:t>
-            </a:r>
-            <a:r>
-              <a:rPr lang="pt-PT" dirty="0">
-                <a:latin typeface="Bahnschrift SemiBold" panose="020B0502040204020203" pitchFamily="34" charset="0"/>
-              </a:rPr>
-              <a:t> </a:t>
-            </a:r>
-          </a:p>
-        </p:txBody>
-      </p:sp>
-      <p:sp>
-        <p:nvSpPr>
-          <p:cNvPr id="3" name="Content Placeholder 2">
-            <a:extLst>
-              <a:ext uri="{FF2B5EF4-FFF2-40B4-BE49-F238E27FC236}">
-                <a16:creationId xmlns:a16="http://schemas.microsoft.com/office/drawing/2014/main" id="{F58B9505-EC79-4145-9384-1F1C4416FC9B}"/>
-              </a:ext>
-            </a:extLst>
-          </p:cNvPr>
-          <p:cNvSpPr>
-            <a:spLocks noGrp="1"/>
-          </p:cNvSpPr>
-          <p:nvPr>
-            <p:ph idx="1"/>
-          </p:nvPr>
-        </p:nvSpPr>
-        <p:spPr/>
-        <p:txBody>
-          <a:bodyPr/>
-          <a:lstStyle/>
-          <a:p>
             <a:r>
               <a:rPr lang="pt-PT" dirty="0"/>
-              <a:t>Ritmo de chamadas:</a:t>
+              <a:t>Este é um excerto do código responsável pela chegada de chamadas.</a:t>
             </a:r>
           </a:p>
           <a:p>
             <a:r>
               <a:rPr lang="pt-PT" dirty="0"/>
-              <a:t>Distribuição de chamadas:</a:t>
-            </a:r>
-          </a:p>
-          <a:p>
-            <a:r>
-              <a:rPr lang="pt-PT" dirty="0"/>
-              <a:t>Caracterização estatística da duração:</a:t>
+              <a:t>Este excerto apresenta como é tratada uma chamada do tipo 112.</a:t>
             </a:r>
           </a:p>
         </p:txBody>
@@ -4526,7 +7414,7 @@
     </p:spTree>
     <p:extLst>
       <p:ext uri="{BB962C8B-B14F-4D97-AF65-F5344CB8AC3E}">
-        <p14:creationId xmlns:p14="http://schemas.microsoft.com/office/powerpoint/2010/main" val="1535362694"/>
+        <p14:creationId xmlns:p14="http://schemas.microsoft.com/office/powerpoint/2010/main" val="3795545355"/>
       </p:ext>
     </p:extLst>
   </p:cSld>
@@ -4553,67 +7441,86 @@
           <a:chExt cx="0" cy="0"/>
         </a:xfrm>
       </p:grpSpPr>
-      <p:sp>
-        <p:nvSpPr>
-          <p:cNvPr id="2" name="Title 1">
-            <a:extLst>
-              <a:ext uri="{FF2B5EF4-FFF2-40B4-BE49-F238E27FC236}">
-                <a16:creationId xmlns:a16="http://schemas.microsoft.com/office/drawing/2014/main" id="{E3B84481-DA4F-48DC-ABE3-E4BF25307A7D}"/>
-              </a:ext>
-            </a:extLst>
-          </p:cNvPr>
-          <p:cNvSpPr>
-            <a:spLocks noGrp="1"/>
-          </p:cNvSpPr>
-          <p:nvPr>
-            <p:ph type="title"/>
-          </p:nvPr>
-        </p:nvSpPr>
-        <p:spPr/>
-        <p:txBody>
-          <a:bodyPr>
-            <a:normAutofit/>
+      <p:pic>
+        <p:nvPicPr>
+          <p:cNvPr id="5" name="Marcador de Posição de Conteúdo 4">
+            <a:extLst>
+              <a:ext uri="{FF2B5EF4-FFF2-40B4-BE49-F238E27FC236}">
+                <a16:creationId xmlns:a16="http://schemas.microsoft.com/office/drawing/2014/main" id="{731D77A7-0BDA-4C17-A460-4FA605B49A20}"/>
+              </a:ext>
+            </a:extLst>
+          </p:cNvPr>
+          <p:cNvPicPr>
+            <a:picLocks noGrp="1" noChangeAspect="1"/>
+          </p:cNvPicPr>
+          <p:nvPr>
+            <p:ph idx="1"/>
+          </p:nvPr>
+        </p:nvPicPr>
+        <p:blipFill>
+          <a:blip r:embed="rId2">
+            <a:extLst>
+              <a:ext uri="{28A0092B-C50C-407E-A947-70E740481C1C}">
+                <a14:useLocalDpi xmlns:a14="http://schemas.microsoft.com/office/drawing/2010/main" val="0"/>
+              </a:ext>
+            </a:extLst>
+          </a:blip>
+          <a:stretch>
+            <a:fillRect/>
+          </a:stretch>
+        </p:blipFill>
+        <p:spPr>
+          <a:xfrm>
+            <a:off x="0" y="-4150"/>
+            <a:ext cx="7360111" cy="6862150"/>
+          </a:xfrm>
+        </p:spPr>
+      </p:pic>
+      <p:sp>
+        <p:nvSpPr>
+          <p:cNvPr id="6" name="CaixaDeTexto 5">
+            <a:extLst>
+              <a:ext uri="{FF2B5EF4-FFF2-40B4-BE49-F238E27FC236}">
+                <a16:creationId xmlns:a16="http://schemas.microsoft.com/office/drawing/2014/main" id="{07DF97C4-9FA7-4E85-BFE6-14CEDE5C7111}"/>
+              </a:ext>
+            </a:extLst>
+          </p:cNvPr>
+          <p:cNvSpPr txBox="1"/>
+          <p:nvPr/>
+        </p:nvSpPr>
+        <p:spPr>
+          <a:xfrm>
+            <a:off x="7360111" y="2826760"/>
+            <a:ext cx="4831889" cy="1200329"/>
+          </a:xfrm>
+          <a:prstGeom prst="rect">
+            <a:avLst/>
+          </a:prstGeom>
+          <a:noFill/>
+        </p:spPr>
+        <p:txBody>
+          <a:bodyPr wrap="square" rtlCol="0">
+            <a:spAutoFit/>
           </a:bodyPr>
           <a:lstStyle/>
           <a:p>
             <a:r>
-              <a:rPr lang="pt-PT" sz="6600" dirty="0">
-                <a:latin typeface="Bahnschrift SemiBold" panose="020B0502040204020203" pitchFamily="34" charset="0"/>
-              </a:rPr>
-              <a:t>Distribuição das chamadas</a:t>
-            </a:r>
-          </a:p>
-        </p:txBody>
-      </p:sp>
-      <p:sp>
-        <p:nvSpPr>
-          <p:cNvPr id="3" name="Content Placeholder 2">
-            <a:extLst>
-              <a:ext uri="{FF2B5EF4-FFF2-40B4-BE49-F238E27FC236}">
-                <a16:creationId xmlns:a16="http://schemas.microsoft.com/office/drawing/2014/main" id="{68FC0409-89C5-49A4-A061-A3DB7711EB98}"/>
-              </a:ext>
-            </a:extLst>
-          </p:cNvPr>
-          <p:cNvSpPr>
-            <a:spLocks noGrp="1"/>
-          </p:cNvSpPr>
-          <p:nvPr>
-            <p:ph idx="1"/>
-          </p:nvPr>
-        </p:nvSpPr>
-        <p:spPr/>
-        <p:txBody>
-          <a:bodyPr/>
-          <a:lstStyle/>
-          <a:p>
-            <a:endParaRPr lang="pt-PT"/>
+              <a:rPr lang="pt-PT" dirty="0"/>
+              <a:t>Este excerto de código representada parte do código responsável pela libertação da chamada, ou seja, pelo “desligar” da chamada.</a:t>
+            </a:r>
+          </a:p>
+          <a:p>
+            <a:r>
+              <a:rPr lang="pt-PT" dirty="0"/>
+              <a:t>Esta é a forma de desligar uma chamada do 112.</a:t>
+            </a:r>
           </a:p>
         </p:txBody>
       </p:sp>
     </p:spTree>
     <p:extLst>
       <p:ext uri="{BB962C8B-B14F-4D97-AF65-F5344CB8AC3E}">
-        <p14:creationId xmlns:p14="http://schemas.microsoft.com/office/powerpoint/2010/main" val="3889312128"/>
+        <p14:creationId xmlns:p14="http://schemas.microsoft.com/office/powerpoint/2010/main" val="956846695"/>
       </p:ext>
     </p:extLst>
   </p:cSld>
@@ -4645,7 +7552,7 @@
           <p:cNvPr id="2" name="Title 1">
             <a:extLst>
               <a:ext uri="{FF2B5EF4-FFF2-40B4-BE49-F238E27FC236}">
-                <a16:creationId xmlns:a16="http://schemas.microsoft.com/office/drawing/2014/main" id="{D9DE99AA-F3AB-41CC-919A-CEB4771BDD84}"/>
+                <a16:creationId xmlns:a16="http://schemas.microsoft.com/office/drawing/2014/main" id="{E063250E-F8FC-49DC-B41C-8967C583D734}"/>
               </a:ext>
             </a:extLst>
           </p:cNvPr>
@@ -4658,16 +7565,15 @@
         </p:nvSpPr>
         <p:spPr/>
         <p:txBody>
-          <a:bodyPr>
-            <a:noAutofit/>
-          </a:bodyPr>
-          <a:lstStyle/>
-          <a:p>
-            <a:r>
-              <a:rPr lang="pt-PT" sz="6600" dirty="0">
+          <a:bodyPr/>
+          <a:lstStyle/>
+          <a:p>
+            <a:pPr algn="ctr"/>
+            <a:r>
+              <a:rPr lang="pt-PT" dirty="0">
                 <a:latin typeface="Bahnschrift SemiBold" panose="020B0502040204020203" pitchFamily="34" charset="0"/>
               </a:rPr>
-              <a:t>Caracterização estatística</a:t>
+              <a:t>Dados Fornecidos</a:t>
             </a:r>
           </a:p>
         </p:txBody>
@@ -4677,7 +7583,7 @@
           <p:cNvPr id="3" name="Content Placeholder 2">
             <a:extLst>
               <a:ext uri="{FF2B5EF4-FFF2-40B4-BE49-F238E27FC236}">
-                <a16:creationId xmlns:a16="http://schemas.microsoft.com/office/drawing/2014/main" id="{8BC11F86-6C67-49F3-9BD0-2F91784F3B07}"/>
+                <a16:creationId xmlns:a16="http://schemas.microsoft.com/office/drawing/2014/main" id="{2BEFAFFC-A790-4AFE-B2A1-669972A046ED}"/>
               </a:ext>
             </a:extLst>
           </p:cNvPr>
@@ -4693,14 +7599,27 @@
           <a:bodyPr/>
           <a:lstStyle/>
           <a:p>
-            <a:endParaRPr lang="pt-PT"/>
+            <a:r>
+              <a:rPr lang="pt-PT" dirty="0">
+                <a:latin typeface="Bahnschrift" panose="020B0502040204020203" pitchFamily="34" charset="0"/>
+              </a:rPr>
+              <a:t>Os dados fornecidos contêm a hora de início de cada chamada, o tipo, se pertence ao 112 ou INEM, e o tempo de duração de cada chamada. </a:t>
+            </a:r>
+          </a:p>
+          <a:p>
+            <a:r>
+              <a:rPr lang="pt-PT" dirty="0">
+                <a:latin typeface="Bahnschrift" panose="020B0502040204020203" pitchFamily="34" charset="0"/>
+              </a:rPr>
+              <a:t>As chamadas do INEM só irão ser libertadas das linhas do 112 após atendimento no INEM. </a:t>
+            </a:r>
           </a:p>
         </p:txBody>
       </p:sp>
     </p:spTree>
     <p:extLst>
       <p:ext uri="{BB962C8B-B14F-4D97-AF65-F5344CB8AC3E}">
-        <p14:creationId xmlns:p14="http://schemas.microsoft.com/office/powerpoint/2010/main" val="1653182966"/>
+        <p14:creationId xmlns:p14="http://schemas.microsoft.com/office/powerpoint/2010/main" val="3612056917"/>
       </p:ext>
     </p:extLst>
   </p:cSld>
@@ -4732,7 +7651,7 @@
           <p:cNvPr id="2" name="Title 1">
             <a:extLst>
               <a:ext uri="{FF2B5EF4-FFF2-40B4-BE49-F238E27FC236}">
-                <a16:creationId xmlns:a16="http://schemas.microsoft.com/office/drawing/2014/main" id="{D7F3DB46-B670-4444-9CE8-E83989B964DF}"/>
+                <a16:creationId xmlns:a16="http://schemas.microsoft.com/office/drawing/2014/main" id="{66705542-B9E4-4BF9-9A92-D5079580FFF4}"/>
               </a:ext>
             </a:extLst>
           </p:cNvPr>
@@ -4746,49 +7665,108 @@
         <p:spPr/>
         <p:txBody>
           <a:bodyPr>
-            <a:normAutofit/>
+            <a:normAutofit fontScale="90000"/>
           </a:bodyPr>
           <a:lstStyle/>
           <a:p>
-            <a:r>
-              <a:rPr lang="pt-PT" sz="6600" dirty="0">
+            <a:pPr algn="ctr"/>
+            <a:r>
+              <a:rPr lang="pt-PT" sz="9600" dirty="0">
                 <a:latin typeface="Bahnschrift SemiBold" panose="020B0502040204020203" pitchFamily="34" charset="0"/>
               </a:rPr>
-              <a:t>Probabilidade de bloqueio</a:t>
-            </a:r>
-          </a:p>
-        </p:txBody>
-      </p:sp>
-      <p:sp>
-        <p:nvSpPr>
-          <p:cNvPr id="3" name="Content Placeholder 2">
-            <a:extLst>
-              <a:ext uri="{FF2B5EF4-FFF2-40B4-BE49-F238E27FC236}">
-                <a16:creationId xmlns:a16="http://schemas.microsoft.com/office/drawing/2014/main" id="{2C4352D2-F316-4AED-AD40-237F05590D46}"/>
-              </a:ext>
-            </a:extLst>
-          </p:cNvPr>
-          <p:cNvSpPr>
-            <a:spLocks noGrp="1"/>
-          </p:cNvSpPr>
+              <a:t>Ritmo das chamadas</a:t>
+            </a:r>
+            <a:r>
+              <a:rPr lang="pt-PT" dirty="0">
+                <a:latin typeface="Bahnschrift SemiBold" panose="020B0502040204020203" pitchFamily="34" charset="0"/>
+              </a:rPr>
+              <a:t> </a:t>
+            </a:r>
+          </a:p>
+        </p:txBody>
+      </p:sp>
+      <p:pic>
+        <p:nvPicPr>
+          <p:cNvPr id="5" name="Marcador de Posição de Conteúdo 4">
+            <a:extLst>
+              <a:ext uri="{FF2B5EF4-FFF2-40B4-BE49-F238E27FC236}">
+                <a16:creationId xmlns:a16="http://schemas.microsoft.com/office/drawing/2014/main" id="{36DE0451-0C5C-4487-8767-837F4181FD55}"/>
+              </a:ext>
+            </a:extLst>
+          </p:cNvPr>
+          <p:cNvPicPr>
+            <a:picLocks noGrp="1" noChangeAspect="1"/>
+          </p:cNvPicPr>
           <p:nvPr>
             <p:ph idx="1"/>
           </p:nvPr>
-        </p:nvSpPr>
-        <p:spPr/>
-        <p:txBody>
-          <a:bodyPr/>
+        </p:nvPicPr>
+        <p:blipFill>
+          <a:blip r:embed="rId2">
+            <a:extLst>
+              <a:ext uri="{28A0092B-C50C-407E-A947-70E740481C1C}">
+                <a14:useLocalDpi xmlns:a14="http://schemas.microsoft.com/office/drawing/2010/main" val="0"/>
+              </a:ext>
+            </a:extLst>
+          </a:blip>
+          <a:stretch>
+            <a:fillRect/>
+          </a:stretch>
+        </p:blipFill>
+        <p:spPr>
+          <a:xfrm>
+            <a:off x="838200" y="2359299"/>
+            <a:ext cx="10591800" cy="1155112"/>
+          </a:xfrm>
+        </p:spPr>
+      </p:pic>
+      <p:sp>
+        <p:nvSpPr>
+          <p:cNvPr id="6" name="CaixaDeTexto 5">
+            <a:extLst>
+              <a:ext uri="{FF2B5EF4-FFF2-40B4-BE49-F238E27FC236}">
+                <a16:creationId xmlns:a16="http://schemas.microsoft.com/office/drawing/2014/main" id="{5C366E99-D7A1-4C04-84AA-C5740ECF1928}"/>
+              </a:ext>
+            </a:extLst>
+          </p:cNvPr>
+          <p:cNvSpPr txBox="1"/>
+          <p:nvPr/>
+        </p:nvSpPr>
+        <p:spPr>
+          <a:xfrm>
+            <a:off x="838200" y="3880884"/>
+            <a:ext cx="10591800" cy="923330"/>
+          </a:xfrm>
+          <a:prstGeom prst="rect">
+            <a:avLst/>
+          </a:prstGeom>
+          <a:noFill/>
+        </p:spPr>
+        <p:txBody>
+          <a:bodyPr wrap="square" rtlCol="0">
+            <a:spAutoFit/>
+          </a:bodyPr>
           <a:lstStyle/>
           <a:p>
             <a:r>
               <a:rPr lang="pt-PT" dirty="0"/>
-              <a:t>Global </a:t>
+              <a:t>Resultados :</a:t>
             </a:r>
           </a:p>
           <a:p>
             <a:r>
               <a:rPr lang="pt-PT" dirty="0"/>
-              <a:t>Por sistema</a:t>
+              <a:t>Bhca112 = 0,1039 chamadas por segundo</a:t>
+            </a:r>
+          </a:p>
+          <a:p>
+            <a:r>
+              <a:rPr lang="pt-PT" dirty="0" err="1"/>
+              <a:t>BhcaINEM</a:t>
+            </a:r>
+            <a:r>
+              <a:rPr lang="pt-PT" dirty="0"/>
+              <a:t> = 0.3026 chamadas por segundos</a:t>
             </a:r>
           </a:p>
         </p:txBody>
@@ -4796,7 +7774,7 @@
     </p:spTree>
     <p:extLst>
       <p:ext uri="{BB962C8B-B14F-4D97-AF65-F5344CB8AC3E}">
-        <p14:creationId xmlns:p14="http://schemas.microsoft.com/office/powerpoint/2010/main" val="1726945532"/>
+        <p14:creationId xmlns:p14="http://schemas.microsoft.com/office/powerpoint/2010/main" val="1535362694"/>
       </p:ext>
     </p:extLst>
   </p:cSld>
@@ -4828,7 +7806,7 @@
           <p:cNvPr id="2" name="Title 1">
             <a:extLst>
               <a:ext uri="{FF2B5EF4-FFF2-40B4-BE49-F238E27FC236}">
-                <a16:creationId xmlns:a16="http://schemas.microsoft.com/office/drawing/2014/main" id="{906E6571-0E2C-474E-A28C-38C787CB089E}"/>
+                <a16:creationId xmlns:a16="http://schemas.microsoft.com/office/drawing/2014/main" id="{E3B84481-DA4F-48DC-ABE3-E4BF25307A7D}"/>
               </a:ext>
             </a:extLst>
           </p:cNvPr>
@@ -4847,44 +7825,115 @@
           <a:lstStyle/>
           <a:p>
             <a:r>
-              <a:rPr lang="pt-PT" sz="7200" dirty="0">
+              <a:rPr lang="pt-PT" sz="6600" dirty="0">
                 <a:latin typeface="Bahnschrift SemiBold" panose="020B0502040204020203" pitchFamily="34" charset="0"/>
               </a:rPr>
-              <a:t>Probabilidade de espera</a:t>
-            </a:r>
-          </a:p>
-        </p:txBody>
-      </p:sp>
-      <p:sp>
-        <p:nvSpPr>
-          <p:cNvPr id="3" name="Content Placeholder 2">
-            <a:extLst>
-              <a:ext uri="{FF2B5EF4-FFF2-40B4-BE49-F238E27FC236}">
-                <a16:creationId xmlns:a16="http://schemas.microsoft.com/office/drawing/2014/main" id="{297D9736-64BC-4C98-9D63-36E648414595}"/>
-              </a:ext>
-            </a:extLst>
-          </p:cNvPr>
-          <p:cNvSpPr>
-            <a:spLocks noGrp="1"/>
-          </p:cNvSpPr>
-          <p:nvPr>
-            <p:ph idx="1"/>
-          </p:nvPr>
-        </p:nvSpPr>
-        <p:spPr/>
-        <p:txBody>
-          <a:bodyPr/>
+              <a:t>Distribuição das chamadas</a:t>
+            </a:r>
+          </a:p>
+        </p:txBody>
+      </p:sp>
+      <p:pic>
+        <p:nvPicPr>
+          <p:cNvPr id="9" name="Marcador de Posição de Conteúdo 8">
+            <a:extLst>
+              <a:ext uri="{FF2B5EF4-FFF2-40B4-BE49-F238E27FC236}">
+                <a16:creationId xmlns:a16="http://schemas.microsoft.com/office/drawing/2014/main" id="{5CCCDADD-E6E5-4BD2-8D66-A42AE25137D3}"/>
+              </a:ext>
+            </a:extLst>
+          </p:cNvPr>
+          <p:cNvPicPr>
+            <a:picLocks noGrp="1" noChangeAspect="1"/>
+          </p:cNvPicPr>
+          <p:nvPr>
+            <p:ph sz="half" idx="2"/>
+          </p:nvPr>
+        </p:nvPicPr>
+        <p:blipFill>
+          <a:blip r:embed="rId2">
+            <a:extLst>
+              <a:ext uri="{28A0092B-C50C-407E-A947-70E740481C1C}">
+                <a14:useLocalDpi xmlns:a14="http://schemas.microsoft.com/office/drawing/2010/main" val="0"/>
+              </a:ext>
+            </a:extLst>
+          </a:blip>
+          <a:stretch>
+            <a:fillRect/>
+          </a:stretch>
+        </p:blipFill>
+        <p:spPr>
+          <a:xfrm>
+            <a:off x="836613" y="2006005"/>
+            <a:ext cx="5157787" cy="3868340"/>
+          </a:xfrm>
+        </p:spPr>
+      </p:pic>
+      <p:pic>
+        <p:nvPicPr>
+          <p:cNvPr id="11" name="Marcador de Posição de Conteúdo 10">
+            <a:extLst>
+              <a:ext uri="{FF2B5EF4-FFF2-40B4-BE49-F238E27FC236}">
+                <a16:creationId xmlns:a16="http://schemas.microsoft.com/office/drawing/2014/main" id="{279DC65C-49B7-4450-96FD-DBF17987FA32}"/>
+              </a:ext>
+            </a:extLst>
+          </p:cNvPr>
+          <p:cNvPicPr>
+            <a:picLocks noGrp="1" noChangeAspect="1"/>
+          </p:cNvPicPr>
+          <p:nvPr>
+            <p:ph sz="quarter" idx="4"/>
+          </p:nvPr>
+        </p:nvPicPr>
+        <p:blipFill>
+          <a:blip r:embed="rId3">
+            <a:extLst>
+              <a:ext uri="{28A0092B-C50C-407E-A947-70E740481C1C}">
+                <a14:useLocalDpi xmlns:a14="http://schemas.microsoft.com/office/drawing/2010/main" val="0"/>
+              </a:ext>
+            </a:extLst>
+          </a:blip>
+          <a:stretch>
+            <a:fillRect/>
+          </a:stretch>
+        </p:blipFill>
+        <p:spPr>
+          <a:xfrm>
+            <a:off x="6197602" y="1783829"/>
+            <a:ext cx="5183188" cy="3887391"/>
+          </a:xfrm>
+        </p:spPr>
+      </p:pic>
+      <p:sp>
+        <p:nvSpPr>
+          <p:cNvPr id="12" name="CaixaDeTexto 11">
+            <a:extLst>
+              <a:ext uri="{FF2B5EF4-FFF2-40B4-BE49-F238E27FC236}">
+                <a16:creationId xmlns:a16="http://schemas.microsoft.com/office/drawing/2014/main" id="{9BB50402-EE70-4DDF-98BB-D6A54EA09DC2}"/>
+              </a:ext>
+            </a:extLst>
+          </p:cNvPr>
+          <p:cNvSpPr txBox="1"/>
+          <p:nvPr/>
+        </p:nvSpPr>
+        <p:spPr>
+          <a:xfrm>
+            <a:off x="1871330" y="6007395"/>
+            <a:ext cx="8484782" cy="646331"/>
+          </a:xfrm>
+          <a:prstGeom prst="rect">
+            <a:avLst/>
+          </a:prstGeom>
+          <a:noFill/>
+        </p:spPr>
+        <p:txBody>
+          <a:bodyPr wrap="square" rtlCol="0">
+            <a:spAutoFit/>
+          </a:bodyPr>
           <a:lstStyle/>
           <a:p>
             <a:r>
               <a:rPr lang="pt-PT" dirty="0"/>
-              <a:t>112</a:t>
-            </a:r>
-          </a:p>
-          <a:p>
-            <a:r>
-              <a:rPr lang="pt-PT" dirty="0"/>
-              <a:t>inem</a:t>
+              <a:t>No total são 1463 chamadas, dos quais 374 pertencem ao 112 e 1089 pertencem ao INEM.</a:t>
             </a:r>
           </a:p>
         </p:txBody>
@@ -4892,7 +7941,7 @@
     </p:spTree>
     <p:extLst>
       <p:ext uri="{BB962C8B-B14F-4D97-AF65-F5344CB8AC3E}">
-        <p14:creationId xmlns:p14="http://schemas.microsoft.com/office/powerpoint/2010/main" val="2526073834"/>
+        <p14:creationId xmlns:p14="http://schemas.microsoft.com/office/powerpoint/2010/main" val="3889312128"/>
       </p:ext>
     </p:extLst>
   </p:cSld>
@@ -4924,7 +7973,7 @@
           <p:cNvPr id="2" name="Title 1">
             <a:extLst>
               <a:ext uri="{FF2B5EF4-FFF2-40B4-BE49-F238E27FC236}">
-                <a16:creationId xmlns:a16="http://schemas.microsoft.com/office/drawing/2014/main" id="{F0E28169-0624-40DC-969B-F842E4FE9BF8}"/>
+                <a16:creationId xmlns:a16="http://schemas.microsoft.com/office/drawing/2014/main" id="{D9DE99AA-F3AB-41CC-919A-CEB4771BDD84}"/>
               </a:ext>
             </a:extLst>
           </p:cNvPr>
@@ -4938,63 +7987,114 @@
         <p:spPr/>
         <p:txBody>
           <a:bodyPr>
-            <a:normAutofit/>
+            <a:noAutofit/>
           </a:bodyPr>
           <a:lstStyle/>
           <a:p>
             <a:r>
-              <a:rPr lang="pt-PT" sz="6000" dirty="0">
+              <a:rPr lang="pt-PT" sz="6600" dirty="0">
                 <a:latin typeface="Bahnschrift SemiBold" panose="020B0502040204020203" pitchFamily="34" charset="0"/>
               </a:rPr>
-              <a:t>Número médio de chamadas</a:t>
-            </a:r>
-          </a:p>
-        </p:txBody>
-      </p:sp>
-      <p:sp>
-        <p:nvSpPr>
-          <p:cNvPr id="3" name="Content Placeholder 2">
-            <a:extLst>
-              <a:ext uri="{FF2B5EF4-FFF2-40B4-BE49-F238E27FC236}">
-                <a16:creationId xmlns:a16="http://schemas.microsoft.com/office/drawing/2014/main" id="{021A3757-5782-43F3-848A-81B860C302D6}"/>
-              </a:ext>
-            </a:extLst>
-          </p:cNvPr>
-          <p:cNvSpPr>
-            <a:spLocks noGrp="1"/>
-          </p:cNvSpPr>
-          <p:nvPr>
-            <p:ph idx="1"/>
-          </p:nvPr>
-        </p:nvSpPr>
-        <p:spPr/>
-        <p:txBody>
-          <a:bodyPr/>
+              <a:t>Caracterização estatística</a:t>
+            </a:r>
+          </a:p>
+        </p:txBody>
+      </p:sp>
+      <p:pic>
+        <p:nvPicPr>
+          <p:cNvPr id="9" name="Marcador de Posição de Conteúdo 8">
+            <a:extLst>
+              <a:ext uri="{FF2B5EF4-FFF2-40B4-BE49-F238E27FC236}">
+                <a16:creationId xmlns:a16="http://schemas.microsoft.com/office/drawing/2014/main" id="{ED614B85-816B-488D-9253-E1AFD8CCCB49}"/>
+              </a:ext>
+            </a:extLst>
+          </p:cNvPr>
+          <p:cNvPicPr>
+            <a:picLocks noGrp="1" noChangeAspect="1"/>
+          </p:cNvPicPr>
+          <p:nvPr>
+            <p:ph sz="half" idx="2"/>
+          </p:nvPr>
+        </p:nvPicPr>
+        <p:blipFill>
+          <a:blip r:embed="rId2">
+            <a:extLst>
+              <a:ext uri="{28A0092B-C50C-407E-A947-70E740481C1C}">
+                <a14:useLocalDpi xmlns:a14="http://schemas.microsoft.com/office/drawing/2010/main" val="0"/>
+              </a:ext>
+            </a:extLst>
+          </a:blip>
+          <a:stretch>
+            <a:fillRect/>
+          </a:stretch>
+        </p:blipFill>
+        <p:spPr>
+          <a:xfrm>
+            <a:off x="839787" y="2001665"/>
+            <a:ext cx="10143646" cy="1325563"/>
+          </a:xfrm>
+        </p:spPr>
+      </p:pic>
+      <p:sp>
+        <p:nvSpPr>
+          <p:cNvPr id="10" name="CaixaDeTexto 9">
+            <a:extLst>
+              <a:ext uri="{FF2B5EF4-FFF2-40B4-BE49-F238E27FC236}">
+                <a16:creationId xmlns:a16="http://schemas.microsoft.com/office/drawing/2014/main" id="{6D9977EC-38E6-4BC8-B99F-2CF610F69BEB}"/>
+              </a:ext>
+            </a:extLst>
+          </p:cNvPr>
+          <p:cNvSpPr txBox="1"/>
+          <p:nvPr/>
+        </p:nvSpPr>
+        <p:spPr>
+          <a:xfrm>
+            <a:off x="839787" y="3732028"/>
+            <a:ext cx="10143646" cy="1754326"/>
+          </a:xfrm>
+          <a:prstGeom prst="rect">
+            <a:avLst/>
+          </a:prstGeom>
+          <a:noFill/>
+        </p:spPr>
+        <p:txBody>
+          <a:bodyPr wrap="square" rtlCol="0">
+            <a:spAutoFit/>
+          </a:bodyPr>
           <a:lstStyle/>
           <a:p>
             <a:r>
               <a:rPr lang="pt-PT" dirty="0"/>
-              <a:t>112</a:t>
-            </a:r>
+              <a:t>Para a caracterização estatística para a duração das chamadas, calculámos qual a média de duração de chamadas, para cada sistema e no global.</a:t>
+            </a:r>
+          </a:p>
+          <a:p>
+            <a:endParaRPr lang="pt-PT" dirty="0"/>
           </a:p>
           <a:p>
             <a:r>
               <a:rPr lang="pt-PT" dirty="0"/>
-              <a:t>Inem</a:t>
-            </a:r>
-          </a:p>
-          <a:p>
-            <a:pPr marL="0" indent="0">
-              <a:buNone/>
-            </a:pPr>
-            <a:endParaRPr lang="pt-PT" dirty="0"/>
+              <a:t>Global = 217,915 segundos por chamada</a:t>
+            </a:r>
+          </a:p>
+          <a:p>
+            <a:r>
+              <a:rPr lang="pt-PT" dirty="0"/>
+              <a:t>112 = 107,826 segundos por chamada</a:t>
+            </a:r>
+          </a:p>
+          <a:p>
+            <a:r>
+              <a:rPr lang="pt-PT" dirty="0"/>
+              <a:t>INEM = 255,849 segundos por chamada</a:t>
+            </a:r>
           </a:p>
         </p:txBody>
       </p:sp>
     </p:spTree>
     <p:extLst>
       <p:ext uri="{BB962C8B-B14F-4D97-AF65-F5344CB8AC3E}">
-        <p14:creationId xmlns:p14="http://schemas.microsoft.com/office/powerpoint/2010/main" val="3073421796"/>
+        <p14:creationId xmlns:p14="http://schemas.microsoft.com/office/powerpoint/2010/main" val="1653182966"/>
       </p:ext>
     </p:extLst>
   </p:cSld>
@@ -5026,7 +8126,7 @@
           <p:cNvPr id="2" name="Title 1">
             <a:extLst>
               <a:ext uri="{FF2B5EF4-FFF2-40B4-BE49-F238E27FC236}">
-                <a16:creationId xmlns:a16="http://schemas.microsoft.com/office/drawing/2014/main" id="{A8D8BFB3-26D5-43AC-9EC9-65D3FCDAACD3}"/>
+                <a16:creationId xmlns:a16="http://schemas.microsoft.com/office/drawing/2014/main" id="{D7F3DB46-B670-4444-9CE8-E83989B964DF}"/>
               </a:ext>
             </a:extLst>
           </p:cNvPr>
@@ -5045,10 +8145,10 @@
           <a:lstStyle/>
           <a:p>
             <a:r>
-              <a:rPr lang="pt-PT" sz="5400" dirty="0">
+              <a:rPr lang="pt-PT" sz="6600" dirty="0">
                 <a:latin typeface="Bahnschrift SemiBold" panose="020B0502040204020203" pitchFamily="34" charset="0"/>
               </a:rPr>
-              <a:t>Ocupação média dos operadores</a:t>
+              <a:t>Probabilidade de bloqueio</a:t>
             </a:r>
           </a:p>
         </p:txBody>
@@ -5058,7 +8158,7 @@
           <p:cNvPr id="3" name="Content Placeholder 2">
             <a:extLst>
               <a:ext uri="{FF2B5EF4-FFF2-40B4-BE49-F238E27FC236}">
-                <a16:creationId xmlns:a16="http://schemas.microsoft.com/office/drawing/2014/main" id="{AB6912FF-A3C4-48C0-8D34-7035341A93B3}"/>
+                <a16:creationId xmlns:a16="http://schemas.microsoft.com/office/drawing/2014/main" id="{2C4352D2-F316-4AED-AD40-237F05590D46}"/>
               </a:ext>
             </a:extLst>
           </p:cNvPr>
@@ -5066,7 +8166,7 @@
             <a:spLocks noGrp="1"/>
           </p:cNvSpPr>
           <p:nvPr>
-            <p:ph idx="1"/>
+            <p:ph sz="half" idx="1"/>
           </p:nvPr>
         </p:nvSpPr>
         <p:spPr/>
@@ -5074,23 +8174,159 @@
           <a:bodyPr/>
           <a:lstStyle/>
           <a:p>
-            <a:r>
-              <a:rPr lang="pt-PT" dirty="0"/>
-              <a:t>112</a:t>
-            </a:r>
-          </a:p>
-          <a:p>
-            <a:r>
-              <a:rPr lang="pt-PT" dirty="0"/>
-              <a:t>inem</a:t>
-            </a:r>
-          </a:p>
-        </p:txBody>
-      </p:sp>
+            <a:pPr marL="0" indent="0">
+              <a:buNone/>
+            </a:pPr>
+            <a:r>
+              <a:rPr lang="pt-PT" sz="1400" dirty="0"/>
+              <a:t>Para os seguintes dados :  </a:t>
+            </a:r>
+          </a:p>
+          <a:p>
+            <a:pPr marL="0" indent="0">
+              <a:lnSpc>
+                <a:spcPct val="100000"/>
+              </a:lnSpc>
+              <a:buNone/>
+            </a:pPr>
+            <a:r>
+              <a:rPr lang="pt-PT" sz="1400" b="1" dirty="0"/>
+              <a:t>config.nLines112=157;</a:t>
+            </a:r>
+          </a:p>
+          <a:p>
+            <a:pPr marL="0" indent="0">
+              <a:lnSpc>
+                <a:spcPct val="100000"/>
+              </a:lnSpc>
+              <a:buNone/>
+            </a:pPr>
+            <a:r>
+              <a:rPr lang="pt-PT" sz="1400" b="1" dirty="0" err="1"/>
+              <a:t>config.nLinesINEM</a:t>
+            </a:r>
+            <a:r>
+              <a:rPr lang="pt-PT" sz="1400" b="1" dirty="0"/>
+              <a:t>=107;</a:t>
+            </a:r>
+          </a:p>
+          <a:p>
+            <a:pPr marL="0" indent="0">
+              <a:lnSpc>
+                <a:spcPct val="100000"/>
+              </a:lnSpc>
+              <a:buNone/>
+            </a:pPr>
+            <a:r>
+              <a:rPr lang="pt-PT" sz="1400" b="1" dirty="0"/>
+              <a:t>config.nOperators112=25;</a:t>
+            </a:r>
+          </a:p>
+          <a:p>
+            <a:pPr marL="0" indent="0">
+              <a:lnSpc>
+                <a:spcPct val="100000"/>
+              </a:lnSpc>
+              <a:buNone/>
+            </a:pPr>
+            <a:r>
+              <a:rPr lang="pt-PT" sz="1400" b="1" dirty="0" err="1"/>
+              <a:t>config.nOperatorsINEM</a:t>
+            </a:r>
+            <a:r>
+              <a:rPr lang="pt-PT" sz="1400" b="1" dirty="0"/>
+              <a:t>=74;</a:t>
+            </a:r>
+          </a:p>
+          <a:p>
+            <a:pPr marL="0" indent="0">
+              <a:lnSpc>
+                <a:spcPct val="100000"/>
+              </a:lnSpc>
+              <a:buNone/>
+            </a:pPr>
+            <a:r>
+              <a:rPr lang="pt-PT" sz="1400" dirty="0"/>
+              <a:t>Obtiveram-se os seguintes resultados:</a:t>
+            </a:r>
+          </a:p>
+          <a:p>
+            <a:pPr marL="0" indent="0">
+              <a:lnSpc>
+                <a:spcPct val="100000"/>
+              </a:lnSpc>
+              <a:buNone/>
+            </a:pPr>
+            <a:r>
+              <a:rPr lang="pt-PT" sz="1400" dirty="0"/>
+              <a:t>Pb do 112 = 0,005 ou 0,5%</a:t>
+            </a:r>
+          </a:p>
+          <a:p>
+            <a:pPr marL="0" indent="0">
+              <a:lnSpc>
+                <a:spcPct val="100000"/>
+              </a:lnSpc>
+              <a:buNone/>
+            </a:pPr>
+            <a:r>
+              <a:rPr lang="pt-PT" sz="1400" dirty="0"/>
+              <a:t>Pb do INEM = 0,0009 ou 0,09%</a:t>
+            </a:r>
+          </a:p>
+          <a:p>
+            <a:pPr marL="0" indent="0">
+              <a:lnSpc>
+                <a:spcPct val="100000"/>
+              </a:lnSpc>
+              <a:buNone/>
+            </a:pPr>
+            <a:r>
+              <a:rPr lang="pt-PT" sz="1400" dirty="0"/>
+              <a:t>Pb dos dois sistemas = 0.002 ou 0,2%</a:t>
+            </a:r>
+          </a:p>
+        </p:txBody>
+      </p:sp>
+      <p:pic>
+        <p:nvPicPr>
+          <p:cNvPr id="6" name="Marcador de Posição de Conteúdo 5">
+            <a:extLst>
+              <a:ext uri="{FF2B5EF4-FFF2-40B4-BE49-F238E27FC236}">
+                <a16:creationId xmlns:a16="http://schemas.microsoft.com/office/drawing/2014/main" id="{548B7101-566B-472A-A43C-9BEB71047C2F}"/>
+              </a:ext>
+            </a:extLst>
+          </p:cNvPr>
+          <p:cNvPicPr>
+            <a:picLocks noGrp="1" noChangeAspect="1"/>
+          </p:cNvPicPr>
+          <p:nvPr>
+            <p:ph sz="half" idx="2"/>
+          </p:nvPr>
+        </p:nvPicPr>
+        <p:blipFill>
+          <a:blip r:embed="rId2">
+            <a:extLst>
+              <a:ext uri="{28A0092B-C50C-407E-A947-70E740481C1C}">
+                <a14:useLocalDpi xmlns:a14="http://schemas.microsoft.com/office/drawing/2010/main" val="0"/>
+              </a:ext>
+            </a:extLst>
+          </a:blip>
+          <a:stretch>
+            <a:fillRect/>
+          </a:stretch>
+        </p:blipFill>
+        <p:spPr>
+          <a:xfrm>
+            <a:off x="6305207" y="3601188"/>
+            <a:ext cx="4915586" cy="800212"/>
+          </a:xfrm>
+        </p:spPr>
+      </p:pic>
     </p:spTree>
     <p:extLst>
       <p:ext uri="{BB962C8B-B14F-4D97-AF65-F5344CB8AC3E}">
-        <p14:creationId xmlns:p14="http://schemas.microsoft.com/office/powerpoint/2010/main" val="47791933"/>
+        <p14:creationId xmlns:p14="http://schemas.microsoft.com/office/powerpoint/2010/main" val="1726945532"/>
       </p:ext>
     </p:extLst>
   </p:cSld>
